--- a/12.class_and_objects/OOP_Part3.pptx
+++ b/12.class_and_objects/OOP_Part3.pptx
@@ -76,83 +76,17 @@
             <a:noAutofit/>
           </a:bodyPr>
           <a:p>
-            <a:r>
-              <a:rPr b="0" lang="en-IN" sz="1800" spc="-1" strike="noStrike">
-                <a:solidFill>
-                  <a:srgbClr val="000000"/>
-                </a:solidFill>
-                <a:latin typeface="Calibri"/>
-              </a:rPr>
-              <a:t>Cli</a:t>
-            </a:r>
-            <a:r>
-              <a:rPr b="0" lang="en-IN" sz="1800" spc="-1" strike="noStrike">
-                <a:solidFill>
-                  <a:srgbClr val="000000"/>
-                </a:solidFill>
-                <a:latin typeface="Calibri"/>
-              </a:rPr>
-              <a:t>ck </a:t>
-            </a:r>
-            <a:r>
-              <a:rPr b="0" lang="en-IN" sz="1800" spc="-1" strike="noStrike">
-                <a:solidFill>
-                  <a:srgbClr val="000000"/>
-                </a:solidFill>
-                <a:latin typeface="Calibri"/>
-              </a:rPr>
-              <a:t>to </a:t>
-            </a:r>
-            <a:r>
-              <a:rPr b="0" lang="en-IN" sz="1800" spc="-1" strike="noStrike">
-                <a:solidFill>
-                  <a:srgbClr val="000000"/>
-                </a:solidFill>
-                <a:latin typeface="Calibri"/>
-              </a:rPr>
-              <a:t>mo</a:t>
-            </a:r>
-            <a:r>
-              <a:rPr b="0" lang="en-IN" sz="1800" spc="-1" strike="noStrike">
-                <a:solidFill>
-                  <a:srgbClr val="000000"/>
-                </a:solidFill>
-                <a:latin typeface="Calibri"/>
-              </a:rPr>
-              <a:t>ve </a:t>
-            </a:r>
-            <a:r>
-              <a:rPr b="0" lang="en-IN" sz="1800" spc="-1" strike="noStrike">
-                <a:solidFill>
-                  <a:srgbClr val="000000"/>
-                </a:solidFill>
-                <a:latin typeface="Calibri"/>
-              </a:rPr>
-              <a:t>the </a:t>
-            </a:r>
-            <a:r>
-              <a:rPr b="0" lang="en-IN" sz="1800" spc="-1" strike="noStrike">
-                <a:solidFill>
-                  <a:srgbClr val="000000"/>
-                </a:solidFill>
-                <a:latin typeface="Calibri"/>
-              </a:rPr>
-              <a:t>sli</a:t>
-            </a:r>
-            <a:r>
-              <a:rPr b="0" lang="en-IN" sz="1800" spc="-1" strike="noStrike">
-                <a:solidFill>
-                  <a:srgbClr val="000000"/>
-                </a:solidFill>
-                <a:latin typeface="Calibri"/>
-              </a:rPr>
-              <a:t>de</a:t>
-            </a:r>
-            <a:endParaRPr b="0" lang="en-IN" sz="1800" spc="-1" strike="noStrike">
-              <a:solidFill>
-                <a:srgbClr val="000000"/>
-              </a:solidFill>
-              <a:latin typeface="Calibri"/>
+            <a:pPr algn="ctr">
+              <a:buNone/>
+            </a:pPr>
+            <a:r>
+              <a:rPr b="0" lang="en-IN" sz="4400" spc="-1" strike="noStrike">
+                <a:latin typeface="Arial"/>
+              </a:rPr>
+              <a:t>Click to move the slide</a:t>
+            </a:r>
+            <a:endParaRPr b="0" lang="en-IN" sz="4400" spc="-1" strike="noStrike">
+              <a:latin typeface="Arial"/>
             </a:endParaRPr>
           </a:p>
         </p:txBody>
@@ -374,7 +308,7 @@
             <a:pPr algn="r">
               <a:buNone/>
             </a:pPr>
-            <a:fld id="{36033B36-D367-4322-9170-17DCA6D282C0}" type="slidenum">
+            <a:fld id="{98B4C21F-EE88-4341-8243-A52C0512F468}" type="slidenum">
               <a:rPr b="0" lang="en-IN" sz="1400" spc="-1" strike="noStrike">
                 <a:latin typeface="Times New Roman"/>
               </a:rPr>
@@ -422,7 +356,7 @@
         <p:spPr>
           <a:xfrm>
             <a:off x="685800" y="1143000"/>
-            <a:ext cx="5486040" cy="3085920"/>
+            <a:ext cx="5485680" cy="3085560"/>
           </a:xfrm>
           <a:prstGeom prst="rect">
             <a:avLst/>
@@ -445,18 +379,18 @@
         <p:spPr>
           <a:xfrm>
             <a:off x="685800" y="4400640"/>
-            <a:ext cx="5486040" cy="3600000"/>
-          </a:xfrm>
-          <a:prstGeom prst="rect">
-            <a:avLst/>
-          </a:prstGeom>
-          <a:noFill/>
-          <a:ln w="0">
-            <a:noFill/>
-          </a:ln>
-        </p:spPr>
-        <p:txBody>
-          <a:bodyPr anchor="t">
+            <a:ext cx="5485680" cy="3599640"/>
+          </a:xfrm>
+          <a:prstGeom prst="rect">
+            <a:avLst/>
+          </a:prstGeom>
+          <a:noFill/>
+          <a:ln w="0">
+            <a:noFill/>
+          </a:ln>
+        </p:spPr>
+        <p:txBody>
+          <a:bodyPr lIns="0" rIns="0" tIns="0" bIns="0" anchor="t">
             <a:noAutofit/>
           </a:bodyPr>
           <a:p>
@@ -479,18 +413,18 @@
         <p:spPr>
           <a:xfrm>
             <a:off x="3884760" y="8685360"/>
-            <a:ext cx="2971440" cy="458280"/>
-          </a:xfrm>
-          <a:prstGeom prst="rect">
-            <a:avLst/>
-          </a:prstGeom>
-          <a:noFill/>
-          <a:ln w="0">
-            <a:noFill/>
-          </a:ln>
-        </p:spPr>
-        <p:txBody>
-          <a:bodyPr anchor="b">
+            <a:ext cx="2971080" cy="457920"/>
+          </a:xfrm>
+          <a:prstGeom prst="rect">
+            <a:avLst/>
+          </a:prstGeom>
+          <a:noFill/>
+          <a:ln w="0">
+            <a:noFill/>
+          </a:ln>
+        </p:spPr>
+        <p:txBody>
+          <a:bodyPr lIns="0" rIns="0" tIns="0" bIns="0" anchor="b">
             <a:noAutofit/>
           </a:bodyPr>
           <a:lstStyle>
@@ -515,7 +449,7 @@
               </a:lnSpc>
               <a:buNone/>
             </a:pPr>
-            <a:fld id="{C25B83FC-61C5-493E-A6AB-C5EF996A3683}" type="slidenum">
+            <a:fld id="{554C5966-2D11-45FF-B96A-7373AED782EB}" type="slidenum">
               <a:rPr b="0" lang="en-US" sz="1200" spc="-1" strike="noStrike">
                 <a:solidFill>
                   <a:srgbClr val="000000"/>
@@ -566,7 +500,7 @@
         <p:spPr>
           <a:xfrm>
             <a:off x="685800" y="1143000"/>
-            <a:ext cx="5486040" cy="3085920"/>
+            <a:ext cx="5485680" cy="3085560"/>
           </a:xfrm>
           <a:prstGeom prst="rect">
             <a:avLst/>
@@ -589,18 +523,18 @@
         <p:spPr>
           <a:xfrm>
             <a:off x="685800" y="4400640"/>
-            <a:ext cx="5486040" cy="3600000"/>
-          </a:xfrm>
-          <a:prstGeom prst="rect">
-            <a:avLst/>
-          </a:prstGeom>
-          <a:noFill/>
-          <a:ln w="0">
-            <a:noFill/>
-          </a:ln>
-        </p:spPr>
-        <p:txBody>
-          <a:bodyPr anchor="t">
+            <a:ext cx="5485680" cy="3599640"/>
+          </a:xfrm>
+          <a:prstGeom prst="rect">
+            <a:avLst/>
+          </a:prstGeom>
+          <a:noFill/>
+          <a:ln w="0">
+            <a:noFill/>
+          </a:ln>
+        </p:spPr>
+        <p:txBody>
+          <a:bodyPr lIns="0" rIns="0" tIns="0" bIns="0" anchor="t">
             <a:noAutofit/>
           </a:bodyPr>
           <a:p>
@@ -623,18 +557,18 @@
         <p:spPr>
           <a:xfrm>
             <a:off x="3884760" y="8685360"/>
-            <a:ext cx="2971440" cy="458280"/>
-          </a:xfrm>
-          <a:prstGeom prst="rect">
-            <a:avLst/>
-          </a:prstGeom>
-          <a:noFill/>
-          <a:ln w="0">
-            <a:noFill/>
-          </a:ln>
-        </p:spPr>
-        <p:txBody>
-          <a:bodyPr anchor="b">
+            <a:ext cx="2971080" cy="457920"/>
+          </a:xfrm>
+          <a:prstGeom prst="rect">
+            <a:avLst/>
+          </a:prstGeom>
+          <a:noFill/>
+          <a:ln w="0">
+            <a:noFill/>
+          </a:ln>
+        </p:spPr>
+        <p:txBody>
+          <a:bodyPr lIns="0" rIns="0" tIns="0" bIns="0" anchor="b">
             <a:noAutofit/>
           </a:bodyPr>
           <a:lstStyle>
@@ -659,7 +593,7 @@
               </a:lnSpc>
               <a:buNone/>
             </a:pPr>
-            <a:fld id="{6184AF71-3058-4498-910A-02856B057542}" type="slidenum">
+            <a:fld id="{216A1533-4123-416D-A232-CDBF2A684249}" type="slidenum">
               <a:rPr b="0" lang="en-US" sz="1200" spc="-1" strike="noStrike">
                 <a:solidFill>
                   <a:srgbClr val="000000"/>
@@ -710,7 +644,7 @@
         <p:spPr>
           <a:xfrm>
             <a:off x="685800" y="1143000"/>
-            <a:ext cx="5486040" cy="3085920"/>
+            <a:ext cx="5485680" cy="3085560"/>
           </a:xfrm>
           <a:prstGeom prst="rect">
             <a:avLst/>
@@ -733,18 +667,18 @@
         <p:spPr>
           <a:xfrm>
             <a:off x="685800" y="4400640"/>
-            <a:ext cx="5486040" cy="3600000"/>
-          </a:xfrm>
-          <a:prstGeom prst="rect">
-            <a:avLst/>
-          </a:prstGeom>
-          <a:noFill/>
-          <a:ln w="0">
-            <a:noFill/>
-          </a:ln>
-        </p:spPr>
-        <p:txBody>
-          <a:bodyPr anchor="t">
+            <a:ext cx="5485680" cy="3599640"/>
+          </a:xfrm>
+          <a:prstGeom prst="rect">
+            <a:avLst/>
+          </a:prstGeom>
+          <a:noFill/>
+          <a:ln w="0">
+            <a:noFill/>
+          </a:ln>
+        </p:spPr>
+        <p:txBody>
+          <a:bodyPr lIns="0" rIns="0" tIns="0" bIns="0" anchor="t">
             <a:noAutofit/>
           </a:bodyPr>
           <a:p>
@@ -767,18 +701,18 @@
         <p:spPr>
           <a:xfrm>
             <a:off x="3884760" y="8685360"/>
-            <a:ext cx="2971440" cy="458280"/>
-          </a:xfrm>
-          <a:prstGeom prst="rect">
-            <a:avLst/>
-          </a:prstGeom>
-          <a:noFill/>
-          <a:ln w="0">
-            <a:noFill/>
-          </a:ln>
-        </p:spPr>
-        <p:txBody>
-          <a:bodyPr anchor="b">
+            <a:ext cx="2971080" cy="457920"/>
+          </a:xfrm>
+          <a:prstGeom prst="rect">
+            <a:avLst/>
+          </a:prstGeom>
+          <a:noFill/>
+          <a:ln w="0">
+            <a:noFill/>
+          </a:ln>
+        </p:spPr>
+        <p:txBody>
+          <a:bodyPr lIns="0" rIns="0" tIns="0" bIns="0" anchor="b">
             <a:noAutofit/>
           </a:bodyPr>
           <a:lstStyle>
@@ -803,7 +737,7 @@
               </a:lnSpc>
               <a:buNone/>
             </a:pPr>
-            <a:fld id="{F14AAA85-2C15-47EB-997D-63E412AB0708}" type="slidenum">
+            <a:fld id="{25AFEEB4-1FD4-4D21-9A71-772081F941AD}" type="slidenum">
               <a:rPr b="0" lang="en-US" sz="1200" spc="-1" strike="noStrike">
                 <a:solidFill>
                   <a:srgbClr val="000000"/>
@@ -854,7 +788,7 @@
         <p:spPr>
           <a:xfrm>
             <a:off x="685800" y="1143000"/>
-            <a:ext cx="5486040" cy="3085920"/>
+            <a:ext cx="5485680" cy="3085560"/>
           </a:xfrm>
           <a:prstGeom prst="rect">
             <a:avLst/>
@@ -877,18 +811,18 @@
         <p:spPr>
           <a:xfrm>
             <a:off x="685800" y="4400640"/>
-            <a:ext cx="5486040" cy="3600000"/>
-          </a:xfrm>
-          <a:prstGeom prst="rect">
-            <a:avLst/>
-          </a:prstGeom>
-          <a:noFill/>
-          <a:ln w="0">
-            <a:noFill/>
-          </a:ln>
-        </p:spPr>
-        <p:txBody>
-          <a:bodyPr anchor="t">
+            <a:ext cx="5485680" cy="3599640"/>
+          </a:xfrm>
+          <a:prstGeom prst="rect">
+            <a:avLst/>
+          </a:prstGeom>
+          <a:noFill/>
+          <a:ln w="0">
+            <a:noFill/>
+          </a:ln>
+        </p:spPr>
+        <p:txBody>
+          <a:bodyPr lIns="0" rIns="0" tIns="0" bIns="0" anchor="t">
             <a:noAutofit/>
           </a:bodyPr>
           <a:p>
@@ -911,18 +845,18 @@
         <p:spPr>
           <a:xfrm>
             <a:off x="3884760" y="8685360"/>
-            <a:ext cx="2971440" cy="458280"/>
-          </a:xfrm>
-          <a:prstGeom prst="rect">
-            <a:avLst/>
-          </a:prstGeom>
-          <a:noFill/>
-          <a:ln w="0">
-            <a:noFill/>
-          </a:ln>
-        </p:spPr>
-        <p:txBody>
-          <a:bodyPr anchor="b">
+            <a:ext cx="2971080" cy="457920"/>
+          </a:xfrm>
+          <a:prstGeom prst="rect">
+            <a:avLst/>
+          </a:prstGeom>
+          <a:noFill/>
+          <a:ln w="0">
+            <a:noFill/>
+          </a:ln>
+        </p:spPr>
+        <p:txBody>
+          <a:bodyPr lIns="0" rIns="0" tIns="0" bIns="0" anchor="b">
             <a:noAutofit/>
           </a:bodyPr>
           <a:lstStyle>
@@ -947,7 +881,7 @@
               </a:lnSpc>
               <a:buNone/>
             </a:pPr>
-            <a:fld id="{62A07B03-6997-41F2-8EDB-F109D938F329}" type="slidenum">
+            <a:fld id="{7506F5F4-3777-4394-BFC2-CDA7033E9542}" type="slidenum">
               <a:rPr b="0" lang="en-US" sz="1200" spc="-1" strike="noStrike">
                 <a:solidFill>
                   <a:srgbClr val="000000"/>
@@ -998,7 +932,7 @@
         <p:spPr>
           <a:xfrm>
             <a:off x="685800" y="1143000"/>
-            <a:ext cx="5486040" cy="3085920"/>
+            <a:ext cx="5485680" cy="3085560"/>
           </a:xfrm>
           <a:prstGeom prst="rect">
             <a:avLst/>
@@ -1021,18 +955,18 @@
         <p:spPr>
           <a:xfrm>
             <a:off x="685800" y="4400640"/>
-            <a:ext cx="5486040" cy="3600000"/>
-          </a:xfrm>
-          <a:prstGeom prst="rect">
-            <a:avLst/>
-          </a:prstGeom>
-          <a:noFill/>
-          <a:ln w="0">
-            <a:noFill/>
-          </a:ln>
-        </p:spPr>
-        <p:txBody>
-          <a:bodyPr anchor="t">
+            <a:ext cx="5485680" cy="3599640"/>
+          </a:xfrm>
+          <a:prstGeom prst="rect">
+            <a:avLst/>
+          </a:prstGeom>
+          <a:noFill/>
+          <a:ln w="0">
+            <a:noFill/>
+          </a:ln>
+        </p:spPr>
+        <p:txBody>
+          <a:bodyPr lIns="0" rIns="0" tIns="0" bIns="0" anchor="t">
             <a:noAutofit/>
           </a:bodyPr>
           <a:p>
@@ -1055,18 +989,18 @@
         <p:spPr>
           <a:xfrm>
             <a:off x="3884760" y="8685360"/>
-            <a:ext cx="2971440" cy="458280"/>
-          </a:xfrm>
-          <a:prstGeom prst="rect">
-            <a:avLst/>
-          </a:prstGeom>
-          <a:noFill/>
-          <a:ln w="0">
-            <a:noFill/>
-          </a:ln>
-        </p:spPr>
-        <p:txBody>
-          <a:bodyPr anchor="b">
+            <a:ext cx="2971080" cy="457920"/>
+          </a:xfrm>
+          <a:prstGeom prst="rect">
+            <a:avLst/>
+          </a:prstGeom>
+          <a:noFill/>
+          <a:ln w="0">
+            <a:noFill/>
+          </a:ln>
+        </p:spPr>
+        <p:txBody>
+          <a:bodyPr lIns="0" rIns="0" tIns="0" bIns="0" anchor="b">
             <a:noAutofit/>
           </a:bodyPr>
           <a:lstStyle>
@@ -1091,7 +1025,7 @@
               </a:lnSpc>
               <a:buNone/>
             </a:pPr>
-            <a:fld id="{72ABD97F-3824-42DB-92C6-F592D426F6BF}" type="slidenum">
+            <a:fld id="{0769159B-1FE4-4D7E-80BA-D3514980080A}" type="slidenum">
               <a:rPr b="0" lang="en-US" sz="1200" spc="-1" strike="noStrike">
                 <a:solidFill>
                   <a:srgbClr val="000000"/>
@@ -1142,7 +1076,7 @@
         <p:spPr>
           <a:xfrm>
             <a:off x="685800" y="1143000"/>
-            <a:ext cx="5486040" cy="3085920"/>
+            <a:ext cx="5485680" cy="3085560"/>
           </a:xfrm>
           <a:prstGeom prst="rect">
             <a:avLst/>
@@ -1165,18 +1099,18 @@
         <p:spPr>
           <a:xfrm>
             <a:off x="685800" y="4400640"/>
-            <a:ext cx="5486040" cy="3600000"/>
-          </a:xfrm>
-          <a:prstGeom prst="rect">
-            <a:avLst/>
-          </a:prstGeom>
-          <a:noFill/>
-          <a:ln w="0">
-            <a:noFill/>
-          </a:ln>
-        </p:spPr>
-        <p:txBody>
-          <a:bodyPr anchor="t">
+            <a:ext cx="5485680" cy="3599640"/>
+          </a:xfrm>
+          <a:prstGeom prst="rect">
+            <a:avLst/>
+          </a:prstGeom>
+          <a:noFill/>
+          <a:ln w="0">
+            <a:noFill/>
+          </a:ln>
+        </p:spPr>
+        <p:txBody>
+          <a:bodyPr lIns="0" rIns="0" tIns="0" bIns="0" anchor="t">
             <a:noAutofit/>
           </a:bodyPr>
           <a:p>
@@ -1199,18 +1133,18 @@
         <p:spPr>
           <a:xfrm>
             <a:off x="3884760" y="8685360"/>
-            <a:ext cx="2971440" cy="458280"/>
-          </a:xfrm>
-          <a:prstGeom prst="rect">
-            <a:avLst/>
-          </a:prstGeom>
-          <a:noFill/>
-          <a:ln w="0">
-            <a:noFill/>
-          </a:ln>
-        </p:spPr>
-        <p:txBody>
-          <a:bodyPr anchor="b">
+            <a:ext cx="2971080" cy="457920"/>
+          </a:xfrm>
+          <a:prstGeom prst="rect">
+            <a:avLst/>
+          </a:prstGeom>
+          <a:noFill/>
+          <a:ln w="0">
+            <a:noFill/>
+          </a:ln>
+        </p:spPr>
+        <p:txBody>
+          <a:bodyPr lIns="0" rIns="0" tIns="0" bIns="0" anchor="b">
             <a:noAutofit/>
           </a:bodyPr>
           <a:lstStyle>
@@ -1235,7 +1169,7 @@
               </a:lnSpc>
               <a:buNone/>
             </a:pPr>
-            <a:fld id="{8DA910BD-6BE4-47CF-8065-0F01F237C361}" type="slidenum">
+            <a:fld id="{682EDAB1-4722-49BC-83BF-9AC9C4096F60}" type="slidenum">
               <a:rPr b="0" lang="en-US" sz="1200" spc="-1" strike="noStrike">
                 <a:solidFill>
                   <a:srgbClr val="000000"/>
@@ -1286,7 +1220,7 @@
         <p:spPr>
           <a:xfrm>
             <a:off x="685800" y="1143000"/>
-            <a:ext cx="5486040" cy="3085920"/>
+            <a:ext cx="5485680" cy="3085560"/>
           </a:xfrm>
           <a:prstGeom prst="rect">
             <a:avLst/>
@@ -1309,18 +1243,18 @@
         <p:spPr>
           <a:xfrm>
             <a:off x="685800" y="4400640"/>
-            <a:ext cx="5486040" cy="3600000"/>
-          </a:xfrm>
-          <a:prstGeom prst="rect">
-            <a:avLst/>
-          </a:prstGeom>
-          <a:noFill/>
-          <a:ln w="0">
-            <a:noFill/>
-          </a:ln>
-        </p:spPr>
-        <p:txBody>
-          <a:bodyPr anchor="t">
+            <a:ext cx="5485680" cy="3599640"/>
+          </a:xfrm>
+          <a:prstGeom prst="rect">
+            <a:avLst/>
+          </a:prstGeom>
+          <a:noFill/>
+          <a:ln w="0">
+            <a:noFill/>
+          </a:ln>
+        </p:spPr>
+        <p:txBody>
+          <a:bodyPr lIns="0" rIns="0" tIns="0" bIns="0" anchor="t">
             <a:noAutofit/>
           </a:bodyPr>
           <a:p>
@@ -1343,18 +1277,18 @@
         <p:spPr>
           <a:xfrm>
             <a:off x="3884760" y="8685360"/>
-            <a:ext cx="2971440" cy="458280"/>
-          </a:xfrm>
-          <a:prstGeom prst="rect">
-            <a:avLst/>
-          </a:prstGeom>
-          <a:noFill/>
-          <a:ln w="0">
-            <a:noFill/>
-          </a:ln>
-        </p:spPr>
-        <p:txBody>
-          <a:bodyPr anchor="b">
+            <a:ext cx="2971080" cy="457920"/>
+          </a:xfrm>
+          <a:prstGeom prst="rect">
+            <a:avLst/>
+          </a:prstGeom>
+          <a:noFill/>
+          <a:ln w="0">
+            <a:noFill/>
+          </a:ln>
+        </p:spPr>
+        <p:txBody>
+          <a:bodyPr lIns="0" rIns="0" tIns="0" bIns="0" anchor="b">
             <a:noAutofit/>
           </a:bodyPr>
           <a:lstStyle>
@@ -1379,7 +1313,7 @@
               </a:lnSpc>
               <a:buNone/>
             </a:pPr>
-            <a:fld id="{8ECA076E-EC44-4AF8-A3B3-686CB158D9AF}" type="slidenum">
+            <a:fld id="{1626C23A-A5BA-4D66-84C3-5D496E6BAE58}" type="slidenum">
               <a:rPr b="0" lang="en-US" sz="1200" spc="-1" strike="noStrike">
                 <a:solidFill>
                   <a:srgbClr val="000000"/>
@@ -1430,7 +1364,7 @@
         <p:spPr>
           <a:xfrm>
             <a:off x="685800" y="1143000"/>
-            <a:ext cx="5486040" cy="3085920"/>
+            <a:ext cx="5485680" cy="3085560"/>
           </a:xfrm>
           <a:prstGeom prst="rect">
             <a:avLst/>
@@ -1453,18 +1387,18 @@
         <p:spPr>
           <a:xfrm>
             <a:off x="685800" y="4400640"/>
-            <a:ext cx="5486040" cy="3600000"/>
-          </a:xfrm>
-          <a:prstGeom prst="rect">
-            <a:avLst/>
-          </a:prstGeom>
-          <a:noFill/>
-          <a:ln w="0">
-            <a:noFill/>
-          </a:ln>
-        </p:spPr>
-        <p:txBody>
-          <a:bodyPr anchor="t">
+            <a:ext cx="5485680" cy="3599640"/>
+          </a:xfrm>
+          <a:prstGeom prst="rect">
+            <a:avLst/>
+          </a:prstGeom>
+          <a:noFill/>
+          <a:ln w="0">
+            <a:noFill/>
+          </a:ln>
+        </p:spPr>
+        <p:txBody>
+          <a:bodyPr lIns="0" rIns="0" tIns="0" bIns="0" anchor="t">
             <a:noAutofit/>
           </a:bodyPr>
           <a:p>
@@ -1487,18 +1421,18 @@
         <p:spPr>
           <a:xfrm>
             <a:off x="3884760" y="8685360"/>
-            <a:ext cx="2971440" cy="458280"/>
-          </a:xfrm>
-          <a:prstGeom prst="rect">
-            <a:avLst/>
-          </a:prstGeom>
-          <a:noFill/>
-          <a:ln w="0">
-            <a:noFill/>
-          </a:ln>
-        </p:spPr>
-        <p:txBody>
-          <a:bodyPr anchor="b">
+            <a:ext cx="2971080" cy="457920"/>
+          </a:xfrm>
+          <a:prstGeom prst="rect">
+            <a:avLst/>
+          </a:prstGeom>
+          <a:noFill/>
+          <a:ln w="0">
+            <a:noFill/>
+          </a:ln>
+        </p:spPr>
+        <p:txBody>
+          <a:bodyPr lIns="0" rIns="0" tIns="0" bIns="0" anchor="b">
             <a:noAutofit/>
           </a:bodyPr>
           <a:lstStyle>
@@ -1523,7 +1457,7 @@
               </a:lnSpc>
               <a:buNone/>
             </a:pPr>
-            <a:fld id="{037E66BD-58BF-4DB7-9F16-219B98CD800E}" type="slidenum">
+            <a:fld id="{D214C987-6285-4ED1-8904-368EDF123498}" type="slidenum">
               <a:rPr b="0" lang="en-US" sz="1200" spc="-1" strike="noStrike">
                 <a:solidFill>
                   <a:srgbClr val="000000"/>
@@ -1574,7 +1508,7 @@
         <p:spPr>
           <a:xfrm>
             <a:off x="685800" y="1143000"/>
-            <a:ext cx="5486040" cy="3085920"/>
+            <a:ext cx="5485680" cy="3085560"/>
           </a:xfrm>
           <a:prstGeom prst="rect">
             <a:avLst/>
@@ -1597,18 +1531,18 @@
         <p:spPr>
           <a:xfrm>
             <a:off x="685800" y="4400640"/>
-            <a:ext cx="5486040" cy="3600000"/>
-          </a:xfrm>
-          <a:prstGeom prst="rect">
-            <a:avLst/>
-          </a:prstGeom>
-          <a:noFill/>
-          <a:ln w="0">
-            <a:noFill/>
-          </a:ln>
-        </p:spPr>
-        <p:txBody>
-          <a:bodyPr anchor="t">
+            <a:ext cx="5485680" cy="3599640"/>
+          </a:xfrm>
+          <a:prstGeom prst="rect">
+            <a:avLst/>
+          </a:prstGeom>
+          <a:noFill/>
+          <a:ln w="0">
+            <a:noFill/>
+          </a:ln>
+        </p:spPr>
+        <p:txBody>
+          <a:bodyPr lIns="0" rIns="0" tIns="0" bIns="0" anchor="t">
             <a:noAutofit/>
           </a:bodyPr>
           <a:p>
@@ -1631,18 +1565,18 @@
         <p:spPr>
           <a:xfrm>
             <a:off x="3884760" y="8685360"/>
-            <a:ext cx="2971440" cy="458280"/>
-          </a:xfrm>
-          <a:prstGeom prst="rect">
-            <a:avLst/>
-          </a:prstGeom>
-          <a:noFill/>
-          <a:ln w="0">
-            <a:noFill/>
-          </a:ln>
-        </p:spPr>
-        <p:txBody>
-          <a:bodyPr anchor="b">
+            <a:ext cx="2971080" cy="457920"/>
+          </a:xfrm>
+          <a:prstGeom prst="rect">
+            <a:avLst/>
+          </a:prstGeom>
+          <a:noFill/>
+          <a:ln w="0">
+            <a:noFill/>
+          </a:ln>
+        </p:spPr>
+        <p:txBody>
+          <a:bodyPr lIns="0" rIns="0" tIns="0" bIns="0" anchor="b">
             <a:noAutofit/>
           </a:bodyPr>
           <a:lstStyle>
@@ -1667,7 +1601,7 @@
               </a:lnSpc>
               <a:buNone/>
             </a:pPr>
-            <a:fld id="{6AF9CB34-CFBE-4E13-9124-F58D1655E497}" type="slidenum">
+            <a:fld id="{F3788CF0-BA26-46F6-8BBE-8B128D40E6A5}" type="slidenum">
               <a:rPr b="0" lang="en-US" sz="1200" spc="-1" strike="noStrike">
                 <a:solidFill>
                   <a:srgbClr val="000000"/>
@@ -1718,7 +1652,7 @@
         <p:spPr>
           <a:xfrm>
             <a:off x="685800" y="1143000"/>
-            <a:ext cx="5486040" cy="3085920"/>
+            <a:ext cx="5485680" cy="3085560"/>
           </a:xfrm>
           <a:prstGeom prst="rect">
             <a:avLst/>
@@ -1741,18 +1675,18 @@
         <p:spPr>
           <a:xfrm>
             <a:off x="685800" y="4400640"/>
-            <a:ext cx="5486040" cy="3600000"/>
-          </a:xfrm>
-          <a:prstGeom prst="rect">
-            <a:avLst/>
-          </a:prstGeom>
-          <a:noFill/>
-          <a:ln w="0">
-            <a:noFill/>
-          </a:ln>
-        </p:spPr>
-        <p:txBody>
-          <a:bodyPr anchor="t">
+            <a:ext cx="5485680" cy="3599640"/>
+          </a:xfrm>
+          <a:prstGeom prst="rect">
+            <a:avLst/>
+          </a:prstGeom>
+          <a:noFill/>
+          <a:ln w="0">
+            <a:noFill/>
+          </a:ln>
+        </p:spPr>
+        <p:txBody>
+          <a:bodyPr lIns="0" rIns="0" tIns="0" bIns="0" anchor="t">
             <a:noAutofit/>
           </a:bodyPr>
           <a:p>
@@ -1775,18 +1709,18 @@
         <p:spPr>
           <a:xfrm>
             <a:off x="3884760" y="8685360"/>
-            <a:ext cx="2971440" cy="458280"/>
-          </a:xfrm>
-          <a:prstGeom prst="rect">
-            <a:avLst/>
-          </a:prstGeom>
-          <a:noFill/>
-          <a:ln w="0">
-            <a:noFill/>
-          </a:ln>
-        </p:spPr>
-        <p:txBody>
-          <a:bodyPr anchor="b">
+            <a:ext cx="2971080" cy="457920"/>
+          </a:xfrm>
+          <a:prstGeom prst="rect">
+            <a:avLst/>
+          </a:prstGeom>
+          <a:noFill/>
+          <a:ln w="0">
+            <a:noFill/>
+          </a:ln>
+        </p:spPr>
+        <p:txBody>
+          <a:bodyPr lIns="0" rIns="0" tIns="0" bIns="0" anchor="b">
             <a:noAutofit/>
           </a:bodyPr>
           <a:lstStyle>
@@ -1811,7 +1745,7 @@
               </a:lnSpc>
               <a:buNone/>
             </a:pPr>
-            <a:fld id="{2C487366-B8B7-42BB-8705-8625250FBA0D}" type="slidenum">
+            <a:fld id="{B1A69F71-AF02-4C6B-95B1-85A63534DCCF}" type="slidenum">
               <a:rPr b="0" lang="en-US" sz="1200" spc="-1" strike="noStrike">
                 <a:solidFill>
                   <a:srgbClr val="000000"/>
@@ -1862,7 +1796,7 @@
         <p:spPr>
           <a:xfrm>
             <a:off x="685800" y="1143000"/>
-            <a:ext cx="5486040" cy="3085920"/>
+            <a:ext cx="5485680" cy="3085560"/>
           </a:xfrm>
           <a:prstGeom prst="rect">
             <a:avLst/>
@@ -1885,18 +1819,18 @@
         <p:spPr>
           <a:xfrm>
             <a:off x="685800" y="4400640"/>
-            <a:ext cx="5486040" cy="3600000"/>
-          </a:xfrm>
-          <a:prstGeom prst="rect">
-            <a:avLst/>
-          </a:prstGeom>
-          <a:noFill/>
-          <a:ln w="0">
-            <a:noFill/>
-          </a:ln>
-        </p:spPr>
-        <p:txBody>
-          <a:bodyPr anchor="t">
+            <a:ext cx="5485680" cy="3599640"/>
+          </a:xfrm>
+          <a:prstGeom prst="rect">
+            <a:avLst/>
+          </a:prstGeom>
+          <a:noFill/>
+          <a:ln w="0">
+            <a:noFill/>
+          </a:ln>
+        </p:spPr>
+        <p:txBody>
+          <a:bodyPr lIns="0" rIns="0" tIns="0" bIns="0" anchor="t">
             <a:noAutofit/>
           </a:bodyPr>
           <a:p>
@@ -1919,18 +1853,18 @@
         <p:spPr>
           <a:xfrm>
             <a:off x="3884760" y="8685360"/>
-            <a:ext cx="2971440" cy="458280"/>
-          </a:xfrm>
-          <a:prstGeom prst="rect">
-            <a:avLst/>
-          </a:prstGeom>
-          <a:noFill/>
-          <a:ln w="0">
-            <a:noFill/>
-          </a:ln>
-        </p:spPr>
-        <p:txBody>
-          <a:bodyPr anchor="b">
+            <a:ext cx="2971080" cy="457920"/>
+          </a:xfrm>
+          <a:prstGeom prst="rect">
+            <a:avLst/>
+          </a:prstGeom>
+          <a:noFill/>
+          <a:ln w="0">
+            <a:noFill/>
+          </a:ln>
+        </p:spPr>
+        <p:txBody>
+          <a:bodyPr lIns="0" rIns="0" tIns="0" bIns="0" anchor="b">
             <a:noAutofit/>
           </a:bodyPr>
           <a:lstStyle>
@@ -1955,7 +1889,7 @@
               </a:lnSpc>
               <a:buNone/>
             </a:pPr>
-            <a:fld id="{DA7AB372-0AA4-4D0C-89E4-C885003B27A4}" type="slidenum">
+            <a:fld id="{B9DF80F4-2ABE-4FFF-93E6-E72610C4080B}" type="slidenum">
               <a:rPr b="0" lang="en-US" sz="1200" spc="-1" strike="noStrike">
                 <a:solidFill>
                   <a:srgbClr val="000000"/>
@@ -2006,7 +1940,7 @@
         <p:spPr>
           <a:xfrm>
             <a:off x="685800" y="1143000"/>
-            <a:ext cx="5486040" cy="3085920"/>
+            <a:ext cx="5485680" cy="3085560"/>
           </a:xfrm>
           <a:prstGeom prst="rect">
             <a:avLst/>
@@ -2029,18 +1963,18 @@
         <p:spPr>
           <a:xfrm>
             <a:off x="685800" y="4400640"/>
-            <a:ext cx="5486040" cy="3600000"/>
-          </a:xfrm>
-          <a:prstGeom prst="rect">
-            <a:avLst/>
-          </a:prstGeom>
-          <a:noFill/>
-          <a:ln w="0">
-            <a:noFill/>
-          </a:ln>
-        </p:spPr>
-        <p:txBody>
-          <a:bodyPr anchor="t">
+            <a:ext cx="5485680" cy="3599640"/>
+          </a:xfrm>
+          <a:prstGeom prst="rect">
+            <a:avLst/>
+          </a:prstGeom>
+          <a:noFill/>
+          <a:ln w="0">
+            <a:noFill/>
+          </a:ln>
+        </p:spPr>
+        <p:txBody>
+          <a:bodyPr lIns="0" rIns="0" tIns="0" bIns="0" anchor="t">
             <a:noAutofit/>
           </a:bodyPr>
           <a:p>
@@ -2063,18 +1997,18 @@
         <p:spPr>
           <a:xfrm>
             <a:off x="3884760" y="8685360"/>
-            <a:ext cx="2971440" cy="458280"/>
-          </a:xfrm>
-          <a:prstGeom prst="rect">
-            <a:avLst/>
-          </a:prstGeom>
-          <a:noFill/>
-          <a:ln w="0">
-            <a:noFill/>
-          </a:ln>
-        </p:spPr>
-        <p:txBody>
-          <a:bodyPr anchor="b">
+            <a:ext cx="2971080" cy="457920"/>
+          </a:xfrm>
+          <a:prstGeom prst="rect">
+            <a:avLst/>
+          </a:prstGeom>
+          <a:noFill/>
+          <a:ln w="0">
+            <a:noFill/>
+          </a:ln>
+        </p:spPr>
+        <p:txBody>
+          <a:bodyPr lIns="0" rIns="0" tIns="0" bIns="0" anchor="b">
             <a:noAutofit/>
           </a:bodyPr>
           <a:lstStyle>
@@ -2099,7 +2033,7 @@
               </a:lnSpc>
               <a:buNone/>
             </a:pPr>
-            <a:fld id="{A9FDC8D1-49A0-4F53-9DF9-D83BDCB4E272}" type="slidenum">
+            <a:fld id="{117A36E2-A95E-4558-8648-9F654F08471B}" type="slidenum">
               <a:rPr b="0" lang="en-US" sz="1200" spc="-1" strike="noStrike">
                 <a:solidFill>
                   <a:srgbClr val="000000"/>
@@ -2150,7 +2084,7 @@
         <p:spPr>
           <a:xfrm>
             <a:off x="685800" y="1143000"/>
-            <a:ext cx="5486040" cy="3085920"/>
+            <a:ext cx="5485680" cy="3085560"/>
           </a:xfrm>
           <a:prstGeom prst="rect">
             <a:avLst/>
@@ -2173,18 +2107,18 @@
         <p:spPr>
           <a:xfrm>
             <a:off x="685800" y="4400640"/>
-            <a:ext cx="5486040" cy="3600000"/>
-          </a:xfrm>
-          <a:prstGeom prst="rect">
-            <a:avLst/>
-          </a:prstGeom>
-          <a:noFill/>
-          <a:ln w="0">
-            <a:noFill/>
-          </a:ln>
-        </p:spPr>
-        <p:txBody>
-          <a:bodyPr anchor="t">
+            <a:ext cx="5485680" cy="3599640"/>
+          </a:xfrm>
+          <a:prstGeom prst="rect">
+            <a:avLst/>
+          </a:prstGeom>
+          <a:noFill/>
+          <a:ln w="0">
+            <a:noFill/>
+          </a:ln>
+        </p:spPr>
+        <p:txBody>
+          <a:bodyPr lIns="0" rIns="0" tIns="0" bIns="0" anchor="t">
             <a:noAutofit/>
           </a:bodyPr>
           <a:p>
@@ -2207,18 +2141,18 @@
         <p:spPr>
           <a:xfrm>
             <a:off x="3884760" y="8685360"/>
-            <a:ext cx="2971440" cy="458280"/>
-          </a:xfrm>
-          <a:prstGeom prst="rect">
-            <a:avLst/>
-          </a:prstGeom>
-          <a:noFill/>
-          <a:ln w="0">
-            <a:noFill/>
-          </a:ln>
-        </p:spPr>
-        <p:txBody>
-          <a:bodyPr anchor="b">
+            <a:ext cx="2971080" cy="457920"/>
+          </a:xfrm>
+          <a:prstGeom prst="rect">
+            <a:avLst/>
+          </a:prstGeom>
+          <a:noFill/>
+          <a:ln w="0">
+            <a:noFill/>
+          </a:ln>
+        </p:spPr>
+        <p:txBody>
+          <a:bodyPr lIns="0" rIns="0" tIns="0" bIns="0" anchor="b">
             <a:noAutofit/>
           </a:bodyPr>
           <a:lstStyle>
@@ -2243,7 +2177,7 @@
               </a:lnSpc>
               <a:buNone/>
             </a:pPr>
-            <a:fld id="{01E4FB2E-956A-4B40-8EC8-F1823D6CC086}" type="slidenum">
+            <a:fld id="{5BED0F70-384F-4E92-84A9-3049707676DA}" type="slidenum">
               <a:rPr b="0" lang="en-US" sz="1200" spc="-1" strike="noStrike">
                 <a:solidFill>
                   <a:srgbClr val="000000"/>
@@ -2294,7 +2228,7 @@
         <p:spPr>
           <a:xfrm>
             <a:off x="685800" y="1143000"/>
-            <a:ext cx="5486040" cy="3085920"/>
+            <a:ext cx="5485680" cy="3085560"/>
           </a:xfrm>
           <a:prstGeom prst="rect">
             <a:avLst/>
@@ -2317,18 +2251,18 @@
         <p:spPr>
           <a:xfrm>
             <a:off x="685800" y="4400640"/>
-            <a:ext cx="5486040" cy="3600000"/>
-          </a:xfrm>
-          <a:prstGeom prst="rect">
-            <a:avLst/>
-          </a:prstGeom>
-          <a:noFill/>
-          <a:ln w="0">
-            <a:noFill/>
-          </a:ln>
-        </p:spPr>
-        <p:txBody>
-          <a:bodyPr anchor="t">
+            <a:ext cx="5485680" cy="3599640"/>
+          </a:xfrm>
+          <a:prstGeom prst="rect">
+            <a:avLst/>
+          </a:prstGeom>
+          <a:noFill/>
+          <a:ln w="0">
+            <a:noFill/>
+          </a:ln>
+        </p:spPr>
+        <p:txBody>
+          <a:bodyPr lIns="0" rIns="0" tIns="0" bIns="0" anchor="t">
             <a:noAutofit/>
           </a:bodyPr>
           <a:p>
@@ -2351,18 +2285,18 @@
         <p:spPr>
           <a:xfrm>
             <a:off x="3884760" y="8685360"/>
-            <a:ext cx="2971440" cy="458280"/>
-          </a:xfrm>
-          <a:prstGeom prst="rect">
-            <a:avLst/>
-          </a:prstGeom>
-          <a:noFill/>
-          <a:ln w="0">
-            <a:noFill/>
-          </a:ln>
-        </p:spPr>
-        <p:txBody>
-          <a:bodyPr anchor="b">
+            <a:ext cx="2971080" cy="457920"/>
+          </a:xfrm>
+          <a:prstGeom prst="rect">
+            <a:avLst/>
+          </a:prstGeom>
+          <a:noFill/>
+          <a:ln w="0">
+            <a:noFill/>
+          </a:ln>
+        </p:spPr>
+        <p:txBody>
+          <a:bodyPr lIns="0" rIns="0" tIns="0" bIns="0" anchor="b">
             <a:noAutofit/>
           </a:bodyPr>
           <a:lstStyle>
@@ -2387,7 +2321,7 @@
               </a:lnSpc>
               <a:buNone/>
             </a:pPr>
-            <a:fld id="{B9EC48D4-8E43-4F9F-BF66-80B30057C1EF}" type="slidenum">
+            <a:fld id="{917CC290-B7C9-42E2-B9D3-EA5AB2427BD2}" type="slidenum">
               <a:rPr b="0" lang="en-US" sz="1200" spc="-1" strike="noStrike">
                 <a:solidFill>
                   <a:srgbClr val="000000"/>
@@ -2438,7 +2372,7 @@
         <p:spPr>
           <a:xfrm>
             <a:off x="685800" y="1143000"/>
-            <a:ext cx="5486040" cy="3085920"/>
+            <a:ext cx="5485680" cy="3085560"/>
           </a:xfrm>
           <a:prstGeom prst="rect">
             <a:avLst/>
@@ -2461,18 +2395,18 @@
         <p:spPr>
           <a:xfrm>
             <a:off x="685800" y="4400640"/>
-            <a:ext cx="5486040" cy="3600000"/>
-          </a:xfrm>
-          <a:prstGeom prst="rect">
-            <a:avLst/>
-          </a:prstGeom>
-          <a:noFill/>
-          <a:ln w="0">
-            <a:noFill/>
-          </a:ln>
-        </p:spPr>
-        <p:txBody>
-          <a:bodyPr anchor="t">
+            <a:ext cx="5485680" cy="3599640"/>
+          </a:xfrm>
+          <a:prstGeom prst="rect">
+            <a:avLst/>
+          </a:prstGeom>
+          <a:noFill/>
+          <a:ln w="0">
+            <a:noFill/>
+          </a:ln>
+        </p:spPr>
+        <p:txBody>
+          <a:bodyPr lIns="0" rIns="0" tIns="0" bIns="0" anchor="t">
             <a:noAutofit/>
           </a:bodyPr>
           <a:p>
@@ -2495,18 +2429,18 @@
         <p:spPr>
           <a:xfrm>
             <a:off x="3884760" y="8685360"/>
-            <a:ext cx="2971440" cy="458280"/>
-          </a:xfrm>
-          <a:prstGeom prst="rect">
-            <a:avLst/>
-          </a:prstGeom>
-          <a:noFill/>
-          <a:ln w="0">
-            <a:noFill/>
-          </a:ln>
-        </p:spPr>
-        <p:txBody>
-          <a:bodyPr anchor="b">
+            <a:ext cx="2971080" cy="457920"/>
+          </a:xfrm>
+          <a:prstGeom prst="rect">
+            <a:avLst/>
+          </a:prstGeom>
+          <a:noFill/>
+          <a:ln w="0">
+            <a:noFill/>
+          </a:ln>
+        </p:spPr>
+        <p:txBody>
+          <a:bodyPr lIns="0" rIns="0" tIns="0" bIns="0" anchor="b">
             <a:noAutofit/>
           </a:bodyPr>
           <a:lstStyle>
@@ -2531,7 +2465,7 @@
               </a:lnSpc>
               <a:buNone/>
             </a:pPr>
-            <a:fld id="{5626281A-2D78-487C-ACE3-B197E1C0E7E9}" type="slidenum">
+            <a:fld id="{9DB09211-3E2B-4429-AA0D-CEA7BA2C9CB8}" type="slidenum">
               <a:rPr b="0" lang="en-US" sz="1200" spc="-1" strike="noStrike">
                 <a:solidFill>
                   <a:srgbClr val="000000"/>
@@ -2582,7 +2516,7 @@
         <p:spPr>
           <a:xfrm>
             <a:off x="685800" y="1143000"/>
-            <a:ext cx="5486040" cy="3085920"/>
+            <a:ext cx="5485680" cy="3085560"/>
           </a:xfrm>
           <a:prstGeom prst="rect">
             <a:avLst/>
@@ -2605,18 +2539,18 @@
         <p:spPr>
           <a:xfrm>
             <a:off x="685800" y="4400640"/>
-            <a:ext cx="5486040" cy="3600000"/>
-          </a:xfrm>
-          <a:prstGeom prst="rect">
-            <a:avLst/>
-          </a:prstGeom>
-          <a:noFill/>
-          <a:ln w="0">
-            <a:noFill/>
-          </a:ln>
-        </p:spPr>
-        <p:txBody>
-          <a:bodyPr anchor="t">
+            <a:ext cx="5485680" cy="3599640"/>
+          </a:xfrm>
+          <a:prstGeom prst="rect">
+            <a:avLst/>
+          </a:prstGeom>
+          <a:noFill/>
+          <a:ln w="0">
+            <a:noFill/>
+          </a:ln>
+        </p:spPr>
+        <p:txBody>
+          <a:bodyPr lIns="0" rIns="0" tIns="0" bIns="0" anchor="t">
             <a:noAutofit/>
           </a:bodyPr>
           <a:p>
@@ -2639,18 +2573,18 @@
         <p:spPr>
           <a:xfrm>
             <a:off x="3884760" y="8685360"/>
-            <a:ext cx="2971440" cy="458280"/>
-          </a:xfrm>
-          <a:prstGeom prst="rect">
-            <a:avLst/>
-          </a:prstGeom>
-          <a:noFill/>
-          <a:ln w="0">
-            <a:noFill/>
-          </a:ln>
-        </p:spPr>
-        <p:txBody>
-          <a:bodyPr anchor="b">
+            <a:ext cx="2971080" cy="457920"/>
+          </a:xfrm>
+          <a:prstGeom prst="rect">
+            <a:avLst/>
+          </a:prstGeom>
+          <a:noFill/>
+          <a:ln w="0">
+            <a:noFill/>
+          </a:ln>
+        </p:spPr>
+        <p:txBody>
+          <a:bodyPr lIns="0" rIns="0" tIns="0" bIns="0" anchor="b">
             <a:noAutofit/>
           </a:bodyPr>
           <a:lstStyle>
@@ -2675,7 +2609,7 @@
               </a:lnSpc>
               <a:buNone/>
             </a:pPr>
-            <a:fld id="{8EDEB287-A378-447E-8E49-AECA9F1AF907}" type="slidenum">
+            <a:fld id="{7D61F2C1-9464-426A-8222-F1F01798AE12}" type="slidenum">
               <a:rPr b="0" lang="en-US" sz="1200" spc="-1" strike="noStrike">
                 <a:solidFill>
                   <a:srgbClr val="000000"/>
@@ -2726,7 +2660,7 @@
         <p:spPr>
           <a:xfrm>
             <a:off x="685800" y="1143000"/>
-            <a:ext cx="5486040" cy="3085920"/>
+            <a:ext cx="5485680" cy="3085560"/>
           </a:xfrm>
           <a:prstGeom prst="rect">
             <a:avLst/>
@@ -2749,18 +2683,18 @@
         <p:spPr>
           <a:xfrm>
             <a:off x="685800" y="4400640"/>
-            <a:ext cx="5486040" cy="3600000"/>
-          </a:xfrm>
-          <a:prstGeom prst="rect">
-            <a:avLst/>
-          </a:prstGeom>
-          <a:noFill/>
-          <a:ln w="0">
-            <a:noFill/>
-          </a:ln>
-        </p:spPr>
-        <p:txBody>
-          <a:bodyPr anchor="t">
+            <a:ext cx="5485680" cy="3599640"/>
+          </a:xfrm>
+          <a:prstGeom prst="rect">
+            <a:avLst/>
+          </a:prstGeom>
+          <a:noFill/>
+          <a:ln w="0">
+            <a:noFill/>
+          </a:ln>
+        </p:spPr>
+        <p:txBody>
+          <a:bodyPr lIns="0" rIns="0" tIns="0" bIns="0" anchor="t">
             <a:noAutofit/>
           </a:bodyPr>
           <a:p>
@@ -2783,18 +2717,18 @@
         <p:spPr>
           <a:xfrm>
             <a:off x="3884760" y="8685360"/>
-            <a:ext cx="2971440" cy="458280"/>
-          </a:xfrm>
-          <a:prstGeom prst="rect">
-            <a:avLst/>
-          </a:prstGeom>
-          <a:noFill/>
-          <a:ln w="0">
-            <a:noFill/>
-          </a:ln>
-        </p:spPr>
-        <p:txBody>
-          <a:bodyPr anchor="b">
+            <a:ext cx="2971080" cy="457920"/>
+          </a:xfrm>
+          <a:prstGeom prst="rect">
+            <a:avLst/>
+          </a:prstGeom>
+          <a:noFill/>
+          <a:ln w="0">
+            <a:noFill/>
+          </a:ln>
+        </p:spPr>
+        <p:txBody>
+          <a:bodyPr lIns="0" rIns="0" tIns="0" bIns="0" anchor="b">
             <a:noAutofit/>
           </a:bodyPr>
           <a:lstStyle>
@@ -2819,7 +2753,7 @@
               </a:lnSpc>
               <a:buNone/>
             </a:pPr>
-            <a:fld id="{8515658B-DA85-4C52-8310-AFE242F81A37}" type="slidenum">
+            <a:fld id="{043C90C1-CD3D-469D-B389-77D85C931681}" type="slidenum">
               <a:rPr b="0" lang="en-US" sz="1200" spc="-1" strike="noStrike">
                 <a:solidFill>
                   <a:srgbClr val="000000"/>
@@ -2907,11 +2841,11 @@
             <a:noAutofit/>
           </a:bodyPr>
           <a:p>
-            <a:endParaRPr b="0" lang="en-IN" sz="1800" spc="-1" strike="noStrike">
-              <a:solidFill>
-                <a:srgbClr val="000000"/>
-              </a:solidFill>
-              <a:latin typeface="Calibri"/>
+            <a:pPr algn="ctr">
+              <a:buNone/>
+            </a:pPr>
+            <a:endParaRPr b="0" lang="en-IN" sz="4400" spc="-1" strike="noStrike">
+              <a:latin typeface="Arial"/>
             </a:endParaRPr>
           </a:p>
         </p:txBody>
@@ -2945,10 +2879,7 @@
           </a:bodyPr>
           <a:p>
             <a:endParaRPr b="0" lang="en-IN" sz="3200" spc="-1" strike="noStrike">
-              <a:solidFill>
-                <a:srgbClr val="000000"/>
-              </a:solidFill>
-              <a:latin typeface="Calibri"/>
+              <a:latin typeface="Arial"/>
             </a:endParaRPr>
           </a:p>
         </p:txBody>
@@ -2982,10 +2913,7 @@
           </a:bodyPr>
           <a:p>
             <a:endParaRPr b="0" lang="en-IN" sz="3200" spc="-1" strike="noStrike">
-              <a:solidFill>
-                <a:srgbClr val="000000"/>
-              </a:solidFill>
-              <a:latin typeface="Calibri"/>
+              <a:latin typeface="Arial"/>
             </a:endParaRPr>
           </a:p>
         </p:txBody>
@@ -3040,11 +2968,11 @@
             <a:noAutofit/>
           </a:bodyPr>
           <a:p>
-            <a:endParaRPr b="0" lang="en-IN" sz="1800" spc="-1" strike="noStrike">
-              <a:solidFill>
-                <a:srgbClr val="000000"/>
-              </a:solidFill>
-              <a:latin typeface="Calibri"/>
+            <a:pPr algn="ctr">
+              <a:buNone/>
+            </a:pPr>
+            <a:endParaRPr b="0" lang="en-IN" sz="4400" spc="-1" strike="noStrike">
+              <a:latin typeface="Arial"/>
             </a:endParaRPr>
           </a:p>
         </p:txBody>
@@ -3078,10 +3006,7 @@
           </a:bodyPr>
           <a:p>
             <a:endParaRPr b="0" lang="en-IN" sz="3200" spc="-1" strike="noStrike">
-              <a:solidFill>
-                <a:srgbClr val="000000"/>
-              </a:solidFill>
-              <a:latin typeface="Calibri"/>
+              <a:latin typeface="Arial"/>
             </a:endParaRPr>
           </a:p>
         </p:txBody>
@@ -3115,10 +3040,7 @@
           </a:bodyPr>
           <a:p>
             <a:endParaRPr b="0" lang="en-IN" sz="3200" spc="-1" strike="noStrike">
-              <a:solidFill>
-                <a:srgbClr val="000000"/>
-              </a:solidFill>
-              <a:latin typeface="Calibri"/>
+              <a:latin typeface="Arial"/>
             </a:endParaRPr>
           </a:p>
         </p:txBody>
@@ -3152,10 +3074,7 @@
           </a:bodyPr>
           <a:p>
             <a:endParaRPr b="0" lang="en-IN" sz="3200" spc="-1" strike="noStrike">
-              <a:solidFill>
-                <a:srgbClr val="000000"/>
-              </a:solidFill>
-              <a:latin typeface="Calibri"/>
+              <a:latin typeface="Arial"/>
             </a:endParaRPr>
           </a:p>
         </p:txBody>
@@ -3189,10 +3108,7 @@
           </a:bodyPr>
           <a:p>
             <a:endParaRPr b="0" lang="en-IN" sz="3200" spc="-1" strike="noStrike">
-              <a:solidFill>
-                <a:srgbClr val="000000"/>
-              </a:solidFill>
-              <a:latin typeface="Calibri"/>
+              <a:latin typeface="Arial"/>
             </a:endParaRPr>
           </a:p>
         </p:txBody>
@@ -3247,11 +3163,11 @@
             <a:noAutofit/>
           </a:bodyPr>
           <a:p>
-            <a:endParaRPr b="0" lang="en-IN" sz="1800" spc="-1" strike="noStrike">
-              <a:solidFill>
-                <a:srgbClr val="000000"/>
-              </a:solidFill>
-              <a:latin typeface="Calibri"/>
+            <a:pPr algn="ctr">
+              <a:buNone/>
+            </a:pPr>
+            <a:endParaRPr b="0" lang="en-IN" sz="4400" spc="-1" strike="noStrike">
+              <a:latin typeface="Arial"/>
             </a:endParaRPr>
           </a:p>
         </p:txBody>
@@ -3285,10 +3201,7 @@
           </a:bodyPr>
           <a:p>
             <a:endParaRPr b="0" lang="en-IN" sz="3200" spc="-1" strike="noStrike">
-              <a:solidFill>
-                <a:srgbClr val="000000"/>
-              </a:solidFill>
-              <a:latin typeface="Calibri"/>
+              <a:latin typeface="Arial"/>
             </a:endParaRPr>
           </a:p>
         </p:txBody>
@@ -3322,10 +3235,7 @@
           </a:bodyPr>
           <a:p>
             <a:endParaRPr b="0" lang="en-IN" sz="3200" spc="-1" strike="noStrike">
-              <a:solidFill>
-                <a:srgbClr val="000000"/>
-              </a:solidFill>
-              <a:latin typeface="Calibri"/>
+              <a:latin typeface="Arial"/>
             </a:endParaRPr>
           </a:p>
         </p:txBody>
@@ -3359,10 +3269,7 @@
           </a:bodyPr>
           <a:p>
             <a:endParaRPr b="0" lang="en-IN" sz="3200" spc="-1" strike="noStrike">
-              <a:solidFill>
-                <a:srgbClr val="000000"/>
-              </a:solidFill>
-              <a:latin typeface="Calibri"/>
+              <a:latin typeface="Arial"/>
             </a:endParaRPr>
           </a:p>
         </p:txBody>
@@ -3396,10 +3303,7 @@
           </a:bodyPr>
           <a:p>
             <a:endParaRPr b="0" lang="en-IN" sz="3200" spc="-1" strike="noStrike">
-              <a:solidFill>
-                <a:srgbClr val="000000"/>
-              </a:solidFill>
-              <a:latin typeface="Calibri"/>
+              <a:latin typeface="Arial"/>
             </a:endParaRPr>
           </a:p>
         </p:txBody>
@@ -3433,10 +3337,7 @@
           </a:bodyPr>
           <a:p>
             <a:endParaRPr b="0" lang="en-IN" sz="3200" spc="-1" strike="noStrike">
-              <a:solidFill>
-                <a:srgbClr val="000000"/>
-              </a:solidFill>
-              <a:latin typeface="Calibri"/>
+              <a:latin typeface="Arial"/>
             </a:endParaRPr>
           </a:p>
         </p:txBody>
@@ -3470,10 +3371,7 @@
           </a:bodyPr>
           <a:p>
             <a:endParaRPr b="0" lang="en-IN" sz="3200" spc="-1" strike="noStrike">
-              <a:solidFill>
-                <a:srgbClr val="000000"/>
-              </a:solidFill>
-              <a:latin typeface="Calibri"/>
+              <a:latin typeface="Arial"/>
             </a:endParaRPr>
           </a:p>
         </p:txBody>
@@ -3528,11 +3426,11 @@
             <a:noAutofit/>
           </a:bodyPr>
           <a:p>
-            <a:endParaRPr b="0" lang="en-IN" sz="1800" spc="-1" strike="noStrike">
-              <a:solidFill>
-                <a:srgbClr val="000000"/>
-              </a:solidFill>
-              <a:latin typeface="Calibri"/>
+            <a:pPr algn="ctr">
+              <a:buNone/>
+            </a:pPr>
+            <a:endParaRPr b="0" lang="en-IN" sz="4400" spc="-1" strike="noStrike">
+              <a:latin typeface="Arial"/>
             </a:endParaRPr>
           </a:p>
         </p:txBody>
@@ -3624,11 +3522,11 @@
             <a:noAutofit/>
           </a:bodyPr>
           <a:p>
-            <a:endParaRPr b="0" lang="en-IN" sz="1800" spc="-1" strike="noStrike">
-              <a:solidFill>
-                <a:srgbClr val="000000"/>
-              </a:solidFill>
-              <a:latin typeface="Calibri"/>
+            <a:pPr algn="ctr">
+              <a:buNone/>
+            </a:pPr>
+            <a:endParaRPr b="0" lang="en-IN" sz="4400" spc="-1" strike="noStrike">
+              <a:latin typeface="Arial"/>
             </a:endParaRPr>
           </a:p>
         </p:txBody>
@@ -3662,10 +3560,7 @@
           </a:bodyPr>
           <a:p>
             <a:endParaRPr b="0" lang="en-IN" sz="3200" spc="-1" strike="noStrike">
-              <a:solidFill>
-                <a:srgbClr val="000000"/>
-              </a:solidFill>
-              <a:latin typeface="Calibri"/>
+              <a:latin typeface="Arial"/>
             </a:endParaRPr>
           </a:p>
         </p:txBody>
@@ -3720,11 +3615,11 @@
             <a:noAutofit/>
           </a:bodyPr>
           <a:p>
-            <a:endParaRPr b="0" lang="en-IN" sz="1800" spc="-1" strike="noStrike">
-              <a:solidFill>
-                <a:srgbClr val="000000"/>
-              </a:solidFill>
-              <a:latin typeface="Calibri"/>
+            <a:pPr algn="ctr">
+              <a:buNone/>
+            </a:pPr>
+            <a:endParaRPr b="0" lang="en-IN" sz="4400" spc="-1" strike="noStrike">
+              <a:latin typeface="Arial"/>
             </a:endParaRPr>
           </a:p>
         </p:txBody>
@@ -3758,10 +3653,7 @@
           </a:bodyPr>
           <a:p>
             <a:endParaRPr b="0" lang="en-IN" sz="3200" spc="-1" strike="noStrike">
-              <a:solidFill>
-                <a:srgbClr val="000000"/>
-              </a:solidFill>
-              <a:latin typeface="Calibri"/>
+              <a:latin typeface="Arial"/>
             </a:endParaRPr>
           </a:p>
         </p:txBody>
@@ -3795,10 +3687,7 @@
           </a:bodyPr>
           <a:p>
             <a:endParaRPr b="0" lang="en-IN" sz="3200" spc="-1" strike="noStrike">
-              <a:solidFill>
-                <a:srgbClr val="000000"/>
-              </a:solidFill>
-              <a:latin typeface="Calibri"/>
+              <a:latin typeface="Arial"/>
             </a:endParaRPr>
           </a:p>
         </p:txBody>
@@ -3853,11 +3742,11 @@
             <a:noAutofit/>
           </a:bodyPr>
           <a:p>
-            <a:endParaRPr b="0" lang="en-IN" sz="1800" spc="-1" strike="noStrike">
-              <a:solidFill>
-                <a:srgbClr val="000000"/>
-              </a:solidFill>
-              <a:latin typeface="Calibri"/>
+            <a:pPr algn="ctr">
+              <a:buNone/>
+            </a:pPr>
+            <a:endParaRPr b="0" lang="en-IN" sz="4400" spc="-1" strike="noStrike">
+              <a:latin typeface="Arial"/>
             </a:endParaRPr>
           </a:p>
         </p:txBody>
@@ -3971,11 +3860,11 @@
             <a:noAutofit/>
           </a:bodyPr>
           <a:p>
-            <a:endParaRPr b="0" lang="en-IN" sz="1800" spc="-1" strike="noStrike">
-              <a:solidFill>
-                <a:srgbClr val="000000"/>
-              </a:solidFill>
-              <a:latin typeface="Calibri"/>
+            <a:pPr algn="ctr">
+              <a:buNone/>
+            </a:pPr>
+            <a:endParaRPr b="0" lang="en-IN" sz="4400" spc="-1" strike="noStrike">
+              <a:latin typeface="Arial"/>
             </a:endParaRPr>
           </a:p>
         </p:txBody>
@@ -4009,10 +3898,7 @@
           </a:bodyPr>
           <a:p>
             <a:endParaRPr b="0" lang="en-IN" sz="3200" spc="-1" strike="noStrike">
-              <a:solidFill>
-                <a:srgbClr val="000000"/>
-              </a:solidFill>
-              <a:latin typeface="Calibri"/>
+              <a:latin typeface="Arial"/>
             </a:endParaRPr>
           </a:p>
         </p:txBody>
@@ -4046,10 +3932,7 @@
           </a:bodyPr>
           <a:p>
             <a:endParaRPr b="0" lang="en-IN" sz="3200" spc="-1" strike="noStrike">
-              <a:solidFill>
-                <a:srgbClr val="000000"/>
-              </a:solidFill>
-              <a:latin typeface="Calibri"/>
+              <a:latin typeface="Arial"/>
             </a:endParaRPr>
           </a:p>
         </p:txBody>
@@ -4083,10 +3966,7 @@
           </a:bodyPr>
           <a:p>
             <a:endParaRPr b="0" lang="en-IN" sz="3200" spc="-1" strike="noStrike">
-              <a:solidFill>
-                <a:srgbClr val="000000"/>
-              </a:solidFill>
-              <a:latin typeface="Calibri"/>
+              <a:latin typeface="Arial"/>
             </a:endParaRPr>
           </a:p>
         </p:txBody>
@@ -4141,11 +4021,11 @@
             <a:noAutofit/>
           </a:bodyPr>
           <a:p>
-            <a:endParaRPr b="0" lang="en-IN" sz="1800" spc="-1" strike="noStrike">
-              <a:solidFill>
-                <a:srgbClr val="000000"/>
-              </a:solidFill>
-              <a:latin typeface="Calibri"/>
+            <a:pPr algn="ctr">
+              <a:buNone/>
+            </a:pPr>
+            <a:endParaRPr b="0" lang="en-IN" sz="4400" spc="-1" strike="noStrike">
+              <a:latin typeface="Arial"/>
             </a:endParaRPr>
           </a:p>
         </p:txBody>
@@ -4179,10 +4059,7 @@
           </a:bodyPr>
           <a:p>
             <a:endParaRPr b="0" lang="en-IN" sz="3200" spc="-1" strike="noStrike">
-              <a:solidFill>
-                <a:srgbClr val="000000"/>
-              </a:solidFill>
-              <a:latin typeface="Calibri"/>
+              <a:latin typeface="Arial"/>
             </a:endParaRPr>
           </a:p>
         </p:txBody>
@@ -4216,10 +4093,7 @@
           </a:bodyPr>
           <a:p>
             <a:endParaRPr b="0" lang="en-IN" sz="3200" spc="-1" strike="noStrike">
-              <a:solidFill>
-                <a:srgbClr val="000000"/>
-              </a:solidFill>
-              <a:latin typeface="Calibri"/>
+              <a:latin typeface="Arial"/>
             </a:endParaRPr>
           </a:p>
         </p:txBody>
@@ -4253,10 +4127,7 @@
           </a:bodyPr>
           <a:p>
             <a:endParaRPr b="0" lang="en-IN" sz="3200" spc="-1" strike="noStrike">
-              <a:solidFill>
-                <a:srgbClr val="000000"/>
-              </a:solidFill>
-              <a:latin typeface="Calibri"/>
+              <a:latin typeface="Arial"/>
             </a:endParaRPr>
           </a:p>
         </p:txBody>
@@ -4311,11 +4182,11 @@
             <a:noAutofit/>
           </a:bodyPr>
           <a:p>
-            <a:endParaRPr b="0" lang="en-IN" sz="1800" spc="-1" strike="noStrike">
-              <a:solidFill>
-                <a:srgbClr val="000000"/>
-              </a:solidFill>
-              <a:latin typeface="Calibri"/>
+            <a:pPr algn="ctr">
+              <a:buNone/>
+            </a:pPr>
+            <a:endParaRPr b="0" lang="en-IN" sz="4400" spc="-1" strike="noStrike">
+              <a:latin typeface="Arial"/>
             </a:endParaRPr>
           </a:p>
         </p:txBody>
@@ -4349,10 +4220,7 @@
           </a:bodyPr>
           <a:p>
             <a:endParaRPr b="0" lang="en-IN" sz="3200" spc="-1" strike="noStrike">
-              <a:solidFill>
-                <a:srgbClr val="000000"/>
-              </a:solidFill>
-              <a:latin typeface="Calibri"/>
+              <a:latin typeface="Arial"/>
             </a:endParaRPr>
           </a:p>
         </p:txBody>
@@ -4386,10 +4254,7 @@
           </a:bodyPr>
           <a:p>
             <a:endParaRPr b="0" lang="en-IN" sz="3200" spc="-1" strike="noStrike">
-              <a:solidFill>
-                <a:srgbClr val="000000"/>
-              </a:solidFill>
-              <a:latin typeface="Calibri"/>
+              <a:latin typeface="Arial"/>
             </a:endParaRPr>
           </a:p>
         </p:txBody>
@@ -4423,10 +4288,7 @@
           </a:bodyPr>
           <a:p>
             <a:endParaRPr b="0" lang="en-IN" sz="3200" spc="-1" strike="noStrike">
-              <a:solidFill>
-                <a:srgbClr val="000000"/>
-              </a:solidFill>
-              <a:latin typeface="Calibri"/>
+              <a:latin typeface="Arial"/>
             </a:endParaRPr>
           </a:p>
         </p:txBody>
@@ -4488,20 +4350,17 @@
             <a:noAutofit/>
           </a:bodyPr>
           <a:p>
-            <a:r>
-              <a:rPr b="0" lang="en-IN" sz="1800" spc="-1" strike="noStrike">
-                <a:solidFill>
-                  <a:srgbClr val="000000"/>
-                </a:solidFill>
-                <a:latin typeface="Calibri"/>
+            <a:pPr algn="ctr">
+              <a:buNone/>
+            </a:pPr>
+            <a:r>
+              <a:rPr b="0" lang="en-IN" sz="4400" spc="-1" strike="noStrike">
+                <a:latin typeface="Arial"/>
               </a:rPr>
               <a:t>Click to edit the title text format</a:t>
             </a:r>
-            <a:endParaRPr b="0" lang="en-IN" sz="1800" spc="-1" strike="noStrike">
-              <a:solidFill>
-                <a:srgbClr val="000000"/>
-              </a:solidFill>
-              <a:latin typeface="Calibri"/>
+            <a:endParaRPr b="0" lang="en-IN" sz="4400" spc="-1" strike="noStrike">
+              <a:latin typeface="Arial"/>
             </a:endParaRPr>
           </a:p>
         </p:txBody>
@@ -4547,18 +4406,12 @@
             </a:pPr>
             <a:r>
               <a:rPr b="0" lang="en-IN" sz="3200" spc="-1" strike="noStrike">
-                <a:solidFill>
-                  <a:srgbClr val="000000"/>
-                </a:solidFill>
-                <a:latin typeface="Calibri"/>
+                <a:latin typeface="Arial"/>
               </a:rPr>
               <a:t>Click to edit the outline text format</a:t>
             </a:r>
             <a:endParaRPr b="0" lang="en-IN" sz="3200" spc="-1" strike="noStrike">
-              <a:solidFill>
-                <a:srgbClr val="000000"/>
-              </a:solidFill>
-              <a:latin typeface="Calibri"/>
+              <a:latin typeface="Arial"/>
             </a:endParaRPr>
           </a:p>
           <a:p>
@@ -4574,19 +4427,13 @@
               <a:buChar char=""/>
             </a:pPr>
             <a:r>
-              <a:rPr b="0" lang="en-IN" sz="2400" spc="-1" strike="noStrike">
-                <a:solidFill>
-                  <a:srgbClr val="000000"/>
-                </a:solidFill>
-                <a:latin typeface="Calibri"/>
+              <a:rPr b="0" lang="en-IN" sz="2800" spc="-1" strike="noStrike">
+                <a:latin typeface="Arial"/>
               </a:rPr>
               <a:t>Second Outline Level</a:t>
             </a:r>
-            <a:endParaRPr b="0" lang="en-IN" sz="2400" spc="-1" strike="noStrike">
-              <a:solidFill>
-                <a:srgbClr val="000000"/>
-              </a:solidFill>
-              <a:latin typeface="Calibri"/>
+            <a:endParaRPr b="0" lang="en-IN" sz="2800" spc="-1" strike="noStrike">
+              <a:latin typeface="Arial"/>
             </a:endParaRPr>
           </a:p>
           <a:p>
@@ -4602,19 +4449,13 @@
               <a:buChar char=""/>
             </a:pPr>
             <a:r>
-              <a:rPr b="0" lang="en-IN" sz="2000" spc="-1" strike="noStrike">
-                <a:solidFill>
-                  <a:srgbClr val="000000"/>
-                </a:solidFill>
-                <a:latin typeface="Calibri"/>
+              <a:rPr b="0" lang="en-IN" sz="2400" spc="-1" strike="noStrike">
+                <a:latin typeface="Arial"/>
               </a:rPr>
               <a:t>Third Outline Level</a:t>
             </a:r>
-            <a:endParaRPr b="0" lang="en-IN" sz="2000" spc="-1" strike="noStrike">
-              <a:solidFill>
-                <a:srgbClr val="000000"/>
-              </a:solidFill>
-              <a:latin typeface="Calibri"/>
+            <a:endParaRPr b="0" lang="en-IN" sz="2400" spc="-1" strike="noStrike">
+              <a:latin typeface="Arial"/>
             </a:endParaRPr>
           </a:p>
           <a:p>
@@ -4631,18 +4472,12 @@
             </a:pPr>
             <a:r>
               <a:rPr b="0" lang="en-IN" sz="2000" spc="-1" strike="noStrike">
-                <a:solidFill>
-                  <a:srgbClr val="000000"/>
-                </a:solidFill>
-                <a:latin typeface="Calibri"/>
+                <a:latin typeface="Arial"/>
               </a:rPr>
               <a:t>Fourth Outline Level</a:t>
             </a:r>
             <a:endParaRPr b="0" lang="en-IN" sz="2000" spc="-1" strike="noStrike">
-              <a:solidFill>
-                <a:srgbClr val="000000"/>
-              </a:solidFill>
-              <a:latin typeface="Calibri"/>
+              <a:latin typeface="Arial"/>
             </a:endParaRPr>
           </a:p>
           <a:p>
@@ -4659,18 +4494,12 @@
             </a:pPr>
             <a:r>
               <a:rPr b="0" lang="en-IN" sz="2000" spc="-1" strike="noStrike">
-                <a:solidFill>
-                  <a:srgbClr val="000000"/>
-                </a:solidFill>
-                <a:latin typeface="Calibri"/>
+                <a:latin typeface="Arial"/>
               </a:rPr>
               <a:t>Fifth Outline Level</a:t>
             </a:r>
             <a:endParaRPr b="0" lang="en-IN" sz="2000" spc="-1" strike="noStrike">
-              <a:solidFill>
-                <a:srgbClr val="000000"/>
-              </a:solidFill>
-              <a:latin typeface="Calibri"/>
+              <a:latin typeface="Arial"/>
             </a:endParaRPr>
           </a:p>
           <a:p>
@@ -4687,18 +4516,12 @@
             </a:pPr>
             <a:r>
               <a:rPr b="0" lang="en-IN" sz="2000" spc="-1" strike="noStrike">
-                <a:solidFill>
-                  <a:srgbClr val="000000"/>
-                </a:solidFill>
-                <a:latin typeface="Calibri"/>
+                <a:latin typeface="Arial"/>
               </a:rPr>
               <a:t>Sixth Outline Level</a:t>
             </a:r>
             <a:endParaRPr b="0" lang="en-IN" sz="2000" spc="-1" strike="noStrike">
-              <a:solidFill>
-                <a:srgbClr val="000000"/>
-              </a:solidFill>
-              <a:latin typeface="Calibri"/>
+              <a:latin typeface="Arial"/>
             </a:endParaRPr>
           </a:p>
           <a:p>
@@ -4715,18 +4538,12 @@
             </a:pPr>
             <a:r>
               <a:rPr b="0" lang="en-IN" sz="2000" spc="-1" strike="noStrike">
-                <a:solidFill>
-                  <a:srgbClr val="000000"/>
-                </a:solidFill>
-                <a:latin typeface="Calibri"/>
+                <a:latin typeface="Arial"/>
               </a:rPr>
               <a:t>Seventh Outline Level</a:t>
             </a:r>
             <a:endParaRPr b="0" lang="en-IN" sz="2000" spc="-1" strike="noStrike">
-              <a:solidFill>
-                <a:srgbClr val="000000"/>
-              </a:solidFill>
-              <a:latin typeface="Calibri"/>
+              <a:latin typeface="Arial"/>
             </a:endParaRPr>
           </a:p>
         </p:txBody>
@@ -4784,7 +4601,7 @@
         <p:spPr>
           <a:xfrm>
             <a:off x="0" y="4114800"/>
-            <a:ext cx="9143640" cy="1028520"/>
+            <a:ext cx="9143280" cy="1028160"/>
           </a:xfrm>
           <a:prstGeom prst="rect">
             <a:avLst/>
@@ -4815,7 +4632,7 @@
         <p:spPr>
           <a:xfrm>
             <a:off x="457200" y="1097280"/>
-            <a:ext cx="109440" cy="2788560"/>
+            <a:ext cx="109080" cy="2788200"/>
           </a:xfrm>
           <a:prstGeom prst="rect">
             <a:avLst/>
@@ -4846,7 +4663,7 @@
         <p:spPr>
           <a:xfrm>
             <a:off x="777240" y="1097280"/>
-            <a:ext cx="7772040" cy="776880"/>
+            <a:ext cx="7771680" cy="776520"/>
           </a:xfrm>
           <a:prstGeom prst="rect">
             <a:avLst/>
@@ -4901,7 +4718,7 @@
         <p:spPr>
           <a:xfrm>
             <a:off x="777240" y="1874520"/>
-            <a:ext cx="7772040" cy="749520"/>
+            <a:ext cx="7771680" cy="749160"/>
           </a:xfrm>
           <a:prstGeom prst="rect">
             <a:avLst/>
@@ -4956,7 +4773,7 @@
         <p:spPr>
           <a:xfrm>
             <a:off x="777240" y="2724840"/>
-            <a:ext cx="7314840" cy="383760"/>
+            <a:ext cx="7314480" cy="383400"/>
           </a:xfrm>
           <a:prstGeom prst="rect">
             <a:avLst/>
@@ -5011,7 +4828,7 @@
         <p:spPr>
           <a:xfrm>
             <a:off x="777240" y="3218760"/>
-            <a:ext cx="4571640" cy="319680"/>
+            <a:ext cx="4571280" cy="319320"/>
           </a:xfrm>
           <a:prstGeom prst="rect">
             <a:avLst/>
@@ -5066,7 +4883,7 @@
         <p:spPr>
           <a:xfrm>
             <a:off x="457200" y="4206240"/>
-            <a:ext cx="8229240" cy="292320"/>
+            <a:ext cx="8228880" cy="291960"/>
           </a:xfrm>
           <a:prstGeom prst="rect">
             <a:avLst/>
@@ -5121,7 +4938,7 @@
         <p:spPr>
           <a:xfrm>
             <a:off x="6949440" y="228600"/>
-            <a:ext cx="2559960" cy="2559960"/>
+            <a:ext cx="2559600" cy="2559600"/>
           </a:xfrm>
           <a:prstGeom prst="ellipse">
             <a:avLst/>
@@ -5156,7 +4973,7 @@
         <p:spPr>
           <a:xfrm>
             <a:off x="7589520" y="1325880"/>
-            <a:ext cx="1371240" cy="1371240"/>
+            <a:ext cx="1370880" cy="1370880"/>
           </a:xfrm>
           <a:prstGeom prst="ellipse">
             <a:avLst/>
@@ -5228,7 +5045,7 @@
         <p:spPr>
           <a:xfrm>
             <a:off x="0" y="0"/>
-            <a:ext cx="9143640" cy="1005480"/>
+            <a:ext cx="9143280" cy="1005120"/>
           </a:xfrm>
           <a:prstGeom prst="rect">
             <a:avLst/>
@@ -5259,7 +5076,7 @@
         <p:spPr>
           <a:xfrm>
             <a:off x="0" y="0"/>
-            <a:ext cx="109440" cy="1005480"/>
+            <a:ext cx="109080" cy="1005120"/>
           </a:xfrm>
           <a:prstGeom prst="rect">
             <a:avLst/>
@@ -5290,7 +5107,7 @@
         <p:spPr>
           <a:xfrm>
             <a:off x="255960" y="128160"/>
-            <a:ext cx="8503560" cy="548280"/>
+            <a:ext cx="8503200" cy="547920"/>
           </a:xfrm>
           <a:prstGeom prst="rect">
             <a:avLst/>
@@ -5328,7 +5145,7 @@
                 <a:latin typeface="Calibri"/>
                 <a:ea typeface="Calibri"/>
               </a:rPr>
-              <a:t>Understanding 'self' — The Most Confusing Topic</a:t>
+              <a:t>Understanding 'self'</a:t>
             </a:r>
             <a:endParaRPr b="0" lang="en-IN" sz="2200" spc="-1" strike="noStrike">
               <a:latin typeface="Arial"/>
@@ -5345,7 +5162,7 @@
         <p:spPr>
           <a:xfrm>
             <a:off x="255960" y="658440"/>
-            <a:ext cx="8503560" cy="273960"/>
+            <a:ext cx="8503200" cy="273600"/>
           </a:xfrm>
           <a:prstGeom prst="rect">
             <a:avLst/>
@@ -5400,7 +5217,7 @@
         <p:spPr>
           <a:xfrm>
             <a:off x="320040" y="1143000"/>
-            <a:ext cx="8503560" cy="749520"/>
+            <a:ext cx="8503200" cy="749160"/>
           </a:xfrm>
           <a:prstGeom prst="rect">
             <a:avLst/>
@@ -5438,7 +5255,7 @@
         <p:spPr>
           <a:xfrm>
             <a:off x="320040" y="1143000"/>
-            <a:ext cx="8503560" cy="63720"/>
+            <a:ext cx="8503200" cy="63360"/>
           </a:xfrm>
           <a:prstGeom prst="rect">
             <a:avLst/>
@@ -5469,7 +5286,7 @@
         <p:spPr>
           <a:xfrm>
             <a:off x="457200" y="1234440"/>
-            <a:ext cx="8229240" cy="438480"/>
+            <a:ext cx="8228880" cy="438120"/>
           </a:xfrm>
           <a:prstGeom prst="rect">
             <a:avLst/>
@@ -5524,7 +5341,7 @@
         <p:spPr>
           <a:xfrm>
             <a:off x="320040" y="2011680"/>
-            <a:ext cx="8503560" cy="868320"/>
+            <a:ext cx="8503200" cy="867960"/>
           </a:xfrm>
           <a:prstGeom prst="rect">
             <a:avLst/>
@@ -5562,7 +5379,7 @@
         <p:spPr>
           <a:xfrm>
             <a:off x="320040" y="2011680"/>
-            <a:ext cx="91080" cy="868320"/>
+            <a:ext cx="90720" cy="867960"/>
           </a:xfrm>
           <a:prstGeom prst="rect">
             <a:avLst/>
@@ -5593,7 +5410,7 @@
         <p:spPr>
           <a:xfrm>
             <a:off x="502920" y="2212920"/>
-            <a:ext cx="383760" cy="383760"/>
+            <a:ext cx="383400" cy="383400"/>
           </a:xfrm>
           <a:prstGeom prst="ellipse">
             <a:avLst/>
@@ -5624,7 +5441,7 @@
         <p:spPr>
           <a:xfrm>
             <a:off x="502920" y="2212920"/>
-            <a:ext cx="383760" cy="383760"/>
+            <a:ext cx="383400" cy="383400"/>
           </a:xfrm>
           <a:prstGeom prst="rect">
             <a:avLst/>
@@ -5679,7 +5496,7 @@
         <p:spPr>
           <a:xfrm>
             <a:off x="1005840" y="2066400"/>
-            <a:ext cx="2651400" cy="347040"/>
+            <a:ext cx="2651040" cy="346680"/>
           </a:xfrm>
           <a:prstGeom prst="rect">
             <a:avLst/>
@@ -5734,7 +5551,7 @@
         <p:spPr>
           <a:xfrm>
             <a:off x="1005840" y="2487240"/>
-            <a:ext cx="2651400" cy="292320"/>
+            <a:ext cx="2651040" cy="291960"/>
           </a:xfrm>
           <a:prstGeom prst="rect">
             <a:avLst/>
@@ -5789,7 +5606,7 @@
         <p:spPr>
           <a:xfrm>
             <a:off x="3794760" y="2084760"/>
-            <a:ext cx="4754520" cy="731160"/>
+            <a:ext cx="4754160" cy="730800"/>
           </a:xfrm>
           <a:prstGeom prst="rect">
             <a:avLst/>
@@ -5820,7 +5637,7 @@
         <p:spPr>
           <a:xfrm>
             <a:off x="3886200" y="2139840"/>
-            <a:ext cx="4571640" cy="621360"/>
+            <a:ext cx="4571280" cy="621000"/>
           </a:xfrm>
           <a:prstGeom prst="rect">
             <a:avLst/>
@@ -5923,7 +5740,7 @@
         <p:spPr>
           <a:xfrm>
             <a:off x="320040" y="2999160"/>
-            <a:ext cx="8503560" cy="868320"/>
+            <a:ext cx="8503200" cy="867960"/>
           </a:xfrm>
           <a:prstGeom prst="rect">
             <a:avLst/>
@@ -5961,7 +5778,7 @@
         <p:spPr>
           <a:xfrm>
             <a:off x="320040" y="2999160"/>
-            <a:ext cx="91080" cy="868320"/>
+            <a:ext cx="90720" cy="867960"/>
           </a:xfrm>
           <a:prstGeom prst="rect">
             <a:avLst/>
@@ -5992,7 +5809,7 @@
         <p:spPr>
           <a:xfrm>
             <a:off x="502920" y="3200400"/>
-            <a:ext cx="383760" cy="383760"/>
+            <a:ext cx="383400" cy="383400"/>
           </a:xfrm>
           <a:prstGeom prst="ellipse">
             <a:avLst/>
@@ -6023,7 +5840,7 @@
         <p:spPr>
           <a:xfrm>
             <a:off x="502920" y="3200400"/>
-            <a:ext cx="383760" cy="383760"/>
+            <a:ext cx="383400" cy="383400"/>
           </a:xfrm>
           <a:prstGeom prst="rect">
             <a:avLst/>
@@ -6078,7 +5895,7 @@
         <p:spPr>
           <a:xfrm>
             <a:off x="1005840" y="3054240"/>
-            <a:ext cx="2651400" cy="347040"/>
+            <a:ext cx="2651040" cy="346680"/>
           </a:xfrm>
           <a:prstGeom prst="rect">
             <a:avLst/>
@@ -6133,7 +5950,7 @@
         <p:spPr>
           <a:xfrm>
             <a:off x="1005840" y="3474720"/>
-            <a:ext cx="2651400" cy="292320"/>
+            <a:ext cx="2651040" cy="291960"/>
           </a:xfrm>
           <a:prstGeom prst="rect">
             <a:avLst/>
@@ -6188,7 +6005,7 @@
         <p:spPr>
           <a:xfrm>
             <a:off x="3794760" y="3072240"/>
-            <a:ext cx="4754520" cy="731160"/>
+            <a:ext cx="4754160" cy="730800"/>
           </a:xfrm>
           <a:prstGeom prst="rect">
             <a:avLst/>
@@ -6219,7 +6036,7 @@
         <p:spPr>
           <a:xfrm>
             <a:off x="3886200" y="3127320"/>
-            <a:ext cx="4571640" cy="621360"/>
+            <a:ext cx="4571280" cy="621000"/>
           </a:xfrm>
           <a:prstGeom prst="rect">
             <a:avLst/>
@@ -6342,7 +6159,7 @@
         <p:spPr>
           <a:xfrm>
             <a:off x="320040" y="3986640"/>
-            <a:ext cx="8503560" cy="868320"/>
+            <a:ext cx="8503200" cy="867960"/>
           </a:xfrm>
           <a:prstGeom prst="rect">
             <a:avLst/>
@@ -6380,7 +6197,7 @@
         <p:spPr>
           <a:xfrm>
             <a:off x="320040" y="3986640"/>
-            <a:ext cx="91080" cy="868320"/>
+            <a:ext cx="90720" cy="867960"/>
           </a:xfrm>
           <a:prstGeom prst="rect">
             <a:avLst/>
@@ -6411,7 +6228,7 @@
         <p:spPr>
           <a:xfrm>
             <a:off x="502920" y="4187880"/>
-            <a:ext cx="383760" cy="383760"/>
+            <a:ext cx="383400" cy="383400"/>
           </a:xfrm>
           <a:prstGeom prst="ellipse">
             <a:avLst/>
@@ -6442,7 +6259,7 @@
         <p:spPr>
           <a:xfrm>
             <a:off x="502920" y="4187880"/>
-            <a:ext cx="383760" cy="383760"/>
+            <a:ext cx="383400" cy="383400"/>
           </a:xfrm>
           <a:prstGeom prst="rect">
             <a:avLst/>
@@ -6497,7 +6314,7 @@
         <p:spPr>
           <a:xfrm>
             <a:off x="1005840" y="4041720"/>
-            <a:ext cx="2651400" cy="347040"/>
+            <a:ext cx="2651040" cy="346680"/>
           </a:xfrm>
           <a:prstGeom prst="rect">
             <a:avLst/>
@@ -6552,7 +6369,7 @@
         <p:spPr>
           <a:xfrm>
             <a:off x="1005840" y="4462200"/>
-            <a:ext cx="2651400" cy="292320"/>
+            <a:ext cx="2651040" cy="291960"/>
           </a:xfrm>
           <a:prstGeom prst="rect">
             <a:avLst/>
@@ -6607,7 +6424,7 @@
         <p:spPr>
           <a:xfrm>
             <a:off x="3794760" y="4060080"/>
-            <a:ext cx="4754520" cy="731160"/>
+            <a:ext cx="4754160" cy="730800"/>
           </a:xfrm>
           <a:prstGeom prst="rect">
             <a:avLst/>
@@ -6638,7 +6455,7 @@
         <p:spPr>
           <a:xfrm>
             <a:off x="3886200" y="4114800"/>
-            <a:ext cx="4571640" cy="621360"/>
+            <a:ext cx="4571280" cy="621000"/>
           </a:xfrm>
           <a:prstGeom prst="rect">
             <a:avLst/>
@@ -6751,7 +6568,7 @@
         <p:spPr>
           <a:xfrm>
             <a:off x="320040" y="4773240"/>
-            <a:ext cx="8503560" cy="273960"/>
+            <a:ext cx="8503200" cy="273600"/>
           </a:xfrm>
           <a:prstGeom prst="rect">
             <a:avLst/>
@@ -6789,7 +6606,7 @@
         <p:spPr>
           <a:xfrm>
             <a:off x="320040" y="4773240"/>
-            <a:ext cx="91080" cy="273960"/>
+            <a:ext cx="90720" cy="273600"/>
           </a:xfrm>
           <a:prstGeom prst="rect">
             <a:avLst/>
@@ -6820,7 +6637,7 @@
         <p:spPr>
           <a:xfrm>
             <a:off x="502920" y="4773240"/>
-            <a:ext cx="8229240" cy="273960"/>
+            <a:ext cx="8228880" cy="273600"/>
           </a:xfrm>
           <a:prstGeom prst="rect">
             <a:avLst/>
@@ -6922,7 +6739,7 @@
         <p:spPr>
           <a:xfrm>
             <a:off x="0" y="0"/>
-            <a:ext cx="9143640" cy="1005480"/>
+            <a:ext cx="9143280" cy="1005120"/>
           </a:xfrm>
           <a:prstGeom prst="rect">
             <a:avLst/>
@@ -6953,7 +6770,7 @@
         <p:spPr>
           <a:xfrm>
             <a:off x="0" y="0"/>
-            <a:ext cx="109440" cy="1005480"/>
+            <a:ext cx="109080" cy="1005120"/>
           </a:xfrm>
           <a:prstGeom prst="rect">
             <a:avLst/>
@@ -6984,7 +6801,7 @@
         <p:spPr>
           <a:xfrm>
             <a:off x="255960" y="128160"/>
-            <a:ext cx="8503560" cy="548280"/>
+            <a:ext cx="8503200" cy="547920"/>
           </a:xfrm>
           <a:prstGeom prst="rect">
             <a:avLst/>
@@ -7039,7 +6856,7 @@
         <p:spPr>
           <a:xfrm>
             <a:off x="255960" y="658440"/>
-            <a:ext cx="8503560" cy="273960"/>
+            <a:ext cx="8503200" cy="273600"/>
           </a:xfrm>
           <a:prstGeom prst="rect">
             <a:avLst/>
@@ -7094,7 +6911,7 @@
         <p:spPr>
           <a:xfrm>
             <a:off x="320040" y="1143000"/>
-            <a:ext cx="8503560" cy="1023840"/>
+            <a:ext cx="8503200" cy="1023480"/>
           </a:xfrm>
           <a:prstGeom prst="rect">
             <a:avLst/>
@@ -7132,7 +6949,7 @@
         <p:spPr>
           <a:xfrm>
             <a:off x="320040" y="1143000"/>
-            <a:ext cx="8503560" cy="72720"/>
+            <a:ext cx="8503200" cy="72360"/>
           </a:xfrm>
           <a:prstGeom prst="rect">
             <a:avLst/>
@@ -7163,7 +6980,7 @@
         <p:spPr>
           <a:xfrm>
             <a:off x="457200" y="1261800"/>
-            <a:ext cx="1828440" cy="566640"/>
+            <a:ext cx="1828080" cy="566280"/>
           </a:xfrm>
           <a:prstGeom prst="rect">
             <a:avLst/>
@@ -7218,7 +7035,7 @@
         <p:spPr>
           <a:xfrm>
             <a:off x="2286000" y="1261800"/>
-            <a:ext cx="6354720" cy="566640"/>
+            <a:ext cx="6354360" cy="566280"/>
           </a:xfrm>
           <a:prstGeom prst="rect">
             <a:avLst/>
@@ -7273,7 +7090,7 @@
         <p:spPr>
           <a:xfrm>
             <a:off x="2286000" y="1810440"/>
-            <a:ext cx="6354720" cy="273960"/>
+            <a:ext cx="6354360" cy="273600"/>
           </a:xfrm>
           <a:prstGeom prst="rect">
             <a:avLst/>
@@ -7328,7 +7145,7 @@
         <p:spPr>
           <a:xfrm>
             <a:off x="320040" y="2286000"/>
-            <a:ext cx="4114440" cy="2724480"/>
+            <a:ext cx="4114080" cy="2724120"/>
           </a:xfrm>
           <a:prstGeom prst="rect">
             <a:avLst/>
@@ -7366,7 +7183,7 @@
         <p:spPr>
           <a:xfrm>
             <a:off x="457200" y="2395800"/>
-            <a:ext cx="3840120" cy="273960"/>
+            <a:ext cx="3839760" cy="273600"/>
           </a:xfrm>
           <a:prstGeom prst="rect">
             <a:avLst/>
@@ -7421,7 +7238,7 @@
         <p:spPr>
           <a:xfrm>
             <a:off x="365760" y="2724840"/>
-            <a:ext cx="4004640" cy="2175840"/>
+            <a:ext cx="4004280" cy="2175480"/>
           </a:xfrm>
           <a:prstGeom prst="rect">
             <a:avLst/>
@@ -7452,7 +7269,7 @@
         <p:spPr>
           <a:xfrm>
             <a:off x="365760" y="2724840"/>
-            <a:ext cx="566640" cy="200880"/>
+            <a:ext cx="566280" cy="200520"/>
           </a:xfrm>
           <a:prstGeom prst="rect">
             <a:avLst/>
@@ -7483,7 +7300,7 @@
         <p:spPr>
           <a:xfrm>
             <a:off x="365760" y="2724840"/>
-            <a:ext cx="566640" cy="200880"/>
+            <a:ext cx="566280" cy="200520"/>
           </a:xfrm>
           <a:prstGeom prst="rect">
             <a:avLst/>
@@ -7538,7 +7355,7 @@
         <p:spPr>
           <a:xfrm>
             <a:off x="457200" y="2980800"/>
-            <a:ext cx="3821760" cy="1874160"/>
+            <a:ext cx="3821400" cy="1873800"/>
           </a:xfrm>
           <a:prstGeom prst="rect">
             <a:avLst/>
@@ -7737,7 +7554,7 @@
         <p:spPr>
           <a:xfrm>
             <a:off x="4709160" y="2286000"/>
-            <a:ext cx="4114440" cy="2724480"/>
+            <a:ext cx="4114080" cy="2724120"/>
           </a:xfrm>
           <a:prstGeom prst="rect">
             <a:avLst/>
@@ -7775,7 +7592,7 @@
         <p:spPr>
           <a:xfrm>
             <a:off x="4846320" y="2395800"/>
-            <a:ext cx="3840120" cy="273960"/>
+            <a:ext cx="3839760" cy="273600"/>
           </a:xfrm>
           <a:prstGeom prst="rect">
             <a:avLst/>
@@ -7830,7 +7647,7 @@
         <p:spPr>
           <a:xfrm>
             <a:off x="4846320" y="2724840"/>
-            <a:ext cx="3821760" cy="658080"/>
+            <a:ext cx="3821400" cy="657720"/>
           </a:xfrm>
           <a:prstGeom prst="rect">
             <a:avLst/>
@@ -7885,7 +7702,7 @@
         <p:spPr>
           <a:xfrm>
             <a:off x="4846320" y="3438000"/>
-            <a:ext cx="3821760" cy="566640"/>
+            <a:ext cx="3821400" cy="566280"/>
           </a:xfrm>
           <a:prstGeom prst="rect">
             <a:avLst/>
@@ -7923,7 +7740,7 @@
         <p:spPr>
           <a:xfrm>
             <a:off x="4846320" y="3438000"/>
-            <a:ext cx="3821760" cy="72720"/>
+            <a:ext cx="3821400" cy="72360"/>
           </a:xfrm>
           <a:prstGeom prst="rect">
             <a:avLst/>
@@ -7954,7 +7771,7 @@
         <p:spPr>
           <a:xfrm>
             <a:off x="4983480" y="3547800"/>
-            <a:ext cx="1005480" cy="365400"/>
+            <a:ext cx="1005120" cy="365040"/>
           </a:xfrm>
           <a:prstGeom prst="rect">
             <a:avLst/>
@@ -8009,7 +7826,7 @@
         <p:spPr>
           <a:xfrm>
             <a:off x="6035040" y="3547800"/>
-            <a:ext cx="2541600" cy="365400"/>
+            <a:ext cx="2541240" cy="365040"/>
           </a:xfrm>
           <a:prstGeom prst="rect">
             <a:avLst/>
@@ -8064,7 +7881,7 @@
         <p:spPr>
           <a:xfrm>
             <a:off x="4846320" y="4060080"/>
-            <a:ext cx="3821760" cy="347040"/>
+            <a:ext cx="3821400" cy="346680"/>
           </a:xfrm>
           <a:prstGeom prst="rect">
             <a:avLst/>
@@ -8119,7 +7936,7 @@
         <p:spPr>
           <a:xfrm>
             <a:off x="4846320" y="4443840"/>
-            <a:ext cx="3821760" cy="319680"/>
+            <a:ext cx="3821400" cy="319320"/>
           </a:xfrm>
           <a:prstGeom prst="rect">
             <a:avLst/>
@@ -8174,7 +7991,7 @@
         <p:spPr>
           <a:xfrm>
             <a:off x="320040" y="4773240"/>
-            <a:ext cx="8503560" cy="273960"/>
+            <a:ext cx="8503200" cy="273600"/>
           </a:xfrm>
           <a:prstGeom prst="rect">
             <a:avLst/>
@@ -8212,7 +8029,7 @@
         <p:spPr>
           <a:xfrm>
             <a:off x="320040" y="4773240"/>
-            <a:ext cx="91080" cy="273960"/>
+            <a:ext cx="90720" cy="273600"/>
           </a:xfrm>
           <a:prstGeom prst="rect">
             <a:avLst/>
@@ -8243,7 +8060,7 @@
         <p:spPr>
           <a:xfrm>
             <a:off x="502920" y="4773240"/>
-            <a:ext cx="8229240" cy="273960"/>
+            <a:ext cx="8228880" cy="273600"/>
           </a:xfrm>
           <a:prstGeom prst="rect">
             <a:avLst/>
@@ -8345,7 +8162,7 @@
         <p:spPr>
           <a:xfrm>
             <a:off x="0" y="0"/>
-            <a:ext cx="9143640" cy="1005480"/>
+            <a:ext cx="9143280" cy="1005120"/>
           </a:xfrm>
           <a:prstGeom prst="rect">
             <a:avLst/>
@@ -8376,7 +8193,7 @@
         <p:spPr>
           <a:xfrm>
             <a:off x="0" y="0"/>
-            <a:ext cx="109440" cy="1005480"/>
+            <a:ext cx="109080" cy="1005120"/>
           </a:xfrm>
           <a:prstGeom prst="rect">
             <a:avLst/>
@@ -8407,7 +8224,7 @@
         <p:spPr>
           <a:xfrm>
             <a:off x="255960" y="128160"/>
-            <a:ext cx="8503560" cy="548280"/>
+            <a:ext cx="8503200" cy="547920"/>
           </a:xfrm>
           <a:prstGeom prst="rect">
             <a:avLst/>
@@ -8462,7 +8279,7 @@
         <p:spPr>
           <a:xfrm>
             <a:off x="255960" y="658440"/>
-            <a:ext cx="8503560" cy="273960"/>
+            <a:ext cx="8503200" cy="273600"/>
           </a:xfrm>
           <a:prstGeom prst="rect">
             <a:avLst/>
@@ -8517,7 +8334,7 @@
         <p:spPr>
           <a:xfrm>
             <a:off x="320040" y="1143000"/>
-            <a:ext cx="8503560" cy="895680"/>
+            <a:ext cx="8503200" cy="895320"/>
           </a:xfrm>
           <a:prstGeom prst="rect">
             <a:avLst/>
@@ -8555,7 +8372,7 @@
         <p:spPr>
           <a:xfrm>
             <a:off x="320040" y="1143000"/>
-            <a:ext cx="8503560" cy="72720"/>
+            <a:ext cx="8503200" cy="72360"/>
           </a:xfrm>
           <a:prstGeom prst="rect">
             <a:avLst/>
@@ -8586,7 +8403,7 @@
         <p:spPr>
           <a:xfrm>
             <a:off x="457200" y="1261800"/>
-            <a:ext cx="1737000" cy="502560"/>
+            <a:ext cx="1736640" cy="502200"/>
           </a:xfrm>
           <a:prstGeom prst="rect">
             <a:avLst/>
@@ -8641,7 +8458,7 @@
         <p:spPr>
           <a:xfrm>
             <a:off x="2194560" y="1261800"/>
-            <a:ext cx="6491880" cy="502560"/>
+            <a:ext cx="6491520" cy="502200"/>
           </a:xfrm>
           <a:prstGeom prst="rect">
             <a:avLst/>
@@ -8696,7 +8513,7 @@
         <p:spPr>
           <a:xfrm>
             <a:off x="457200" y="1874520"/>
-            <a:ext cx="8320680" cy="273960"/>
+            <a:ext cx="8320320" cy="273600"/>
           </a:xfrm>
           <a:prstGeom prst="rect">
             <a:avLst/>
@@ -8751,7 +8568,7 @@
         <p:spPr>
           <a:xfrm>
             <a:off x="320040" y="2267640"/>
-            <a:ext cx="5028840" cy="2486880"/>
+            <a:ext cx="5028480" cy="2486520"/>
           </a:xfrm>
           <a:prstGeom prst="rect">
             <a:avLst/>
@@ -8789,7 +8606,7 @@
         <p:spPr>
           <a:xfrm>
             <a:off x="457200" y="2377440"/>
-            <a:ext cx="4663080" cy="273960"/>
+            <a:ext cx="4662720" cy="273600"/>
           </a:xfrm>
           <a:prstGeom prst="rect">
             <a:avLst/>
@@ -8844,7 +8661,7 @@
         <p:spPr>
           <a:xfrm>
             <a:off x="365760" y="2688480"/>
-            <a:ext cx="4854240" cy="2084760"/>
+            <a:ext cx="4853880" cy="2084400"/>
           </a:xfrm>
           <a:prstGeom prst="rect">
             <a:avLst/>
@@ -8875,7 +8692,7 @@
         <p:spPr>
           <a:xfrm>
             <a:off x="365760" y="2688480"/>
-            <a:ext cx="566640" cy="200880"/>
+            <a:ext cx="566280" cy="200520"/>
           </a:xfrm>
           <a:prstGeom prst="rect">
             <a:avLst/>
@@ -8906,7 +8723,7 @@
         <p:spPr>
           <a:xfrm>
             <a:off x="365760" y="2688480"/>
-            <a:ext cx="566640" cy="200880"/>
+            <a:ext cx="566280" cy="200520"/>
           </a:xfrm>
           <a:prstGeom prst="rect">
             <a:avLst/>
@@ -8961,7 +8778,7 @@
         <p:spPr>
           <a:xfrm>
             <a:off x="457200" y="2944440"/>
-            <a:ext cx="4736160" cy="1654560"/>
+            <a:ext cx="4735800" cy="1654200"/>
           </a:xfrm>
           <a:prstGeom prst="rect">
             <a:avLst/>
@@ -9266,7 +9083,7 @@
         <p:spPr>
           <a:xfrm>
             <a:off x="5577840" y="2267640"/>
-            <a:ext cx="3245760" cy="1151640"/>
+            <a:ext cx="3245400" cy="1151280"/>
           </a:xfrm>
           <a:prstGeom prst="rect">
             <a:avLst/>
@@ -9304,7 +9121,7 @@
         <p:spPr>
           <a:xfrm>
             <a:off x="5577840" y="2267640"/>
-            <a:ext cx="3245760" cy="347040"/>
+            <a:ext cx="3245400" cy="346680"/>
           </a:xfrm>
           <a:prstGeom prst="rect">
             <a:avLst/>
@@ -9335,7 +9152,7 @@
         <p:spPr>
           <a:xfrm>
             <a:off x="5715000" y="2267640"/>
-            <a:ext cx="2971440" cy="347040"/>
+            <a:ext cx="2971080" cy="346680"/>
           </a:xfrm>
           <a:prstGeom prst="rect">
             <a:avLst/>
@@ -9390,7 +9207,7 @@
         <p:spPr>
           <a:xfrm>
             <a:off x="5623560" y="2651760"/>
-            <a:ext cx="3200040" cy="948240"/>
+            <a:ext cx="3199680" cy="947880"/>
           </a:xfrm>
           <a:prstGeom prst="rect">
             <a:avLst/>
@@ -9421,7 +9238,7 @@
         <p:spPr>
           <a:xfrm>
             <a:off x="5623560" y="2651760"/>
-            <a:ext cx="566640" cy="200880"/>
+            <a:ext cx="566280" cy="200520"/>
           </a:xfrm>
           <a:prstGeom prst="rect">
             <a:avLst/>
@@ -9452,7 +9269,7 @@
         <p:spPr>
           <a:xfrm>
             <a:off x="5623560" y="2651760"/>
-            <a:ext cx="566640" cy="200880"/>
+            <a:ext cx="566280" cy="200520"/>
           </a:xfrm>
           <a:prstGeom prst="rect">
             <a:avLst/>
@@ -9507,7 +9324,7 @@
         <p:spPr>
           <a:xfrm>
             <a:off x="5715000" y="2907720"/>
-            <a:ext cx="2925720" cy="374400"/>
+            <a:ext cx="2925360" cy="374040"/>
           </a:xfrm>
           <a:prstGeom prst="rect">
             <a:avLst/>
@@ -9634,7 +9451,7 @@
         <p:spPr>
           <a:xfrm>
             <a:off x="5577840" y="3600000"/>
-            <a:ext cx="3245760" cy="1154520"/>
+            <a:ext cx="3245400" cy="1154160"/>
           </a:xfrm>
           <a:prstGeom prst="rect">
             <a:avLst/>
@@ -9672,7 +9489,7 @@
         <p:spPr>
           <a:xfrm>
             <a:off x="5577840" y="3600000"/>
-            <a:ext cx="3245760" cy="347040"/>
+            <a:ext cx="3245400" cy="346680"/>
           </a:xfrm>
           <a:prstGeom prst="rect">
             <a:avLst/>
@@ -9703,7 +9520,7 @@
         <p:spPr>
           <a:xfrm>
             <a:off x="5715000" y="3493080"/>
-            <a:ext cx="2971440" cy="347040"/>
+            <a:ext cx="2971080" cy="346680"/>
           </a:xfrm>
           <a:prstGeom prst="rect">
             <a:avLst/>
@@ -9758,7 +9575,7 @@
         <p:spPr>
           <a:xfrm>
             <a:off x="5715000" y="3895200"/>
-            <a:ext cx="3017160" cy="804240"/>
+            <a:ext cx="3016800" cy="803880"/>
           </a:xfrm>
           <a:prstGeom prst="rect">
             <a:avLst/>
@@ -9797,7 +9614,7 @@
               <a:buClr>
                 <a:srgbClr val="f0f4f8"/>
               </a:buClr>
-              <a:buFont typeface="Symbol" charset="2"/>
+              <a:buFont typeface="Symbol"/>
               <a:buChar char=""/>
             </a:pPr>
             <a:r>
@@ -9808,17 +9625,7 @@
                 <a:latin typeface="Calibri"/>
                 <a:ea typeface="Calibri"/>
               </a:rPr>
-              <a:t>Python auto-passes the object as 1st arg, </a:t>
-            </a:r>
-            <a:r>
-              <a:rPr b="0" lang="en-US" sz="1050" spc="-1" strike="noStrike">
-                <a:solidFill>
-                  <a:srgbClr val="f0f4f8"/>
-                </a:solidFill>
-                <a:latin typeface="Calibri"/>
-                <a:ea typeface="Calibri"/>
-              </a:rPr>
-              <a:t>That argument is received as 'self'</a:t>
+              <a:t>Python auto-passes the object as 1st arg, That argument is received as 'self'</a:t>
             </a:r>
             <a:endParaRPr b="0" lang="en-IN" sz="1050" spc="-1" strike="noStrike">
               <a:latin typeface="Arial"/>
@@ -9832,7 +9639,7 @@
               <a:buClr>
                 <a:srgbClr val="ffb703"/>
               </a:buClr>
-              <a:buFont typeface="Symbol" charset="2"/>
+              <a:buFont typeface="Symbol"/>
               <a:buChar char=""/>
             </a:pPr>
             <a:r>
@@ -9860,7 +9667,7 @@
         <p:spPr>
           <a:xfrm>
             <a:off x="320040" y="4773240"/>
-            <a:ext cx="8503560" cy="273960"/>
+            <a:ext cx="8503200" cy="273600"/>
           </a:xfrm>
           <a:prstGeom prst="rect">
             <a:avLst/>
@@ -9898,7 +9705,7 @@
         <p:spPr>
           <a:xfrm>
             <a:off x="320040" y="4773240"/>
-            <a:ext cx="91080" cy="273960"/>
+            <a:ext cx="90720" cy="273600"/>
           </a:xfrm>
           <a:prstGeom prst="rect">
             <a:avLst/>
@@ -9929,7 +9736,7 @@
         <p:spPr>
           <a:xfrm>
             <a:off x="502920" y="4773240"/>
-            <a:ext cx="8229240" cy="273960"/>
+            <a:ext cx="8228880" cy="273600"/>
           </a:xfrm>
           <a:prstGeom prst="rect">
             <a:avLst/>
@@ -10031,7 +9838,7 @@
         <p:spPr>
           <a:xfrm>
             <a:off x="0" y="0"/>
-            <a:ext cx="9143640" cy="1005480"/>
+            <a:ext cx="9143280" cy="1005120"/>
           </a:xfrm>
           <a:prstGeom prst="rect">
             <a:avLst/>
@@ -10062,7 +9869,7 @@
         <p:spPr>
           <a:xfrm>
             <a:off x="0" y="0"/>
-            <a:ext cx="109440" cy="1005480"/>
+            <a:ext cx="109080" cy="1005120"/>
           </a:xfrm>
           <a:prstGeom prst="rect">
             <a:avLst/>
@@ -10093,7 +9900,7 @@
         <p:spPr>
           <a:xfrm>
             <a:off x="255960" y="128160"/>
-            <a:ext cx="8503560" cy="548280"/>
+            <a:ext cx="8503200" cy="547920"/>
           </a:xfrm>
           <a:prstGeom prst="rect">
             <a:avLst/>
@@ -10148,7 +9955,7 @@
         <p:spPr>
           <a:xfrm>
             <a:off x="255960" y="658440"/>
-            <a:ext cx="8503560" cy="273960"/>
+            <a:ext cx="8503200" cy="273600"/>
           </a:xfrm>
           <a:prstGeom prst="rect">
             <a:avLst/>
@@ -10203,7 +10010,7 @@
         <p:spPr>
           <a:xfrm>
             <a:off x="320040" y="1143000"/>
-            <a:ext cx="4114440" cy="2331360"/>
+            <a:ext cx="4114080" cy="2331000"/>
           </a:xfrm>
           <a:prstGeom prst="rect">
             <a:avLst/>
@@ -10241,7 +10048,7 @@
         <p:spPr>
           <a:xfrm>
             <a:off x="320040" y="1143000"/>
-            <a:ext cx="4114440" cy="347040"/>
+            <a:ext cx="4114080" cy="346680"/>
           </a:xfrm>
           <a:prstGeom prst="rect">
             <a:avLst/>
@@ -10272,7 +10079,7 @@
         <p:spPr>
           <a:xfrm>
             <a:off x="457200" y="1143000"/>
-            <a:ext cx="3840120" cy="347040"/>
+            <a:ext cx="3839760" cy="346680"/>
           </a:xfrm>
           <a:prstGeom prst="rect">
             <a:avLst/>
@@ -10337,7 +10144,7 @@
         <p:spPr>
           <a:xfrm>
             <a:off x="365760" y="1536120"/>
-            <a:ext cx="4004640" cy="1828440"/>
+            <a:ext cx="4004280" cy="1828080"/>
           </a:xfrm>
           <a:prstGeom prst="rect">
             <a:avLst/>
@@ -10368,7 +10175,7 @@
         <p:spPr>
           <a:xfrm>
             <a:off x="365760" y="1536120"/>
-            <a:ext cx="566640" cy="200880"/>
+            <a:ext cx="566280" cy="200520"/>
           </a:xfrm>
           <a:prstGeom prst="rect">
             <a:avLst/>
@@ -10399,7 +10206,7 @@
         <p:spPr>
           <a:xfrm>
             <a:off x="365760" y="1536120"/>
-            <a:ext cx="566640" cy="200880"/>
+            <a:ext cx="566280" cy="200520"/>
           </a:xfrm>
           <a:prstGeom prst="rect">
             <a:avLst/>
@@ -10454,7 +10261,7 @@
         <p:spPr>
           <a:xfrm>
             <a:off x="457200" y="1792080"/>
-            <a:ext cx="3821760" cy="1526760"/>
+            <a:ext cx="3821400" cy="1526400"/>
           </a:xfrm>
           <a:prstGeom prst="rect">
             <a:avLst/>
@@ -10659,7 +10466,7 @@
         <p:spPr>
           <a:xfrm>
             <a:off x="4709160" y="1143000"/>
-            <a:ext cx="4114440" cy="2331360"/>
+            <a:ext cx="4114080" cy="2331000"/>
           </a:xfrm>
           <a:prstGeom prst="rect">
             <a:avLst/>
@@ -10697,7 +10504,7 @@
         <p:spPr>
           <a:xfrm>
             <a:off x="4709160" y="1143000"/>
-            <a:ext cx="4114440" cy="347040"/>
+            <a:ext cx="4114080" cy="346680"/>
           </a:xfrm>
           <a:prstGeom prst="rect">
             <a:avLst/>
@@ -10728,7 +10535,7 @@
         <p:spPr>
           <a:xfrm>
             <a:off x="4846320" y="1143000"/>
-            <a:ext cx="3840120" cy="347040"/>
+            <a:ext cx="3839760" cy="346680"/>
           </a:xfrm>
           <a:prstGeom prst="rect">
             <a:avLst/>
@@ -10793,7 +10600,7 @@
         <p:spPr>
           <a:xfrm>
             <a:off x="4754880" y="1536120"/>
-            <a:ext cx="4004640" cy="1828440"/>
+            <a:ext cx="4004280" cy="1828080"/>
           </a:xfrm>
           <a:prstGeom prst="rect">
             <a:avLst/>
@@ -10824,7 +10631,7 @@
         <p:spPr>
           <a:xfrm>
             <a:off x="4754880" y="1536120"/>
-            <a:ext cx="566640" cy="200880"/>
+            <a:ext cx="566280" cy="200520"/>
           </a:xfrm>
           <a:prstGeom prst="rect">
             <a:avLst/>
@@ -10855,7 +10662,7 @@
         <p:spPr>
           <a:xfrm>
             <a:off x="4754880" y="1536120"/>
-            <a:ext cx="566640" cy="200880"/>
+            <a:ext cx="566280" cy="200520"/>
           </a:xfrm>
           <a:prstGeom prst="rect">
             <a:avLst/>
@@ -10910,7 +10717,7 @@
         <p:spPr>
           <a:xfrm>
             <a:off x="4846320" y="1792080"/>
-            <a:ext cx="3821760" cy="1526760"/>
+            <a:ext cx="3821400" cy="1526400"/>
           </a:xfrm>
           <a:prstGeom prst="rect">
             <a:avLst/>
@@ -11115,7 +10922,7 @@
         <p:spPr>
           <a:xfrm>
             <a:off x="320040" y="3611880"/>
-            <a:ext cx="8503560" cy="1389600"/>
+            <a:ext cx="8503200" cy="1389240"/>
           </a:xfrm>
           <a:prstGeom prst="rect">
             <a:avLst/>
@@ -11153,7 +10960,7 @@
         <p:spPr>
           <a:xfrm>
             <a:off x="457200" y="3712320"/>
-            <a:ext cx="4114440" cy="273960"/>
+            <a:ext cx="4114080" cy="273600"/>
           </a:xfrm>
           <a:prstGeom prst="rect">
             <a:avLst/>
@@ -11208,7 +11015,7 @@
         <p:spPr>
           <a:xfrm>
             <a:off x="548640" y="4041720"/>
-            <a:ext cx="2285640" cy="804240"/>
+            <a:ext cx="2285280" cy="803880"/>
           </a:xfrm>
           <a:prstGeom prst="rect">
             <a:avLst/>
@@ -11246,7 +11053,7 @@
         <p:spPr>
           <a:xfrm>
             <a:off x="548640" y="4041720"/>
-            <a:ext cx="2285640" cy="72720"/>
+            <a:ext cx="2285280" cy="72360"/>
           </a:xfrm>
           <a:prstGeom prst="rect">
             <a:avLst/>
@@ -11277,7 +11084,7 @@
         <p:spPr>
           <a:xfrm>
             <a:off x="548640" y="4114800"/>
-            <a:ext cx="2285640" cy="658080"/>
+            <a:ext cx="2285280" cy="657720"/>
           </a:xfrm>
           <a:prstGeom prst="rect">
             <a:avLst/>
@@ -11332,7 +11139,7 @@
         <p:spPr>
           <a:xfrm>
             <a:off x="2853000" y="4297680"/>
-            <a:ext cx="411120" cy="411120"/>
+            <a:ext cx="410760" cy="410760"/>
           </a:xfrm>
           <a:prstGeom prst="rect">
             <a:avLst/>
@@ -11387,7 +11194,7 @@
         <p:spPr>
           <a:xfrm>
             <a:off x="3291840" y="4041720"/>
-            <a:ext cx="2285640" cy="804240"/>
+            <a:ext cx="2285280" cy="803880"/>
           </a:xfrm>
           <a:prstGeom prst="rect">
             <a:avLst/>
@@ -11425,7 +11232,7 @@
         <p:spPr>
           <a:xfrm>
             <a:off x="3291840" y="4041720"/>
-            <a:ext cx="2285640" cy="72720"/>
+            <a:ext cx="2285280" cy="72360"/>
           </a:xfrm>
           <a:prstGeom prst="rect">
             <a:avLst/>
@@ -11456,7 +11263,7 @@
         <p:spPr>
           <a:xfrm>
             <a:off x="3291840" y="4114800"/>
-            <a:ext cx="2285640" cy="658080"/>
+            <a:ext cx="2285280" cy="657720"/>
           </a:xfrm>
           <a:prstGeom prst="rect">
             <a:avLst/>
@@ -11535,7 +11342,7 @@
         <p:spPr>
           <a:xfrm>
             <a:off x="5596200" y="4297680"/>
-            <a:ext cx="411120" cy="411120"/>
+            <a:ext cx="410760" cy="410760"/>
           </a:xfrm>
           <a:prstGeom prst="rect">
             <a:avLst/>
@@ -11590,7 +11397,7 @@
         <p:spPr>
           <a:xfrm>
             <a:off x="6035040" y="4041720"/>
-            <a:ext cx="2285640" cy="804240"/>
+            <a:ext cx="2285280" cy="803880"/>
           </a:xfrm>
           <a:prstGeom prst="rect">
             <a:avLst/>
@@ -11628,7 +11435,7 @@
         <p:spPr>
           <a:xfrm>
             <a:off x="6035040" y="4041720"/>
-            <a:ext cx="2285640" cy="72720"/>
+            <a:ext cx="2285280" cy="72360"/>
           </a:xfrm>
           <a:prstGeom prst="rect">
             <a:avLst/>
@@ -11659,7 +11466,7 @@
         <p:spPr>
           <a:xfrm>
             <a:off x="6035040" y="4114800"/>
-            <a:ext cx="2285640" cy="658080"/>
+            <a:ext cx="2285280" cy="657720"/>
           </a:xfrm>
           <a:prstGeom prst="rect">
             <a:avLst/>
@@ -11714,7 +11521,7 @@
         <p:spPr>
           <a:xfrm>
             <a:off x="457200" y="4901040"/>
-            <a:ext cx="8320680" cy="255600"/>
+            <a:ext cx="8320320" cy="255240"/>
           </a:xfrm>
           <a:prstGeom prst="rect">
             <a:avLst/>
@@ -11769,7 +11576,7 @@
         <p:spPr>
           <a:xfrm>
             <a:off x="320040" y="4773240"/>
-            <a:ext cx="8503560" cy="273960"/>
+            <a:ext cx="8503200" cy="273600"/>
           </a:xfrm>
           <a:prstGeom prst="rect">
             <a:avLst/>
@@ -11807,7 +11614,7 @@
         <p:spPr>
           <a:xfrm>
             <a:off x="320040" y="4773240"/>
-            <a:ext cx="91080" cy="273960"/>
+            <a:ext cx="90720" cy="273600"/>
           </a:xfrm>
           <a:prstGeom prst="rect">
             <a:avLst/>
@@ -11838,7 +11645,7 @@
         <p:spPr>
           <a:xfrm>
             <a:off x="502920" y="4773240"/>
-            <a:ext cx="8229240" cy="273960"/>
+            <a:ext cx="8228880" cy="273600"/>
           </a:xfrm>
           <a:prstGeom prst="rect">
             <a:avLst/>
@@ -11940,7 +11747,7 @@
         <p:spPr>
           <a:xfrm>
             <a:off x="0" y="0"/>
-            <a:ext cx="9143640" cy="1005480"/>
+            <a:ext cx="9143280" cy="1005120"/>
           </a:xfrm>
           <a:prstGeom prst="rect">
             <a:avLst/>
@@ -11971,7 +11778,7 @@
         <p:spPr>
           <a:xfrm>
             <a:off x="0" y="0"/>
-            <a:ext cx="109440" cy="1005480"/>
+            <a:ext cx="109080" cy="1005120"/>
           </a:xfrm>
           <a:prstGeom prst="rect">
             <a:avLst/>
@@ -12002,7 +11809,7 @@
         <p:spPr>
           <a:xfrm>
             <a:off x="255960" y="128160"/>
-            <a:ext cx="8503560" cy="548280"/>
+            <a:ext cx="8503200" cy="547920"/>
           </a:xfrm>
           <a:prstGeom prst="rect">
             <a:avLst/>
@@ -12057,7 +11864,7 @@
         <p:spPr>
           <a:xfrm>
             <a:off x="255960" y="658440"/>
-            <a:ext cx="8503560" cy="273960"/>
+            <a:ext cx="8503200" cy="273600"/>
           </a:xfrm>
           <a:prstGeom prst="rect">
             <a:avLst/>
@@ -12112,7 +11919,7 @@
         <p:spPr>
           <a:xfrm>
             <a:off x="320040" y="1143000"/>
-            <a:ext cx="5120280" cy="3657240"/>
+            <a:ext cx="5119920" cy="3656880"/>
           </a:xfrm>
           <a:prstGeom prst="rect">
             <a:avLst/>
@@ -12150,7 +11957,7 @@
         <p:spPr>
           <a:xfrm>
             <a:off x="457200" y="1261800"/>
-            <a:ext cx="4754520" cy="273960"/>
+            <a:ext cx="4754160" cy="273600"/>
           </a:xfrm>
           <a:prstGeom prst="rect">
             <a:avLst/>
@@ -12205,7 +12012,7 @@
         <p:spPr>
           <a:xfrm>
             <a:off x="365760" y="1591200"/>
-            <a:ext cx="4983120" cy="1901520"/>
+            <a:ext cx="4982760" cy="1901160"/>
           </a:xfrm>
           <a:prstGeom prst="rect">
             <a:avLst/>
@@ -12236,7 +12043,7 @@
         <p:spPr>
           <a:xfrm>
             <a:off x="365760" y="1591200"/>
-            <a:ext cx="566640" cy="200880"/>
+            <a:ext cx="566280" cy="200520"/>
           </a:xfrm>
           <a:prstGeom prst="rect">
             <a:avLst/>
@@ -12267,7 +12074,7 @@
         <p:spPr>
           <a:xfrm>
             <a:off x="365760" y="1591200"/>
-            <a:ext cx="566640" cy="200880"/>
+            <a:ext cx="566280" cy="200520"/>
           </a:xfrm>
           <a:prstGeom prst="rect">
             <a:avLst/>
@@ -12322,7 +12129,7 @@
         <p:spPr>
           <a:xfrm>
             <a:off x="457200" y="1847160"/>
-            <a:ext cx="4800240" cy="1599840"/>
+            <a:ext cx="4799880" cy="1599480"/>
           </a:xfrm>
           <a:prstGeom prst="rect">
             <a:avLst/>
@@ -12507,7 +12314,7 @@
         <p:spPr>
           <a:xfrm>
             <a:off x="365760" y="3547800"/>
-            <a:ext cx="4983120" cy="1051200"/>
+            <a:ext cx="4982760" cy="1050840"/>
           </a:xfrm>
           <a:prstGeom prst="rect">
             <a:avLst/>
@@ -12545,7 +12352,7 @@
         <p:spPr>
           <a:xfrm>
             <a:off x="365760" y="3547800"/>
-            <a:ext cx="4983120" cy="63720"/>
+            <a:ext cx="4982760" cy="63360"/>
           </a:xfrm>
           <a:prstGeom prst="rect">
             <a:avLst/>
@@ -12576,7 +12383,7 @@
         <p:spPr>
           <a:xfrm>
             <a:off x="502920" y="3630240"/>
-            <a:ext cx="2742840" cy="273960"/>
+            <a:ext cx="2742480" cy="273600"/>
           </a:xfrm>
           <a:prstGeom prst="rect">
             <a:avLst/>
@@ -12631,7 +12438,7 @@
         <p:spPr>
           <a:xfrm>
             <a:off x="402480" y="3931920"/>
-            <a:ext cx="4919040" cy="621360"/>
+            <a:ext cx="4918680" cy="621000"/>
           </a:xfrm>
           <a:prstGeom prst="rect">
             <a:avLst/>
@@ -12662,7 +12469,7 @@
         <p:spPr>
           <a:xfrm>
             <a:off x="402480" y="3931920"/>
-            <a:ext cx="566640" cy="200880"/>
+            <a:ext cx="566280" cy="200520"/>
           </a:xfrm>
           <a:prstGeom prst="rect">
             <a:avLst/>
@@ -12693,7 +12500,7 @@
         <p:spPr>
           <a:xfrm>
             <a:off x="402480" y="3931920"/>
-            <a:ext cx="566640" cy="200880"/>
+            <a:ext cx="566280" cy="200520"/>
           </a:xfrm>
           <a:prstGeom prst="rect">
             <a:avLst/>
@@ -12748,7 +12555,7 @@
         <p:spPr>
           <a:xfrm>
             <a:off x="493920" y="4187880"/>
-            <a:ext cx="4736160" cy="319680"/>
+            <a:ext cx="4735800" cy="319320"/>
           </a:xfrm>
           <a:prstGeom prst="rect">
             <a:avLst/>
@@ -12827,7 +12634,7 @@
         <p:spPr>
           <a:xfrm>
             <a:off x="5623560" y="1143000"/>
-            <a:ext cx="3200040" cy="3456000"/>
+            <a:ext cx="3199680" cy="3455640"/>
           </a:xfrm>
           <a:prstGeom prst="rect">
             <a:avLst/>
@@ -12865,7 +12672,7 @@
         <p:spPr>
           <a:xfrm>
             <a:off x="5760720" y="1261800"/>
-            <a:ext cx="2925720" cy="273960"/>
+            <a:ext cx="2925360" cy="273600"/>
           </a:xfrm>
           <a:prstGeom prst="rect">
             <a:avLst/>
@@ -12920,7 +12727,7 @@
         <p:spPr>
           <a:xfrm>
             <a:off x="5760720" y="1591200"/>
-            <a:ext cx="2925720" cy="2304000"/>
+            <a:ext cx="2925360" cy="2303640"/>
           </a:xfrm>
           <a:prstGeom prst="rect">
             <a:avLst/>
@@ -12948,7 +12755,7 @@
               <a:buClr>
                 <a:srgbClr val="f0f4f8"/>
               </a:buClr>
-              <a:buFont typeface="Symbol" charset="2"/>
+              <a:buFont typeface="Symbol"/>
               <a:buChar char=""/>
             </a:pPr>
             <a:r>
@@ -12973,7 +12780,7 @@
               <a:buClr>
                 <a:srgbClr val="f0f4f8"/>
               </a:buClr>
-              <a:buFont typeface="Symbol" charset="2"/>
+              <a:buFont typeface="Symbol"/>
               <a:buChar char=""/>
             </a:pPr>
             <a:r>
@@ -12998,7 +12805,7 @@
               <a:buClr>
                 <a:srgbClr val="f0f4f8"/>
               </a:buClr>
-              <a:buFont typeface="Symbol" charset="2"/>
+              <a:buFont typeface="Symbol"/>
               <a:buChar char=""/>
             </a:pPr>
             <a:r>
@@ -13023,7 +12830,7 @@
               <a:buClr>
                 <a:srgbClr val="f0f4f8"/>
               </a:buClr>
-              <a:buFont typeface="Symbol" charset="2"/>
+              <a:buFont typeface="Symbol"/>
               <a:buChar char=""/>
             </a:pPr>
             <a:r>
@@ -13048,7 +12855,7 @@
               <a:buClr>
                 <a:srgbClr val="f0f4f8"/>
               </a:buClr>
-              <a:buFont typeface="Symbol" charset="2"/>
+              <a:buFont typeface="Symbol"/>
               <a:buChar char=""/>
             </a:pPr>
             <a:r>
@@ -13076,7 +12883,7 @@
         <p:spPr>
           <a:xfrm>
             <a:off x="5623560" y="3913560"/>
-            <a:ext cx="3200040" cy="685440"/>
+            <a:ext cx="3199680" cy="685080"/>
           </a:xfrm>
           <a:prstGeom prst="rect">
             <a:avLst/>
@@ -13114,7 +12921,7 @@
         <p:spPr>
           <a:xfrm>
             <a:off x="5623560" y="3913560"/>
-            <a:ext cx="3200040" cy="72720"/>
+            <a:ext cx="3199680" cy="72360"/>
           </a:xfrm>
           <a:prstGeom prst="rect">
             <a:avLst/>
@@ -13145,7 +12952,7 @@
         <p:spPr>
           <a:xfrm>
             <a:off x="5760720" y="3986640"/>
-            <a:ext cx="2925720" cy="255600"/>
+            <a:ext cx="2925360" cy="255240"/>
           </a:xfrm>
           <a:prstGeom prst="rect">
             <a:avLst/>
@@ -13200,7 +13007,7 @@
         <p:spPr>
           <a:xfrm>
             <a:off x="5650920" y="4224600"/>
-            <a:ext cx="3145320" cy="566640"/>
+            <a:ext cx="3144960" cy="566280"/>
           </a:xfrm>
           <a:prstGeom prst="rect">
             <a:avLst/>
@@ -13231,7 +13038,7 @@
         <p:spPr>
           <a:xfrm>
             <a:off x="5650920" y="4224600"/>
-            <a:ext cx="566640" cy="200880"/>
+            <a:ext cx="566280" cy="200520"/>
           </a:xfrm>
           <a:prstGeom prst="rect">
             <a:avLst/>
@@ -13262,7 +13069,7 @@
         <p:spPr>
           <a:xfrm>
             <a:off x="5650920" y="4224600"/>
-            <a:ext cx="566640" cy="200880"/>
+            <a:ext cx="566280" cy="200520"/>
           </a:xfrm>
           <a:prstGeom prst="rect">
             <a:avLst/>
@@ -13317,7 +13124,7 @@
         <p:spPr>
           <a:xfrm>
             <a:off x="5742360" y="4480560"/>
-            <a:ext cx="2962440" cy="264960"/>
+            <a:ext cx="2962080" cy="264600"/>
           </a:xfrm>
           <a:prstGeom prst="rect">
             <a:avLst/>
@@ -13444,7 +13251,7 @@
         <p:spPr>
           <a:xfrm>
             <a:off x="320040" y="4773240"/>
-            <a:ext cx="8503560" cy="273960"/>
+            <a:ext cx="8503200" cy="273600"/>
           </a:xfrm>
           <a:prstGeom prst="rect">
             <a:avLst/>
@@ -13482,7 +13289,7 @@
         <p:spPr>
           <a:xfrm>
             <a:off x="320040" y="4773240"/>
-            <a:ext cx="91080" cy="273960"/>
+            <a:ext cx="90720" cy="273600"/>
           </a:xfrm>
           <a:prstGeom prst="rect">
             <a:avLst/>
@@ -13513,7 +13320,7 @@
         <p:spPr>
           <a:xfrm>
             <a:off x="502920" y="4773240"/>
-            <a:ext cx="1279800" cy="273960"/>
+            <a:ext cx="1279440" cy="273600"/>
           </a:xfrm>
           <a:prstGeom prst="rect">
             <a:avLst/>
@@ -13568,7 +13375,7 @@
         <p:spPr>
           <a:xfrm>
             <a:off x="1810440" y="4773240"/>
-            <a:ext cx="6674760" cy="273960"/>
+            <a:ext cx="6674400" cy="273600"/>
           </a:xfrm>
           <a:prstGeom prst="rect">
             <a:avLst/>
@@ -13660,7 +13467,7 @@
         <p:spPr>
           <a:xfrm>
             <a:off x="0" y="0"/>
-            <a:ext cx="9143640" cy="1005480"/>
+            <a:ext cx="9143280" cy="1005120"/>
           </a:xfrm>
           <a:prstGeom prst="rect">
             <a:avLst/>
@@ -13691,7 +13498,7 @@
         <p:spPr>
           <a:xfrm>
             <a:off x="0" y="0"/>
-            <a:ext cx="109440" cy="1005480"/>
+            <a:ext cx="109080" cy="1005120"/>
           </a:xfrm>
           <a:prstGeom prst="rect">
             <a:avLst/>
@@ -13722,7 +13529,7 @@
         <p:spPr>
           <a:xfrm>
             <a:off x="255960" y="128160"/>
-            <a:ext cx="8503560" cy="548280"/>
+            <a:ext cx="8503200" cy="547920"/>
           </a:xfrm>
           <a:prstGeom prst="rect">
             <a:avLst/>
@@ -13777,7 +13584,7 @@
         <p:spPr>
           <a:xfrm>
             <a:off x="255960" y="658440"/>
-            <a:ext cx="8503560" cy="273960"/>
+            <a:ext cx="8503200" cy="273600"/>
           </a:xfrm>
           <a:prstGeom prst="rect">
             <a:avLst/>
@@ -13832,7 +13639,7 @@
         <p:spPr>
           <a:xfrm>
             <a:off x="320040" y="1143000"/>
-            <a:ext cx="8503560" cy="1572480"/>
+            <a:ext cx="8503200" cy="1572120"/>
           </a:xfrm>
           <a:prstGeom prst="rect">
             <a:avLst/>
@@ -13870,7 +13677,7 @@
         <p:spPr>
           <a:xfrm>
             <a:off x="360000" y="960480"/>
-            <a:ext cx="8046360" cy="273960"/>
+            <a:ext cx="8046000" cy="273600"/>
           </a:xfrm>
           <a:prstGeom prst="rect">
             <a:avLst/>
@@ -13925,7 +13732,7 @@
         <p:spPr>
           <a:xfrm>
             <a:off x="365760" y="1143000"/>
-            <a:ext cx="8454240" cy="1490040"/>
+            <a:ext cx="8453880" cy="1489680"/>
           </a:xfrm>
           <a:prstGeom prst="rect">
             <a:avLst/>
@@ -13956,7 +13763,7 @@
         <p:spPr>
           <a:xfrm>
             <a:off x="365760" y="1481400"/>
-            <a:ext cx="566640" cy="200880"/>
+            <a:ext cx="566280" cy="200520"/>
           </a:xfrm>
           <a:prstGeom prst="rect">
             <a:avLst/>
@@ -14011,7 +13818,7 @@
         <p:spPr>
           <a:xfrm>
             <a:off x="457200" y="1737360"/>
-            <a:ext cx="8229240" cy="849960"/>
+            <a:ext cx="8228880" cy="849600"/>
           </a:xfrm>
           <a:prstGeom prst="rect">
             <a:avLst/>
@@ -14196,7 +14003,7 @@
         <p:spPr>
           <a:xfrm>
             <a:off x="320040" y="2816280"/>
-            <a:ext cx="2742840" cy="2029680"/>
+            <a:ext cx="2742480" cy="2029320"/>
           </a:xfrm>
           <a:prstGeom prst="rect">
             <a:avLst/>
@@ -14234,7 +14041,7 @@
         <p:spPr>
           <a:xfrm>
             <a:off x="320040" y="2816280"/>
-            <a:ext cx="2742840" cy="347040"/>
+            <a:ext cx="2742480" cy="346680"/>
           </a:xfrm>
           <a:prstGeom prst="rect">
             <a:avLst/>
@@ -14265,7 +14072,7 @@
         <p:spPr>
           <a:xfrm>
             <a:off x="457200" y="2816280"/>
-            <a:ext cx="2468520" cy="347040"/>
+            <a:ext cx="2468160" cy="346680"/>
           </a:xfrm>
           <a:prstGeom prst="rect">
             <a:avLst/>
@@ -14320,7 +14127,7 @@
         <p:spPr>
           <a:xfrm>
             <a:off x="457200" y="3218760"/>
-            <a:ext cx="2486880" cy="1535760"/>
+            <a:ext cx="2486520" cy="1535400"/>
           </a:xfrm>
           <a:prstGeom prst="rect">
             <a:avLst/>
@@ -14399,7 +14206,7 @@
         <p:spPr>
           <a:xfrm>
             <a:off x="3227760" y="2816280"/>
-            <a:ext cx="2742840" cy="2029680"/>
+            <a:ext cx="2742480" cy="2029320"/>
           </a:xfrm>
           <a:prstGeom prst="rect">
             <a:avLst/>
@@ -14437,7 +14244,7 @@
         <p:spPr>
           <a:xfrm>
             <a:off x="3227760" y="2816280"/>
-            <a:ext cx="2742840" cy="347040"/>
+            <a:ext cx="2742480" cy="346680"/>
           </a:xfrm>
           <a:prstGeom prst="rect">
             <a:avLst/>
@@ -14468,7 +14275,7 @@
         <p:spPr>
           <a:xfrm>
             <a:off x="3364920" y="2816280"/>
-            <a:ext cx="2468520" cy="347040"/>
+            <a:ext cx="2468160" cy="346680"/>
           </a:xfrm>
           <a:prstGeom prst="rect">
             <a:avLst/>
@@ -14523,7 +14330,7 @@
         <p:spPr>
           <a:xfrm>
             <a:off x="3364920" y="3218760"/>
-            <a:ext cx="2486880" cy="1535760"/>
+            <a:ext cx="2486520" cy="1535400"/>
           </a:xfrm>
           <a:prstGeom prst="rect">
             <a:avLst/>
@@ -14602,7 +14409,7 @@
         <p:spPr>
           <a:xfrm>
             <a:off x="6135480" y="2816280"/>
-            <a:ext cx="2742840" cy="2029680"/>
+            <a:ext cx="2742480" cy="2029320"/>
           </a:xfrm>
           <a:prstGeom prst="rect">
             <a:avLst/>
@@ -14640,7 +14447,7 @@
         <p:spPr>
           <a:xfrm>
             <a:off x="6135480" y="2816280"/>
-            <a:ext cx="2742840" cy="347040"/>
+            <a:ext cx="2742480" cy="346680"/>
           </a:xfrm>
           <a:prstGeom prst="rect">
             <a:avLst/>
@@ -14671,7 +14478,7 @@
         <p:spPr>
           <a:xfrm>
             <a:off x="6272640" y="2816280"/>
-            <a:ext cx="2468520" cy="347040"/>
+            <a:ext cx="2468160" cy="346680"/>
           </a:xfrm>
           <a:prstGeom prst="rect">
             <a:avLst/>
@@ -14726,7 +14533,7 @@
         <p:spPr>
           <a:xfrm>
             <a:off x="6272640" y="3218760"/>
-            <a:ext cx="2486880" cy="1535760"/>
+            <a:ext cx="2486520" cy="1535400"/>
           </a:xfrm>
           <a:prstGeom prst="rect">
             <a:avLst/>
@@ -14781,7 +14588,7 @@
         <p:spPr>
           <a:xfrm>
             <a:off x="320040" y="4773240"/>
-            <a:ext cx="8503560" cy="273960"/>
+            <a:ext cx="8503200" cy="273600"/>
           </a:xfrm>
           <a:prstGeom prst="rect">
             <a:avLst/>
@@ -14819,7 +14626,7 @@
         <p:spPr>
           <a:xfrm>
             <a:off x="320040" y="4773240"/>
-            <a:ext cx="91080" cy="273960"/>
+            <a:ext cx="90720" cy="273600"/>
           </a:xfrm>
           <a:prstGeom prst="rect">
             <a:avLst/>
@@ -14850,7 +14657,7 @@
         <p:spPr>
           <a:xfrm>
             <a:off x="502920" y="4773240"/>
-            <a:ext cx="8229240" cy="273960"/>
+            <a:ext cx="8228880" cy="273600"/>
           </a:xfrm>
           <a:prstGeom prst="rect">
             <a:avLst/>
@@ -14909,27 +14716,39 @@
       <p:sp>
         <p:nvSpPr>
           <p:cNvPr id="472" name=""/>
-          <p:cNvSpPr txBox="1"/>
+          <p:cNvSpPr/>
           <p:nvPr/>
         </p:nvSpPr>
         <p:spPr>
           <a:xfrm>
             <a:off x="3082320" y="1400040"/>
-            <a:ext cx="5377680" cy="579960"/>
-          </a:xfrm>
-          <a:prstGeom prst="rect">
-            <a:avLst/>
-          </a:prstGeom>
-          <a:noFill/>
-          <a:ln w="0">
-            <a:noFill/>
-          </a:ln>
-        </p:spPr>
+            <a:ext cx="5377320" cy="579600"/>
+          </a:xfrm>
+          <a:prstGeom prst="rect">
+            <a:avLst/>
+          </a:prstGeom>
+          <a:noFill/>
+          <a:ln w="0">
+            <a:noFill/>
+          </a:ln>
+        </p:spPr>
+        <p:style>
+          <a:lnRef idx="0"/>
+          <a:fillRef idx="0"/>
+          <a:effectRef idx="0"/>
+          <a:fontRef idx="minor"/>
+        </p:style>
         <p:txBody>
           <a:bodyPr lIns="90000" rIns="90000" tIns="45000" bIns="45000" anchor="t">
             <a:noAutofit/>
           </a:bodyPr>
           <a:p>
+            <a:pPr>
+              <a:lnSpc>
+                <a:spcPct val="100000"/>
+              </a:lnSpc>
+              <a:buNone/>
+            </a:pPr>
             <a:r>
               <a:rPr b="0" lang="en-US" sz="1100" spc="-1" strike="noStrike">
                 <a:solidFill>
@@ -14938,8 +14757,19 @@
                 <a:latin typeface="Consolas"/>
                 <a:ea typeface="Consolas"/>
               </a:rPr>
-              <a:t>machine1 = BankATM()  # self = machine1's </a:t>
-            </a:r>
+              <a:t>machine1 = BankATM()  # self = machine1's address  e.g. 140001</a:t>
+            </a:r>
+            <a:endParaRPr b="0" lang="en-IN" sz="1100" spc="-1" strike="noStrike">
+              <a:latin typeface="Arial"/>
+            </a:endParaRPr>
+          </a:p>
+          <a:p>
+            <a:pPr>
+              <a:lnSpc>
+                <a:spcPct val="100000"/>
+              </a:lnSpc>
+              <a:buNone/>
+            </a:pPr>
             <a:r>
               <a:rPr b="0" lang="en-US" sz="1100" spc="-1" strike="noStrike">
                 <a:solidFill>
@@ -14948,57 +14778,28 @@
                 <a:latin typeface="Consolas"/>
                 <a:ea typeface="Consolas"/>
               </a:rPr>
-              <a:t>address  e.g. 140001</a:t>
+              <a:t>machine2 = BankATM()  # self = machine2's address  e.g. 140002</a:t>
             </a:r>
             <a:endParaRPr b="0" lang="en-IN" sz="1100" spc="-1" strike="noStrike">
               <a:latin typeface="Arial"/>
             </a:endParaRPr>
           </a:p>
           <a:p>
+            <a:pPr>
+              <a:lnSpc>
+                <a:spcPct val="100000"/>
+              </a:lnSpc>
+              <a:buNone/>
+            </a:pPr>
             <a:r>
               <a:rPr b="0" lang="en-US" sz="1100" spc="-1" strike="noStrike">
                 <a:solidFill>
-                  <a:srgbClr val="f0f4f8"/>
+                  <a:srgbClr val="8da9c4"/>
                 </a:solidFill>
                 <a:latin typeface="Consolas"/>
                 <a:ea typeface="Consolas"/>
               </a:rPr>
-              <a:t>machine2 = BankATM()  # self = machine2's </a:t>
-            </a:r>
-            <a:r>
-              <a:rPr b="0" lang="en-US" sz="1100" spc="-1" strike="noStrike">
-                <a:solidFill>
-                  <a:srgbClr val="f0f4f8"/>
-                </a:solidFill>
-                <a:latin typeface="Consolas"/>
-                <a:ea typeface="Consolas"/>
-              </a:rPr>
-              <a:t>address  e.g. 140002</a:t>
-            </a:r>
-            <a:endParaRPr b="0" lang="en-IN" sz="1100" spc="-1" strike="noStrike">
-              <a:latin typeface="Arial"/>
-            </a:endParaRPr>
-          </a:p>
-          <a:p>
-            <a:r>
-              <a:rPr b="0" lang="en-US" sz="1100" spc="-1" strike="noStrike">
-                <a:solidFill>
-                  <a:srgbClr val="8da9c4"/>
-                </a:solidFill>
-                <a:latin typeface="Consolas"/>
-                <a:ea typeface="Consolas"/>
-              </a:rPr>
-              <a:t># Both are DIFFERENT — each object gets </a:t>
-            </a:r>
-            <a:r>
-              <a:rPr b="0" lang="en-US" sz="1100" spc="-1" strike="noStrike">
-                <a:solidFill>
-                  <a:srgbClr val="8da9c4"/>
-                </a:solidFill>
-                <a:latin typeface="Consolas"/>
-                <a:ea typeface="Consolas"/>
-              </a:rPr>
-              <a:t>its own self</a:t>
+              <a:t># Both are DIFFERENT — each object gets its own self</a:t>
             </a:r>
             <a:endParaRPr b="0" lang="en-IN" sz="1100" spc="-1" strike="noStrike">
               <a:latin typeface="Arial"/>
@@ -15052,7 +14853,7 @@
         <p:spPr>
           <a:xfrm>
             <a:off x="0" y="0"/>
-            <a:ext cx="9143640" cy="1005480"/>
+            <a:ext cx="9143280" cy="1005120"/>
           </a:xfrm>
           <a:prstGeom prst="rect">
             <a:avLst/>
@@ -15083,7 +14884,7 @@
         <p:spPr>
           <a:xfrm>
             <a:off x="0" y="0"/>
-            <a:ext cx="109440" cy="1005480"/>
+            <a:ext cx="109080" cy="1005120"/>
           </a:xfrm>
           <a:prstGeom prst="rect">
             <a:avLst/>
@@ -15114,7 +14915,7 @@
         <p:spPr>
           <a:xfrm>
             <a:off x="255960" y="128160"/>
-            <a:ext cx="8503560" cy="548280"/>
+            <a:ext cx="8503200" cy="547920"/>
           </a:xfrm>
           <a:prstGeom prst="rect">
             <a:avLst/>
@@ -15169,7 +14970,7 @@
         <p:spPr>
           <a:xfrm>
             <a:off x="255960" y="658440"/>
-            <a:ext cx="8503560" cy="273960"/>
+            <a:ext cx="8503200" cy="273600"/>
           </a:xfrm>
           <a:prstGeom prst="rect">
             <a:avLst/>
@@ -15224,7 +15025,7 @@
         <p:spPr>
           <a:xfrm>
             <a:off x="320040" y="1143000"/>
-            <a:ext cx="4114440" cy="3638880"/>
+            <a:ext cx="4114080" cy="3638520"/>
           </a:xfrm>
           <a:prstGeom prst="rect">
             <a:avLst/>
@@ -15262,7 +15063,7 @@
         <p:spPr>
           <a:xfrm>
             <a:off x="457200" y="1261800"/>
-            <a:ext cx="3840120" cy="292320"/>
+            <a:ext cx="3839760" cy="291960"/>
           </a:xfrm>
           <a:prstGeom prst="rect">
             <a:avLst/>
@@ -15317,7 +15118,7 @@
         <p:spPr>
           <a:xfrm>
             <a:off x="457200" y="1627560"/>
-            <a:ext cx="3840120" cy="776880"/>
+            <a:ext cx="3839760" cy="776520"/>
           </a:xfrm>
           <a:prstGeom prst="rect">
             <a:avLst/>
@@ -15345,7 +15146,7 @@
               <a:buClr>
                 <a:srgbClr val="f0f4f8"/>
               </a:buClr>
-              <a:buFont typeface="Symbol" charset="2"/>
+              <a:buFont typeface="Symbol"/>
               <a:buChar char=""/>
             </a:pPr>
             <a:r>
@@ -15370,7 +15171,7 @@
               <a:buClr>
                 <a:srgbClr val="f0f4f8"/>
               </a:buClr>
-              <a:buFont typeface="Symbol" charset="2"/>
+              <a:buFont typeface="Symbol"/>
               <a:buChar char=""/>
             </a:pPr>
             <a:r>
@@ -15398,7 +15199,7 @@
         <p:spPr>
           <a:xfrm>
             <a:off x="365760" y="2450520"/>
-            <a:ext cx="4004640" cy="1352880"/>
+            <a:ext cx="4004280" cy="1352520"/>
           </a:xfrm>
           <a:prstGeom prst="rect">
             <a:avLst/>
@@ -15429,7 +15230,7 @@
         <p:spPr>
           <a:xfrm>
             <a:off x="365760" y="2450520"/>
-            <a:ext cx="566640" cy="200880"/>
+            <a:ext cx="566280" cy="200520"/>
           </a:xfrm>
           <a:prstGeom prst="rect">
             <a:avLst/>
@@ -15460,7 +15261,7 @@
         <p:spPr>
           <a:xfrm>
             <a:off x="365760" y="2450520"/>
-            <a:ext cx="566640" cy="200880"/>
+            <a:ext cx="566280" cy="200520"/>
           </a:xfrm>
           <a:prstGeom prst="rect">
             <a:avLst/>
@@ -15515,7 +15316,7 @@
         <p:spPr>
           <a:xfrm>
             <a:off x="457200" y="2706480"/>
-            <a:ext cx="3821760" cy="1051200"/>
+            <a:ext cx="3821400" cy="1050840"/>
           </a:xfrm>
           <a:prstGeom prst="rect">
             <a:avLst/>
@@ -15706,7 +15507,7 @@
         <p:spPr>
           <a:xfrm>
             <a:off x="457200" y="3858840"/>
-            <a:ext cx="3840120" cy="804240"/>
+            <a:ext cx="3839760" cy="803880"/>
           </a:xfrm>
           <a:prstGeom prst="rect">
             <a:avLst/>
@@ -15734,7 +15535,7 @@
               <a:buClr>
                 <a:srgbClr val="ffb703"/>
               </a:buClr>
-              <a:buFont typeface="Symbol" charset="2"/>
+              <a:buFont typeface="Symbol"/>
               <a:buChar char=""/>
             </a:pPr>
             <a:r>
@@ -15759,7 +15560,7 @@
               <a:buClr>
                 <a:srgbClr val="ffb703"/>
               </a:buClr>
-              <a:buFont typeface="Symbol" charset="2"/>
+              <a:buFont typeface="Symbol"/>
               <a:buChar char=""/>
             </a:pPr>
             <a:r>
@@ -15784,7 +15585,7 @@
               <a:buClr>
                 <a:srgbClr val="ffb703"/>
               </a:buClr>
-              <a:buFont typeface="Symbol" charset="2"/>
+              <a:buFont typeface="Symbol"/>
               <a:buChar char=""/>
             </a:pPr>
             <a:r>
@@ -15812,7 +15613,7 @@
         <p:spPr>
           <a:xfrm>
             <a:off x="4709160" y="1143000"/>
-            <a:ext cx="4114440" cy="3638880"/>
+            <a:ext cx="4114080" cy="3638520"/>
           </a:xfrm>
           <a:prstGeom prst="rect">
             <a:avLst/>
@@ -15850,7 +15651,7 @@
         <p:spPr>
           <a:xfrm>
             <a:off x="4846320" y="1261800"/>
-            <a:ext cx="3840120" cy="292320"/>
+            <a:ext cx="3839760" cy="291960"/>
           </a:xfrm>
           <a:prstGeom prst="rect">
             <a:avLst/>
@@ -15905,7 +15706,7 @@
         <p:spPr>
           <a:xfrm>
             <a:off x="4846320" y="1627560"/>
-            <a:ext cx="3840120" cy="475200"/>
+            <a:ext cx="3839760" cy="474840"/>
           </a:xfrm>
           <a:prstGeom prst="rect">
             <a:avLst/>
@@ -15960,7 +15761,7 @@
         <p:spPr>
           <a:xfrm>
             <a:off x="4754880" y="2157840"/>
-            <a:ext cx="4004640" cy="2468520"/>
+            <a:ext cx="4004280" cy="2468160"/>
           </a:xfrm>
           <a:prstGeom prst="rect">
             <a:avLst/>
@@ -15991,7 +15792,7 @@
         <p:spPr>
           <a:xfrm>
             <a:off x="4754880" y="2157840"/>
-            <a:ext cx="566640" cy="200880"/>
+            <a:ext cx="566280" cy="200520"/>
           </a:xfrm>
           <a:prstGeom prst="rect">
             <a:avLst/>
@@ -16022,7 +15823,7 @@
         <p:spPr>
           <a:xfrm>
             <a:off x="4754880" y="2157840"/>
-            <a:ext cx="566640" cy="200880"/>
+            <a:ext cx="566280" cy="200520"/>
           </a:xfrm>
           <a:prstGeom prst="rect">
             <a:avLst/>
@@ -16077,7 +15878,7 @@
         <p:spPr>
           <a:xfrm>
             <a:off x="4846320" y="2414160"/>
-            <a:ext cx="3821760" cy="2166840"/>
+            <a:ext cx="3821400" cy="2166480"/>
           </a:xfrm>
           <a:prstGeom prst="rect">
             <a:avLst/>
@@ -16418,7 +16219,7 @@
         <p:spPr>
           <a:xfrm>
             <a:off x="320040" y="4773240"/>
-            <a:ext cx="8503560" cy="273960"/>
+            <a:ext cx="8503200" cy="273600"/>
           </a:xfrm>
           <a:prstGeom prst="rect">
             <a:avLst/>
@@ -16456,7 +16257,7 @@
         <p:spPr>
           <a:xfrm>
             <a:off x="320040" y="4773240"/>
-            <a:ext cx="91080" cy="273960"/>
+            <a:ext cx="90720" cy="273600"/>
           </a:xfrm>
           <a:prstGeom prst="rect">
             <a:avLst/>
@@ -16487,7 +16288,7 @@
         <p:spPr>
           <a:xfrm>
             <a:off x="502920" y="4773240"/>
-            <a:ext cx="1828440" cy="273960"/>
+            <a:ext cx="1828080" cy="273600"/>
           </a:xfrm>
           <a:prstGeom prst="rect">
             <a:avLst/>
@@ -16542,7 +16343,7 @@
         <p:spPr>
           <a:xfrm>
             <a:off x="2331720" y="4773240"/>
-            <a:ext cx="6491880" cy="273960"/>
+            <a:ext cx="6491520" cy="273600"/>
           </a:xfrm>
           <a:prstGeom prst="rect">
             <a:avLst/>
@@ -16634,7 +16435,7 @@
         <p:spPr>
           <a:xfrm>
             <a:off x="0" y="0"/>
-            <a:ext cx="9143640" cy="1005480"/>
+            <a:ext cx="9143280" cy="1005120"/>
           </a:xfrm>
           <a:prstGeom prst="rect">
             <a:avLst/>
@@ -16665,7 +16466,7 @@
         <p:spPr>
           <a:xfrm>
             <a:off x="0" y="0"/>
-            <a:ext cx="109440" cy="1005480"/>
+            <a:ext cx="109080" cy="1005120"/>
           </a:xfrm>
           <a:prstGeom prst="rect">
             <a:avLst/>
@@ -16696,7 +16497,7 @@
         <p:spPr>
           <a:xfrm>
             <a:off x="255960" y="128160"/>
-            <a:ext cx="8503560" cy="548280"/>
+            <a:ext cx="8503200" cy="547920"/>
           </a:xfrm>
           <a:prstGeom prst="rect">
             <a:avLst/>
@@ -16751,7 +16552,7 @@
         <p:spPr>
           <a:xfrm>
             <a:off x="255960" y="658440"/>
-            <a:ext cx="8503560" cy="273960"/>
+            <a:ext cx="8503200" cy="273600"/>
           </a:xfrm>
           <a:prstGeom prst="rect">
             <a:avLst/>
@@ -16806,7 +16607,7 @@
         <p:spPr>
           <a:xfrm>
             <a:off x="320040" y="1170360"/>
-            <a:ext cx="4205880" cy="1115280"/>
+            <a:ext cx="4205520" cy="1114920"/>
           </a:xfrm>
           <a:prstGeom prst="rect">
             <a:avLst/>
@@ -16844,7 +16645,7 @@
         <p:spPr>
           <a:xfrm>
             <a:off x="320040" y="1170360"/>
-            <a:ext cx="72720" cy="1115280"/>
+            <a:ext cx="72360" cy="1114920"/>
           </a:xfrm>
           <a:prstGeom prst="rect">
             <a:avLst/>
@@ -16875,7 +16676,7 @@
         <p:spPr>
           <a:xfrm>
             <a:off x="484560" y="1243440"/>
-            <a:ext cx="411120" cy="411120"/>
+            <a:ext cx="410760" cy="410760"/>
           </a:xfrm>
           <a:prstGeom prst="ellipse">
             <a:avLst/>
@@ -16906,7 +16707,7 @@
         <p:spPr>
           <a:xfrm>
             <a:off x="484560" y="1243440"/>
-            <a:ext cx="411120" cy="411120"/>
+            <a:ext cx="410760" cy="410760"/>
           </a:xfrm>
           <a:prstGeom prst="rect">
             <a:avLst/>
@@ -16961,7 +16762,7 @@
         <p:spPr>
           <a:xfrm>
             <a:off x="978480" y="1261800"/>
-            <a:ext cx="3428640" cy="347040"/>
+            <a:ext cx="3428280" cy="346680"/>
           </a:xfrm>
           <a:prstGeom prst="rect">
             <a:avLst/>
@@ -17016,7 +16817,7 @@
         <p:spPr>
           <a:xfrm>
             <a:off x="978480" y="1645920"/>
-            <a:ext cx="3428640" cy="566640"/>
+            <a:ext cx="3428280" cy="566280"/>
           </a:xfrm>
           <a:prstGeom prst="rect">
             <a:avLst/>
@@ -17071,7 +16872,7 @@
         <p:spPr>
           <a:xfrm>
             <a:off x="4800600" y="1170360"/>
-            <a:ext cx="4205880" cy="1115280"/>
+            <a:ext cx="4205520" cy="1114920"/>
           </a:xfrm>
           <a:prstGeom prst="rect">
             <a:avLst/>
@@ -17109,7 +16910,7 @@
         <p:spPr>
           <a:xfrm>
             <a:off x="4800600" y="1170360"/>
-            <a:ext cx="72720" cy="1115280"/>
+            <a:ext cx="72360" cy="1114920"/>
           </a:xfrm>
           <a:prstGeom prst="rect">
             <a:avLst/>
@@ -17140,7 +16941,7 @@
         <p:spPr>
           <a:xfrm>
             <a:off x="4965120" y="1243440"/>
-            <a:ext cx="411120" cy="411120"/>
+            <a:ext cx="410760" cy="410760"/>
           </a:xfrm>
           <a:prstGeom prst="ellipse">
             <a:avLst/>
@@ -17171,7 +16972,7 @@
         <p:spPr>
           <a:xfrm>
             <a:off x="4965120" y="1243440"/>
-            <a:ext cx="411120" cy="411120"/>
+            <a:ext cx="410760" cy="410760"/>
           </a:xfrm>
           <a:prstGeom prst="rect">
             <a:avLst/>
@@ -17226,7 +17027,7 @@
         <p:spPr>
           <a:xfrm>
             <a:off x="5459040" y="1261800"/>
-            <a:ext cx="3428640" cy="347040"/>
+            <a:ext cx="3428280" cy="346680"/>
           </a:xfrm>
           <a:prstGeom prst="rect">
             <a:avLst/>
@@ -17281,7 +17082,7 @@
         <p:spPr>
           <a:xfrm>
             <a:off x="5459040" y="1645920"/>
-            <a:ext cx="3428640" cy="566640"/>
+            <a:ext cx="3428280" cy="566280"/>
           </a:xfrm>
           <a:prstGeom prst="rect">
             <a:avLst/>
@@ -17336,7 +17137,7 @@
         <p:spPr>
           <a:xfrm>
             <a:off x="320040" y="2432160"/>
-            <a:ext cx="4205880" cy="1115280"/>
+            <a:ext cx="4205520" cy="1114920"/>
           </a:xfrm>
           <a:prstGeom prst="rect">
             <a:avLst/>
@@ -17374,7 +17175,7 @@
         <p:spPr>
           <a:xfrm>
             <a:off x="320040" y="2432160"/>
-            <a:ext cx="72720" cy="1115280"/>
+            <a:ext cx="72360" cy="1114920"/>
           </a:xfrm>
           <a:prstGeom prst="rect">
             <a:avLst/>
@@ -17405,7 +17206,7 @@
         <p:spPr>
           <a:xfrm>
             <a:off x="484560" y="2505600"/>
-            <a:ext cx="411120" cy="411120"/>
+            <a:ext cx="410760" cy="410760"/>
           </a:xfrm>
           <a:prstGeom prst="ellipse">
             <a:avLst/>
@@ -17436,7 +17237,7 @@
         <p:spPr>
           <a:xfrm>
             <a:off x="484560" y="2505600"/>
-            <a:ext cx="411120" cy="411120"/>
+            <a:ext cx="410760" cy="410760"/>
           </a:xfrm>
           <a:prstGeom prst="rect">
             <a:avLst/>
@@ -17491,7 +17292,7 @@
         <p:spPr>
           <a:xfrm>
             <a:off x="978480" y="2523600"/>
-            <a:ext cx="3428640" cy="347040"/>
+            <a:ext cx="3428280" cy="346680"/>
           </a:xfrm>
           <a:prstGeom prst="rect">
             <a:avLst/>
@@ -17546,7 +17347,7 @@
         <p:spPr>
           <a:xfrm>
             <a:off x="978480" y="2907720"/>
-            <a:ext cx="3428640" cy="566640"/>
+            <a:ext cx="3428280" cy="566280"/>
           </a:xfrm>
           <a:prstGeom prst="rect">
             <a:avLst/>
@@ -17601,7 +17402,7 @@
         <p:spPr>
           <a:xfrm>
             <a:off x="4800600" y="2432160"/>
-            <a:ext cx="4205880" cy="1115280"/>
+            <a:ext cx="4205520" cy="1114920"/>
           </a:xfrm>
           <a:prstGeom prst="rect">
             <a:avLst/>
@@ -17639,7 +17440,7 @@
         <p:spPr>
           <a:xfrm>
             <a:off x="4800600" y="2432160"/>
-            <a:ext cx="72720" cy="1115280"/>
+            <a:ext cx="72360" cy="1114920"/>
           </a:xfrm>
           <a:prstGeom prst="rect">
             <a:avLst/>
@@ -17670,7 +17471,7 @@
         <p:spPr>
           <a:xfrm>
             <a:off x="4965120" y="2505600"/>
-            <a:ext cx="411120" cy="411120"/>
+            <a:ext cx="410760" cy="410760"/>
           </a:xfrm>
           <a:prstGeom prst="ellipse">
             <a:avLst/>
@@ -17701,7 +17502,7 @@
         <p:spPr>
           <a:xfrm>
             <a:off x="4965120" y="2505600"/>
-            <a:ext cx="411120" cy="411120"/>
+            <a:ext cx="410760" cy="410760"/>
           </a:xfrm>
           <a:prstGeom prst="rect">
             <a:avLst/>
@@ -17756,7 +17557,7 @@
         <p:spPr>
           <a:xfrm>
             <a:off x="5459040" y="2523600"/>
-            <a:ext cx="3428640" cy="347040"/>
+            <a:ext cx="3428280" cy="346680"/>
           </a:xfrm>
           <a:prstGeom prst="rect">
             <a:avLst/>
@@ -17811,7 +17612,7 @@
         <p:spPr>
           <a:xfrm>
             <a:off x="5459040" y="2907720"/>
-            <a:ext cx="3428640" cy="566640"/>
+            <a:ext cx="3428280" cy="566280"/>
           </a:xfrm>
           <a:prstGeom prst="rect">
             <a:avLst/>
@@ -17866,7 +17667,7 @@
         <p:spPr>
           <a:xfrm>
             <a:off x="320040" y="3694320"/>
-            <a:ext cx="4205880" cy="1115280"/>
+            <a:ext cx="4205520" cy="1114920"/>
           </a:xfrm>
           <a:prstGeom prst="rect">
             <a:avLst/>
@@ -17904,7 +17705,7 @@
         <p:spPr>
           <a:xfrm>
             <a:off x="320040" y="3694320"/>
-            <a:ext cx="72720" cy="1115280"/>
+            <a:ext cx="72360" cy="1114920"/>
           </a:xfrm>
           <a:prstGeom prst="rect">
             <a:avLst/>
@@ -17935,7 +17736,7 @@
         <p:spPr>
           <a:xfrm>
             <a:off x="484560" y="3767400"/>
-            <a:ext cx="411120" cy="411120"/>
+            <a:ext cx="410760" cy="410760"/>
           </a:xfrm>
           <a:prstGeom prst="ellipse">
             <a:avLst/>
@@ -17966,7 +17767,7 @@
         <p:spPr>
           <a:xfrm>
             <a:off x="484560" y="3767400"/>
-            <a:ext cx="411120" cy="411120"/>
+            <a:ext cx="410760" cy="410760"/>
           </a:xfrm>
           <a:prstGeom prst="rect">
             <a:avLst/>
@@ -18021,7 +17822,7 @@
         <p:spPr>
           <a:xfrm>
             <a:off x="978480" y="3785760"/>
-            <a:ext cx="3428640" cy="347040"/>
+            <a:ext cx="3428280" cy="346680"/>
           </a:xfrm>
           <a:prstGeom prst="rect">
             <a:avLst/>
@@ -18076,7 +17877,7 @@
         <p:spPr>
           <a:xfrm>
             <a:off x="978480" y="4169520"/>
-            <a:ext cx="3428640" cy="566640"/>
+            <a:ext cx="3428280" cy="566280"/>
           </a:xfrm>
           <a:prstGeom prst="rect">
             <a:avLst/>
@@ -18131,7 +17932,7 @@
         <p:spPr>
           <a:xfrm>
             <a:off x="4800600" y="3694320"/>
-            <a:ext cx="4205880" cy="1115280"/>
+            <a:ext cx="4205520" cy="1114920"/>
           </a:xfrm>
           <a:prstGeom prst="rect">
             <a:avLst/>
@@ -18169,7 +17970,7 @@
         <p:spPr>
           <a:xfrm>
             <a:off x="4800600" y="3694320"/>
-            <a:ext cx="72720" cy="1115280"/>
+            <a:ext cx="72360" cy="1114920"/>
           </a:xfrm>
           <a:prstGeom prst="rect">
             <a:avLst/>
@@ -18200,7 +18001,7 @@
         <p:spPr>
           <a:xfrm>
             <a:off x="4965120" y="3767400"/>
-            <a:ext cx="411120" cy="411120"/>
+            <a:ext cx="410760" cy="410760"/>
           </a:xfrm>
           <a:prstGeom prst="ellipse">
             <a:avLst/>
@@ -18231,7 +18032,7 @@
         <p:spPr>
           <a:xfrm>
             <a:off x="4965120" y="3767400"/>
-            <a:ext cx="411120" cy="411120"/>
+            <a:ext cx="410760" cy="410760"/>
           </a:xfrm>
           <a:prstGeom prst="rect">
             <a:avLst/>
@@ -18286,7 +18087,7 @@
         <p:spPr>
           <a:xfrm>
             <a:off x="5459040" y="3785760"/>
-            <a:ext cx="3428640" cy="347040"/>
+            <a:ext cx="3428280" cy="346680"/>
           </a:xfrm>
           <a:prstGeom prst="rect">
             <a:avLst/>
@@ -18341,7 +18142,7 @@
         <p:spPr>
           <a:xfrm>
             <a:off x="5459040" y="4169520"/>
-            <a:ext cx="3428640" cy="566640"/>
+            <a:ext cx="3428280" cy="566280"/>
           </a:xfrm>
           <a:prstGeom prst="rect">
             <a:avLst/>
@@ -18396,7 +18197,7 @@
         <p:spPr>
           <a:xfrm>
             <a:off x="320040" y="4773240"/>
-            <a:ext cx="8503560" cy="273960"/>
+            <a:ext cx="8503200" cy="273600"/>
           </a:xfrm>
           <a:prstGeom prst="rect">
             <a:avLst/>
@@ -18434,7 +18235,7 @@
         <p:spPr>
           <a:xfrm>
             <a:off x="320040" y="4773240"/>
-            <a:ext cx="91080" cy="273960"/>
+            <a:ext cx="90720" cy="273600"/>
           </a:xfrm>
           <a:prstGeom prst="rect">
             <a:avLst/>
@@ -18465,7 +18266,7 @@
         <p:spPr>
           <a:xfrm>
             <a:off x="502920" y="4773240"/>
-            <a:ext cx="8229240" cy="273960"/>
+            <a:ext cx="8228880" cy="273600"/>
           </a:xfrm>
           <a:prstGeom prst="rect">
             <a:avLst/>
@@ -18557,7 +18358,7 @@
         <p:spPr>
           <a:xfrm>
             <a:off x="0" y="0"/>
-            <a:ext cx="9143640" cy="1005480"/>
+            <a:ext cx="9143280" cy="1005120"/>
           </a:xfrm>
           <a:prstGeom prst="rect">
             <a:avLst/>
@@ -18588,7 +18389,7 @@
         <p:spPr>
           <a:xfrm>
             <a:off x="0" y="0"/>
-            <a:ext cx="109440" cy="1005480"/>
+            <a:ext cx="109080" cy="1005120"/>
           </a:xfrm>
           <a:prstGeom prst="rect">
             <a:avLst/>
@@ -18619,7 +18420,7 @@
         <p:spPr>
           <a:xfrm>
             <a:off x="255960" y="128160"/>
-            <a:ext cx="8503560" cy="548280"/>
+            <a:ext cx="8503200" cy="547920"/>
           </a:xfrm>
           <a:prstGeom prst="rect">
             <a:avLst/>
@@ -18674,7 +18475,7 @@
         <p:spPr>
           <a:xfrm>
             <a:off x="255960" y="658440"/>
-            <a:ext cx="8503560" cy="273960"/>
+            <a:ext cx="8503200" cy="273600"/>
           </a:xfrm>
           <a:prstGeom prst="rect">
             <a:avLst/>
@@ -18729,7 +18530,7 @@
         <p:spPr>
           <a:xfrm>
             <a:off x="365760" y="1170360"/>
-            <a:ext cx="8412120" cy="566640"/>
+            <a:ext cx="8411760" cy="566280"/>
           </a:xfrm>
           <a:prstGeom prst="rect">
             <a:avLst/>
@@ -18767,7 +18568,7 @@
         <p:spPr>
           <a:xfrm>
             <a:off x="365760" y="1170360"/>
-            <a:ext cx="475200" cy="566640"/>
+            <a:ext cx="474840" cy="566280"/>
           </a:xfrm>
           <a:prstGeom prst="rect">
             <a:avLst/>
@@ -18798,7 +18599,7 @@
         <p:spPr>
           <a:xfrm>
             <a:off x="365760" y="1170360"/>
-            <a:ext cx="475200" cy="566640"/>
+            <a:ext cx="474840" cy="566280"/>
           </a:xfrm>
           <a:prstGeom prst="rect">
             <a:avLst/>
@@ -18853,7 +18654,7 @@
         <p:spPr>
           <a:xfrm>
             <a:off x="951120" y="1225440"/>
-            <a:ext cx="2742840" cy="255600"/>
+            <a:ext cx="2742480" cy="255240"/>
           </a:xfrm>
           <a:prstGeom prst="rect">
             <a:avLst/>
@@ -18908,7 +18709,7 @@
         <p:spPr>
           <a:xfrm>
             <a:off x="951120" y="1499760"/>
-            <a:ext cx="7589160" cy="200880"/>
+            <a:ext cx="7588800" cy="200520"/>
           </a:xfrm>
           <a:prstGeom prst="rect">
             <a:avLst/>
@@ -18963,7 +18764,7 @@
         <p:spPr>
           <a:xfrm>
             <a:off x="365760" y="1828800"/>
-            <a:ext cx="8412120" cy="566640"/>
+            <a:ext cx="8411760" cy="566280"/>
           </a:xfrm>
           <a:prstGeom prst="rect">
             <a:avLst/>
@@ -19001,7 +18802,7 @@
         <p:spPr>
           <a:xfrm>
             <a:off x="365760" y="1828800"/>
-            <a:ext cx="475200" cy="566640"/>
+            <a:ext cx="474840" cy="566280"/>
           </a:xfrm>
           <a:prstGeom prst="rect">
             <a:avLst/>
@@ -19032,7 +18833,7 @@
         <p:spPr>
           <a:xfrm>
             <a:off x="365760" y="1828800"/>
-            <a:ext cx="475200" cy="566640"/>
+            <a:ext cx="474840" cy="566280"/>
           </a:xfrm>
           <a:prstGeom prst="rect">
             <a:avLst/>
@@ -19087,7 +18888,7 @@
         <p:spPr>
           <a:xfrm>
             <a:off x="951120" y="1883520"/>
-            <a:ext cx="2742840" cy="255600"/>
+            <a:ext cx="2742480" cy="255240"/>
           </a:xfrm>
           <a:prstGeom prst="rect">
             <a:avLst/>
@@ -19142,7 +18943,7 @@
         <p:spPr>
           <a:xfrm>
             <a:off x="951120" y="2157840"/>
-            <a:ext cx="7589160" cy="200880"/>
+            <a:ext cx="7588800" cy="200520"/>
           </a:xfrm>
           <a:prstGeom prst="rect">
             <a:avLst/>
@@ -19197,7 +18998,7 @@
         <p:spPr>
           <a:xfrm>
             <a:off x="365760" y="2487240"/>
-            <a:ext cx="8412120" cy="566640"/>
+            <a:ext cx="8411760" cy="566280"/>
           </a:xfrm>
           <a:prstGeom prst="rect">
             <a:avLst/>
@@ -19235,7 +19036,7 @@
         <p:spPr>
           <a:xfrm>
             <a:off x="365760" y="2487240"/>
-            <a:ext cx="475200" cy="566640"/>
+            <a:ext cx="474840" cy="566280"/>
           </a:xfrm>
           <a:prstGeom prst="rect">
             <a:avLst/>
@@ -19266,7 +19067,7 @@
         <p:spPr>
           <a:xfrm>
             <a:off x="365760" y="2487240"/>
-            <a:ext cx="475200" cy="566640"/>
+            <a:ext cx="474840" cy="566280"/>
           </a:xfrm>
           <a:prstGeom prst="rect">
             <a:avLst/>
@@ -19321,7 +19122,7 @@
         <p:spPr>
           <a:xfrm>
             <a:off x="951120" y="2541960"/>
-            <a:ext cx="2742840" cy="255600"/>
+            <a:ext cx="2742480" cy="255240"/>
           </a:xfrm>
           <a:prstGeom prst="rect">
             <a:avLst/>
@@ -19376,7 +19177,7 @@
         <p:spPr>
           <a:xfrm>
             <a:off x="951120" y="2816280"/>
-            <a:ext cx="7589160" cy="200880"/>
+            <a:ext cx="7588800" cy="200520"/>
           </a:xfrm>
           <a:prstGeom prst="rect">
             <a:avLst/>
@@ -19431,7 +19232,7 @@
         <p:spPr>
           <a:xfrm>
             <a:off x="365760" y="3145680"/>
-            <a:ext cx="8412120" cy="566640"/>
+            <a:ext cx="8411760" cy="566280"/>
           </a:xfrm>
           <a:prstGeom prst="rect">
             <a:avLst/>
@@ -19469,7 +19270,7 @@
         <p:spPr>
           <a:xfrm>
             <a:off x="365760" y="3145680"/>
-            <a:ext cx="475200" cy="566640"/>
+            <a:ext cx="474840" cy="566280"/>
           </a:xfrm>
           <a:prstGeom prst="rect">
             <a:avLst/>
@@ -19500,7 +19301,7 @@
         <p:spPr>
           <a:xfrm>
             <a:off x="365760" y="3145680"/>
-            <a:ext cx="475200" cy="566640"/>
+            <a:ext cx="474840" cy="566280"/>
           </a:xfrm>
           <a:prstGeom prst="rect">
             <a:avLst/>
@@ -19555,7 +19356,7 @@
         <p:spPr>
           <a:xfrm>
             <a:off x="951120" y="3200400"/>
-            <a:ext cx="2742840" cy="255600"/>
+            <a:ext cx="2742480" cy="255240"/>
           </a:xfrm>
           <a:prstGeom prst="rect">
             <a:avLst/>
@@ -19610,7 +19411,7 @@
         <p:spPr>
           <a:xfrm>
             <a:off x="951120" y="3474720"/>
-            <a:ext cx="7589160" cy="200880"/>
+            <a:ext cx="7588800" cy="200520"/>
           </a:xfrm>
           <a:prstGeom prst="rect">
             <a:avLst/>
@@ -19665,7 +19466,7 @@
         <p:spPr>
           <a:xfrm>
             <a:off x="365760" y="3803760"/>
-            <a:ext cx="8412120" cy="566640"/>
+            <a:ext cx="8411760" cy="566280"/>
           </a:xfrm>
           <a:prstGeom prst="rect">
             <a:avLst/>
@@ -19703,7 +19504,7 @@
         <p:spPr>
           <a:xfrm>
             <a:off x="365760" y="3803760"/>
-            <a:ext cx="475200" cy="566640"/>
+            <a:ext cx="474840" cy="566280"/>
           </a:xfrm>
           <a:prstGeom prst="rect">
             <a:avLst/>
@@ -19734,7 +19535,7 @@
         <p:spPr>
           <a:xfrm>
             <a:off x="365760" y="3803760"/>
-            <a:ext cx="475200" cy="566640"/>
+            <a:ext cx="474840" cy="566280"/>
           </a:xfrm>
           <a:prstGeom prst="rect">
             <a:avLst/>
@@ -19789,7 +19590,7 @@
         <p:spPr>
           <a:xfrm>
             <a:off x="951120" y="3858840"/>
-            <a:ext cx="2742840" cy="255600"/>
+            <a:ext cx="2742480" cy="255240"/>
           </a:xfrm>
           <a:prstGeom prst="rect">
             <a:avLst/>
@@ -19844,7 +19645,7 @@
         <p:spPr>
           <a:xfrm>
             <a:off x="951120" y="4133160"/>
-            <a:ext cx="7589160" cy="200880"/>
+            <a:ext cx="7588800" cy="200520"/>
           </a:xfrm>
           <a:prstGeom prst="rect">
             <a:avLst/>
@@ -19899,7 +19700,7 @@
         <p:spPr>
           <a:xfrm>
             <a:off x="365760" y="4462200"/>
-            <a:ext cx="8412120" cy="566640"/>
+            <a:ext cx="8411760" cy="566280"/>
           </a:xfrm>
           <a:prstGeom prst="rect">
             <a:avLst/>
@@ -19937,7 +19738,7 @@
         <p:spPr>
           <a:xfrm>
             <a:off x="365760" y="4462200"/>
-            <a:ext cx="475200" cy="566640"/>
+            <a:ext cx="474840" cy="566280"/>
           </a:xfrm>
           <a:prstGeom prst="rect">
             <a:avLst/>
@@ -19968,7 +19769,7 @@
         <p:spPr>
           <a:xfrm>
             <a:off x="365760" y="4462200"/>
-            <a:ext cx="475200" cy="566640"/>
+            <a:ext cx="474840" cy="566280"/>
           </a:xfrm>
           <a:prstGeom prst="rect">
             <a:avLst/>
@@ -20023,7 +19824,7 @@
         <p:spPr>
           <a:xfrm>
             <a:off x="951120" y="4517280"/>
-            <a:ext cx="2742840" cy="255600"/>
+            <a:ext cx="2742480" cy="255240"/>
           </a:xfrm>
           <a:prstGeom prst="rect">
             <a:avLst/>
@@ -20078,7 +19879,7 @@
         <p:spPr>
           <a:xfrm>
             <a:off x="951120" y="4791600"/>
-            <a:ext cx="7589160" cy="200880"/>
+            <a:ext cx="7588800" cy="200520"/>
           </a:xfrm>
           <a:prstGeom prst="rect">
             <a:avLst/>
@@ -20170,7 +19971,7 @@
         <p:spPr>
           <a:xfrm>
             <a:off x="0" y="0"/>
-            <a:ext cx="9143640" cy="1005480"/>
+            <a:ext cx="9143280" cy="1005120"/>
           </a:xfrm>
           <a:prstGeom prst="rect">
             <a:avLst/>
@@ -20201,7 +20002,7 @@
         <p:spPr>
           <a:xfrm>
             <a:off x="0" y="0"/>
-            <a:ext cx="109440" cy="1005480"/>
+            <a:ext cx="109080" cy="1005120"/>
           </a:xfrm>
           <a:prstGeom prst="rect">
             <a:avLst/>
@@ -20232,7 +20033,7 @@
         <p:spPr>
           <a:xfrm>
             <a:off x="255960" y="128160"/>
-            <a:ext cx="8503560" cy="548280"/>
+            <a:ext cx="8503200" cy="547920"/>
           </a:xfrm>
           <a:prstGeom prst="rect">
             <a:avLst/>
@@ -20287,7 +20088,7 @@
         <p:spPr>
           <a:xfrm>
             <a:off x="255960" y="658440"/>
-            <a:ext cx="8503560" cy="273960"/>
+            <a:ext cx="8503200" cy="273600"/>
           </a:xfrm>
           <a:prstGeom prst="rect">
             <a:avLst/>
@@ -20342,7 +20143,7 @@
         <p:spPr>
           <a:xfrm>
             <a:off x="320040" y="1143000"/>
-            <a:ext cx="8503560" cy="1371240"/>
+            <a:ext cx="8503200" cy="1370880"/>
           </a:xfrm>
           <a:prstGeom prst="rect">
             <a:avLst/>
@@ -20380,7 +20181,7 @@
         <p:spPr>
           <a:xfrm>
             <a:off x="320040" y="1143000"/>
-            <a:ext cx="8503560" cy="383760"/>
+            <a:ext cx="8503200" cy="383400"/>
           </a:xfrm>
           <a:prstGeom prst="rect">
             <a:avLst/>
@@ -20411,7 +20212,7 @@
         <p:spPr>
           <a:xfrm>
             <a:off x="457200" y="1143000"/>
-            <a:ext cx="1828440" cy="383760"/>
+            <a:ext cx="1828080" cy="383400"/>
           </a:xfrm>
           <a:prstGeom prst="rect">
             <a:avLst/>
@@ -20466,7 +20267,7 @@
         <p:spPr>
           <a:xfrm>
             <a:off x="2286000" y="1143000"/>
-            <a:ext cx="3474360" cy="383760"/>
+            <a:ext cx="3474000" cy="383400"/>
           </a:xfrm>
           <a:prstGeom prst="rect">
             <a:avLst/>
@@ -20521,7 +20322,7 @@
         <p:spPr>
           <a:xfrm>
             <a:off x="5760720" y="1143000"/>
-            <a:ext cx="2925720" cy="383760"/>
+            <a:ext cx="2925360" cy="383400"/>
           </a:xfrm>
           <a:prstGeom prst="rect">
             <a:avLst/>
@@ -20576,7 +20377,7 @@
         <p:spPr>
           <a:xfrm>
             <a:off x="457200" y="1527120"/>
-            <a:ext cx="1828440" cy="475200"/>
+            <a:ext cx="1828080" cy="474840"/>
           </a:xfrm>
           <a:prstGeom prst="rect">
             <a:avLst/>
@@ -20631,7 +20432,7 @@
         <p:spPr>
           <a:xfrm>
             <a:off x="2286000" y="1527120"/>
-            <a:ext cx="3474360" cy="475200"/>
+            <a:ext cx="3474000" cy="474840"/>
           </a:xfrm>
           <a:prstGeom prst="rect">
             <a:avLst/>
@@ -20686,7 +20487,7 @@
         <p:spPr>
           <a:xfrm>
             <a:off x="5760720" y="1527120"/>
-            <a:ext cx="2834280" cy="475200"/>
+            <a:ext cx="2833920" cy="474840"/>
           </a:xfrm>
           <a:prstGeom prst="rect">
             <a:avLst/>
@@ -20741,7 +20542,7 @@
         <p:spPr>
           <a:xfrm>
             <a:off x="365760" y="2002680"/>
-            <a:ext cx="8412120" cy="36360"/>
+            <a:ext cx="8411760" cy="36000"/>
           </a:xfrm>
           <a:prstGeom prst="rect">
             <a:avLst/>
@@ -20772,7 +20573,7 @@
         <p:spPr>
           <a:xfrm>
             <a:off x="457200" y="2039040"/>
-            <a:ext cx="1828440" cy="475200"/>
+            <a:ext cx="1828080" cy="474840"/>
           </a:xfrm>
           <a:prstGeom prst="rect">
             <a:avLst/>
@@ -20827,7 +20628,7 @@
         <p:spPr>
           <a:xfrm>
             <a:off x="2286000" y="2039040"/>
-            <a:ext cx="3474360" cy="475200"/>
+            <a:ext cx="3474000" cy="474840"/>
           </a:xfrm>
           <a:prstGeom prst="rect">
             <a:avLst/>
@@ -20882,7 +20683,7 @@
         <p:spPr>
           <a:xfrm>
             <a:off x="5760720" y="2039040"/>
-            <a:ext cx="2834280" cy="475200"/>
+            <a:ext cx="2833920" cy="474840"/>
           </a:xfrm>
           <a:prstGeom prst="rect">
             <a:avLst/>
@@ -20937,7 +20738,7 @@
         <p:spPr>
           <a:xfrm>
             <a:off x="320040" y="2697480"/>
-            <a:ext cx="4114440" cy="2422800"/>
+            <a:ext cx="4114080" cy="2422440"/>
           </a:xfrm>
           <a:prstGeom prst="rect">
             <a:avLst/>
@@ -20975,7 +20776,7 @@
         <p:spPr>
           <a:xfrm>
             <a:off x="320040" y="2697480"/>
-            <a:ext cx="4114440" cy="347040"/>
+            <a:ext cx="4114080" cy="346680"/>
           </a:xfrm>
           <a:prstGeom prst="rect">
             <a:avLst/>
@@ -21006,7 +20807,7 @@
         <p:spPr>
           <a:xfrm>
             <a:off x="457200" y="2697480"/>
-            <a:ext cx="3840120" cy="347040"/>
+            <a:ext cx="3839760" cy="346680"/>
           </a:xfrm>
           <a:prstGeom prst="rect">
             <a:avLst/>
@@ -21061,7 +20862,7 @@
         <p:spPr>
           <a:xfrm>
             <a:off x="365760" y="3090600"/>
-            <a:ext cx="3977280" cy="1938240"/>
+            <a:ext cx="3976920" cy="1937880"/>
           </a:xfrm>
           <a:prstGeom prst="rect">
             <a:avLst/>
@@ -21092,7 +20893,7 @@
         <p:spPr>
           <a:xfrm>
             <a:off x="365760" y="3090600"/>
-            <a:ext cx="566640" cy="200880"/>
+            <a:ext cx="566280" cy="200520"/>
           </a:xfrm>
           <a:prstGeom prst="rect">
             <a:avLst/>
@@ -21123,7 +20924,7 @@
         <p:spPr>
           <a:xfrm>
             <a:off x="365760" y="3090600"/>
-            <a:ext cx="566640" cy="200880"/>
+            <a:ext cx="566280" cy="200520"/>
           </a:xfrm>
           <a:prstGeom prst="rect">
             <a:avLst/>
@@ -21178,7 +20979,7 @@
         <p:spPr>
           <a:xfrm>
             <a:off x="457200" y="3346560"/>
-            <a:ext cx="3794400" cy="1636560"/>
+            <a:ext cx="3794040" cy="1636200"/>
           </a:xfrm>
           <a:prstGeom prst="rect">
             <a:avLst/>
@@ -21329,7 +21130,7 @@
         <p:spPr>
           <a:xfrm>
             <a:off x="4709160" y="2697480"/>
-            <a:ext cx="4114440" cy="2422800"/>
+            <a:ext cx="4114080" cy="2422440"/>
           </a:xfrm>
           <a:prstGeom prst="rect">
             <a:avLst/>
@@ -21367,7 +21168,7 @@
         <p:spPr>
           <a:xfrm>
             <a:off x="4709160" y="2697480"/>
-            <a:ext cx="4114440" cy="347040"/>
+            <a:ext cx="4114080" cy="346680"/>
           </a:xfrm>
           <a:prstGeom prst="rect">
             <a:avLst/>
@@ -21398,7 +21199,7 @@
         <p:spPr>
           <a:xfrm>
             <a:off x="4846320" y="2697480"/>
-            <a:ext cx="3840120" cy="347040"/>
+            <a:ext cx="3839760" cy="346680"/>
           </a:xfrm>
           <a:prstGeom prst="rect">
             <a:avLst/>
@@ -21453,7 +21254,7 @@
         <p:spPr>
           <a:xfrm>
             <a:off x="4754880" y="3090600"/>
-            <a:ext cx="3977280" cy="1938240"/>
+            <a:ext cx="3976920" cy="1937880"/>
           </a:xfrm>
           <a:prstGeom prst="rect">
             <a:avLst/>
@@ -21484,7 +21285,7 @@
         <p:spPr>
           <a:xfrm>
             <a:off x="4754880" y="3090600"/>
-            <a:ext cx="566640" cy="200880"/>
+            <a:ext cx="566280" cy="200520"/>
           </a:xfrm>
           <a:prstGeom prst="rect">
             <a:avLst/>
@@ -21515,7 +21316,7 @@
         <p:spPr>
           <a:xfrm>
             <a:off x="4754880" y="3090600"/>
-            <a:ext cx="566640" cy="200880"/>
+            <a:ext cx="566280" cy="200520"/>
           </a:xfrm>
           <a:prstGeom prst="rect">
             <a:avLst/>
@@ -21570,7 +21371,7 @@
         <p:spPr>
           <a:xfrm>
             <a:off x="4846320" y="3346560"/>
-            <a:ext cx="3794400" cy="1636560"/>
+            <a:ext cx="3794040" cy="1636200"/>
           </a:xfrm>
           <a:prstGeom prst="rect">
             <a:avLst/>
@@ -21721,7 +21522,7 @@
         <p:spPr>
           <a:xfrm>
             <a:off x="320040" y="4773240"/>
-            <a:ext cx="8503560" cy="273960"/>
+            <a:ext cx="8503200" cy="273600"/>
           </a:xfrm>
           <a:prstGeom prst="rect">
             <a:avLst/>
@@ -21759,7 +21560,7 @@
         <p:spPr>
           <a:xfrm>
             <a:off x="320040" y="4773240"/>
-            <a:ext cx="91080" cy="273960"/>
+            <a:ext cx="90720" cy="273600"/>
           </a:xfrm>
           <a:prstGeom prst="rect">
             <a:avLst/>
@@ -21790,7 +21591,7 @@
         <p:spPr>
           <a:xfrm>
             <a:off x="502920" y="4773240"/>
-            <a:ext cx="8229240" cy="273960"/>
+            <a:ext cx="8228880" cy="273600"/>
           </a:xfrm>
           <a:prstGeom prst="rect">
             <a:avLst/>
@@ -21892,7 +21693,7 @@
         <p:spPr>
           <a:xfrm>
             <a:off x="0" y="0"/>
-            <a:ext cx="9143640" cy="1005480"/>
+            <a:ext cx="9143280" cy="1005120"/>
           </a:xfrm>
           <a:prstGeom prst="rect">
             <a:avLst/>
@@ -21923,7 +21724,7 @@
         <p:spPr>
           <a:xfrm>
             <a:off x="0" y="0"/>
-            <a:ext cx="109440" cy="1005480"/>
+            <a:ext cx="109080" cy="1005120"/>
           </a:xfrm>
           <a:prstGeom prst="rect">
             <a:avLst/>
@@ -21954,7 +21755,7 @@
         <p:spPr>
           <a:xfrm>
             <a:off x="255960" y="128160"/>
-            <a:ext cx="8503560" cy="548280"/>
+            <a:ext cx="8503200" cy="547920"/>
           </a:xfrm>
           <a:prstGeom prst="rect">
             <a:avLst/>
@@ -22009,7 +21810,7 @@
         <p:spPr>
           <a:xfrm>
             <a:off x="255960" y="658440"/>
-            <a:ext cx="8503560" cy="273960"/>
+            <a:ext cx="8503200" cy="273600"/>
           </a:xfrm>
           <a:prstGeom prst="rect">
             <a:avLst/>
@@ -22064,7 +21865,7 @@
         <p:spPr>
           <a:xfrm>
             <a:off x="320040" y="1143000"/>
-            <a:ext cx="8503560" cy="1572480"/>
+            <a:ext cx="8503200" cy="1572120"/>
           </a:xfrm>
           <a:prstGeom prst="rect">
             <a:avLst/>
@@ -22102,7 +21903,7 @@
         <p:spPr>
           <a:xfrm>
             <a:off x="457200" y="1234440"/>
-            <a:ext cx="8046360" cy="273960"/>
+            <a:ext cx="8046000" cy="273600"/>
           </a:xfrm>
           <a:prstGeom prst="rect">
             <a:avLst/>
@@ -22157,7 +21958,7 @@
         <p:spPr>
           <a:xfrm>
             <a:off x="365760" y="1536120"/>
-            <a:ext cx="8412120" cy="1096920"/>
+            <a:ext cx="8411760" cy="1096560"/>
           </a:xfrm>
           <a:prstGeom prst="rect">
             <a:avLst/>
@@ -22188,7 +21989,7 @@
         <p:spPr>
           <a:xfrm>
             <a:off x="365760" y="1536120"/>
-            <a:ext cx="566640" cy="200880"/>
+            <a:ext cx="566280" cy="200520"/>
           </a:xfrm>
           <a:prstGeom prst="rect">
             <a:avLst/>
@@ -22219,7 +22020,7 @@
         <p:spPr>
           <a:xfrm>
             <a:off x="365760" y="1536120"/>
-            <a:ext cx="566640" cy="200880"/>
+            <a:ext cx="566280" cy="200520"/>
           </a:xfrm>
           <a:prstGeom prst="rect">
             <a:avLst/>
@@ -22274,7 +22075,7 @@
         <p:spPr>
           <a:xfrm>
             <a:off x="457200" y="1792080"/>
-            <a:ext cx="8229240" cy="795240"/>
+            <a:ext cx="8228880" cy="794880"/>
           </a:xfrm>
           <a:prstGeom prst="rect">
             <a:avLst/>
@@ -22377,7 +22178,7 @@
         <p:spPr>
           <a:xfrm>
             <a:off x="320040" y="2834640"/>
-            <a:ext cx="4114440" cy="1992960"/>
+            <a:ext cx="4114080" cy="1992600"/>
           </a:xfrm>
           <a:prstGeom prst="rect">
             <a:avLst/>
@@ -22415,7 +22216,7 @@
         <p:spPr>
           <a:xfrm>
             <a:off x="320040" y="2834640"/>
-            <a:ext cx="4114440" cy="365400"/>
+            <a:ext cx="4114080" cy="365040"/>
           </a:xfrm>
           <a:prstGeom prst="rect">
             <a:avLst/>
@@ -22446,7 +22247,7 @@
         <p:spPr>
           <a:xfrm>
             <a:off x="457200" y="2834640"/>
-            <a:ext cx="3840120" cy="365400"/>
+            <a:ext cx="3839760" cy="365040"/>
           </a:xfrm>
           <a:prstGeom prst="rect">
             <a:avLst/>
@@ -22501,7 +22302,7 @@
         <p:spPr>
           <a:xfrm>
             <a:off x="457200" y="3255120"/>
-            <a:ext cx="3840120" cy="1462680"/>
+            <a:ext cx="3839760" cy="1462320"/>
           </a:xfrm>
           <a:prstGeom prst="rect">
             <a:avLst/>
@@ -22529,7 +22330,7 @@
               <a:buClr>
                 <a:srgbClr val="f0f4f8"/>
               </a:buClr>
-              <a:buFont typeface="Symbol" charset="2"/>
+              <a:buFont typeface="Symbol"/>
               <a:buChar char=""/>
             </a:pPr>
             <a:r>
@@ -22554,7 +22355,7 @@
               <a:buClr>
                 <a:srgbClr val="f0f4f8"/>
               </a:buClr>
-              <a:buFont typeface="Symbol" charset="2"/>
+              <a:buFont typeface="Symbol"/>
               <a:buChar char=""/>
             </a:pPr>
             <a:r>
@@ -22579,7 +22380,7 @@
               <a:buClr>
                 <a:srgbClr val="f0f4f8"/>
               </a:buClr>
-              <a:buFont typeface="Symbol" charset="2"/>
+              <a:buFont typeface="Symbol"/>
               <a:buChar char=""/>
             </a:pPr>
             <a:r>
@@ -22604,7 +22405,7 @@
               <a:buClr>
                 <a:srgbClr val="f0f4f8"/>
               </a:buClr>
-              <a:buFont typeface="Symbol" charset="2"/>
+              <a:buFont typeface="Symbol"/>
               <a:buChar char=""/>
             </a:pPr>
             <a:r>
@@ -22632,7 +22433,7 @@
         <p:spPr>
           <a:xfrm>
             <a:off x="4709160" y="2834640"/>
-            <a:ext cx="4114440" cy="1992960"/>
+            <a:ext cx="4114080" cy="1992600"/>
           </a:xfrm>
           <a:prstGeom prst="rect">
             <a:avLst/>
@@ -22670,7 +22471,7 @@
         <p:spPr>
           <a:xfrm>
             <a:off x="4709160" y="2834640"/>
-            <a:ext cx="4114440" cy="365400"/>
+            <a:ext cx="4114080" cy="365040"/>
           </a:xfrm>
           <a:prstGeom prst="rect">
             <a:avLst/>
@@ -22701,7 +22502,7 @@
         <p:spPr>
           <a:xfrm>
             <a:off x="4846320" y="2834640"/>
-            <a:ext cx="3840120" cy="365400"/>
+            <a:ext cx="3839760" cy="365040"/>
           </a:xfrm>
           <a:prstGeom prst="rect">
             <a:avLst/>
@@ -22756,7 +22557,7 @@
         <p:spPr>
           <a:xfrm>
             <a:off x="4846320" y="3255120"/>
-            <a:ext cx="3840120" cy="1462680"/>
+            <a:ext cx="3839760" cy="1462320"/>
           </a:xfrm>
           <a:prstGeom prst="rect">
             <a:avLst/>
@@ -22784,7 +22585,7 @@
               <a:buClr>
                 <a:srgbClr val="f0f4f8"/>
               </a:buClr>
-              <a:buFont typeface="Symbol" charset="2"/>
+              <a:buFont typeface="Symbol"/>
               <a:buChar char=""/>
             </a:pPr>
             <a:r>
@@ -22809,7 +22610,7 @@
               <a:buClr>
                 <a:srgbClr val="f0f4f8"/>
               </a:buClr>
-              <a:buFont typeface="Symbol" charset="2"/>
+              <a:buFont typeface="Symbol"/>
               <a:buChar char=""/>
             </a:pPr>
             <a:r>
@@ -22834,7 +22635,7 @@
               <a:buClr>
                 <a:srgbClr val="f0f4f8"/>
               </a:buClr>
-              <a:buFont typeface="Symbol" charset="2"/>
+              <a:buFont typeface="Symbol"/>
               <a:buChar char=""/>
             </a:pPr>
             <a:r>
@@ -22859,7 +22660,7 @@
               <a:buClr>
                 <a:srgbClr val="f0f4f8"/>
               </a:buClr>
-              <a:buFont typeface="Symbol" charset="2"/>
+              <a:buFont typeface="Symbol"/>
               <a:buChar char=""/>
             </a:pPr>
             <a:r>
@@ -22887,7 +22688,7 @@
         <p:spPr>
           <a:xfrm>
             <a:off x="320040" y="4773240"/>
-            <a:ext cx="8503560" cy="292320"/>
+            <a:ext cx="8503200" cy="291960"/>
           </a:xfrm>
           <a:prstGeom prst="rect">
             <a:avLst/>
@@ -22925,7 +22726,7 @@
         <p:spPr>
           <a:xfrm>
             <a:off x="320040" y="4773240"/>
-            <a:ext cx="91080" cy="292320"/>
+            <a:ext cx="90720" cy="291960"/>
           </a:xfrm>
           <a:prstGeom prst="rect">
             <a:avLst/>
@@ -22956,7 +22757,7 @@
         <p:spPr>
           <a:xfrm>
             <a:off x="502920" y="4773240"/>
-            <a:ext cx="8229240" cy="292320"/>
+            <a:ext cx="8228880" cy="291960"/>
           </a:xfrm>
           <a:prstGeom prst="rect">
             <a:avLst/>
@@ -23058,7 +22859,7 @@
         <p:spPr>
           <a:xfrm>
             <a:off x="0" y="0"/>
-            <a:ext cx="9143640" cy="1005480"/>
+            <a:ext cx="9143280" cy="1005120"/>
           </a:xfrm>
           <a:prstGeom prst="rect">
             <a:avLst/>
@@ -23089,7 +22890,7 @@
         <p:spPr>
           <a:xfrm>
             <a:off x="0" y="0"/>
-            <a:ext cx="109440" cy="1005480"/>
+            <a:ext cx="109080" cy="1005120"/>
           </a:xfrm>
           <a:prstGeom prst="rect">
             <a:avLst/>
@@ -23120,7 +22921,7 @@
         <p:spPr>
           <a:xfrm>
             <a:off x="255960" y="128160"/>
-            <a:ext cx="8503560" cy="548280"/>
+            <a:ext cx="8503200" cy="547920"/>
           </a:xfrm>
           <a:prstGeom prst="rect">
             <a:avLst/>
@@ -23175,7 +22976,7 @@
         <p:spPr>
           <a:xfrm>
             <a:off x="255960" y="658440"/>
-            <a:ext cx="8503560" cy="273960"/>
+            <a:ext cx="8503200" cy="273600"/>
           </a:xfrm>
           <a:prstGeom prst="rect">
             <a:avLst/>
@@ -23230,7 +23031,7 @@
         <p:spPr>
           <a:xfrm>
             <a:off x="320040" y="1143000"/>
-            <a:ext cx="4023000" cy="3638880"/>
+            <a:ext cx="4022640" cy="3638520"/>
           </a:xfrm>
           <a:prstGeom prst="rect">
             <a:avLst/>
@@ -23268,7 +23069,7 @@
         <p:spPr>
           <a:xfrm>
             <a:off x="457200" y="1261800"/>
-            <a:ext cx="3748680" cy="292320"/>
+            <a:ext cx="3748320" cy="291960"/>
           </a:xfrm>
           <a:prstGeom prst="rect">
             <a:avLst/>
@@ -23323,7 +23124,7 @@
         <p:spPr>
           <a:xfrm>
             <a:off x="457200" y="1609200"/>
-            <a:ext cx="3748680" cy="1234080"/>
+            <a:ext cx="3748320" cy="1233720"/>
           </a:xfrm>
           <a:prstGeom prst="rect">
             <a:avLst/>
@@ -23351,7 +23152,7 @@
               <a:buClr>
                 <a:srgbClr val="f0f4f8"/>
               </a:buClr>
-              <a:buFont typeface="Symbol" charset="2"/>
+              <a:buFont typeface="Symbol"/>
               <a:buChar char=""/>
             </a:pPr>
             <a:r>
@@ -23376,7 +23177,7 @@
               <a:buClr>
                 <a:srgbClr val="f0f4f8"/>
               </a:buClr>
-              <a:buFont typeface="Symbol" charset="2"/>
+              <a:buFont typeface="Symbol"/>
               <a:buChar char=""/>
             </a:pPr>
             <a:r>
@@ -23401,7 +23202,7 @@
               <a:buClr>
                 <a:srgbClr val="f0f4f8"/>
               </a:buClr>
-              <a:buFont typeface="Symbol" charset="2"/>
+              <a:buFont typeface="Symbol"/>
               <a:buChar char=""/>
             </a:pPr>
             <a:r>
@@ -23426,7 +23227,7 @@
               <a:buClr>
                 <a:srgbClr val="f0f4f8"/>
               </a:buClr>
-              <a:buFont typeface="Symbol" charset="2"/>
+              <a:buFont typeface="Symbol"/>
               <a:buChar char=""/>
             </a:pPr>
             <a:r>
@@ -23454,7 +23255,7 @@
         <p:spPr>
           <a:xfrm>
             <a:off x="751320" y="3780000"/>
-            <a:ext cx="3748680" cy="475200"/>
+            <a:ext cx="3748320" cy="474840"/>
           </a:xfrm>
           <a:prstGeom prst="rect">
             <a:avLst/>
@@ -23492,7 +23293,7 @@
         <p:spPr>
           <a:xfrm>
             <a:off x="457200" y="2926080"/>
-            <a:ext cx="72720" cy="475200"/>
+            <a:ext cx="72360" cy="474840"/>
           </a:xfrm>
           <a:prstGeom prst="rect">
             <a:avLst/>
@@ -23523,7 +23324,7 @@
         <p:spPr>
           <a:xfrm>
             <a:off x="621720" y="2926080"/>
-            <a:ext cx="1508400" cy="475200"/>
+            <a:ext cx="1508040" cy="474840"/>
           </a:xfrm>
           <a:prstGeom prst="rect">
             <a:avLst/>
@@ -23578,7 +23379,7 @@
         <p:spPr>
           <a:xfrm>
             <a:off x="2148840" y="2926080"/>
-            <a:ext cx="2011320" cy="475200"/>
+            <a:ext cx="2010960" cy="474840"/>
           </a:xfrm>
           <a:prstGeom prst="rect">
             <a:avLst/>
@@ -23633,7 +23434,7 @@
         <p:spPr>
           <a:xfrm>
             <a:off x="457200" y="3493080"/>
-            <a:ext cx="3748680" cy="475200"/>
+            <a:ext cx="3748320" cy="474840"/>
           </a:xfrm>
           <a:prstGeom prst="rect">
             <a:avLst/>
@@ -23671,7 +23472,7 @@
         <p:spPr>
           <a:xfrm>
             <a:off x="457200" y="3493080"/>
-            <a:ext cx="72720" cy="475200"/>
+            <a:ext cx="72360" cy="474840"/>
           </a:xfrm>
           <a:prstGeom prst="rect">
             <a:avLst/>
@@ -23702,7 +23503,7 @@
         <p:spPr>
           <a:xfrm>
             <a:off x="621720" y="3493080"/>
-            <a:ext cx="1508400" cy="475200"/>
+            <a:ext cx="1508040" cy="474840"/>
           </a:xfrm>
           <a:prstGeom prst="rect">
             <a:avLst/>
@@ -23757,7 +23558,7 @@
         <p:spPr>
           <a:xfrm>
             <a:off x="2148840" y="3493080"/>
-            <a:ext cx="2011320" cy="475200"/>
+            <a:ext cx="2010960" cy="474840"/>
           </a:xfrm>
           <a:prstGeom prst="rect">
             <a:avLst/>
@@ -23812,7 +23613,7 @@
         <p:spPr>
           <a:xfrm>
             <a:off x="457200" y="4060080"/>
-            <a:ext cx="3748680" cy="475200"/>
+            <a:ext cx="3748320" cy="474840"/>
           </a:xfrm>
           <a:prstGeom prst="rect">
             <a:avLst/>
@@ -23850,7 +23651,7 @@
         <p:spPr>
           <a:xfrm>
             <a:off x="457200" y="4060080"/>
-            <a:ext cx="72720" cy="475200"/>
+            <a:ext cx="72360" cy="474840"/>
           </a:xfrm>
           <a:prstGeom prst="rect">
             <a:avLst/>
@@ -23881,7 +23682,7 @@
         <p:spPr>
           <a:xfrm>
             <a:off x="621720" y="4060080"/>
-            <a:ext cx="1508400" cy="475200"/>
+            <a:ext cx="1508040" cy="474840"/>
           </a:xfrm>
           <a:prstGeom prst="rect">
             <a:avLst/>
@@ -23936,7 +23737,7 @@
         <p:spPr>
           <a:xfrm>
             <a:off x="2148840" y="4060080"/>
-            <a:ext cx="2011320" cy="475200"/>
+            <a:ext cx="2010960" cy="474840"/>
           </a:xfrm>
           <a:prstGeom prst="rect">
             <a:avLst/>
@@ -23991,7 +23792,7 @@
         <p:spPr>
           <a:xfrm>
             <a:off x="4617720" y="1143000"/>
-            <a:ext cx="4205880" cy="3638880"/>
+            <a:ext cx="4205520" cy="3638520"/>
           </a:xfrm>
           <a:prstGeom prst="rect">
             <a:avLst/>
@@ -24029,7 +23830,7 @@
         <p:spPr>
           <a:xfrm>
             <a:off x="4754880" y="1261800"/>
-            <a:ext cx="3840120" cy="292320"/>
+            <a:ext cx="3839760" cy="291960"/>
           </a:xfrm>
           <a:prstGeom prst="rect">
             <a:avLst/>
@@ -24084,7 +23885,7 @@
         <p:spPr>
           <a:xfrm>
             <a:off x="5166360" y="1664280"/>
-            <a:ext cx="3108600" cy="475200"/>
+            <a:ext cx="3108240" cy="474840"/>
           </a:xfrm>
           <a:prstGeom prst="rect">
             <a:avLst/>
@@ -24115,7 +23916,7 @@
         <p:spPr>
           <a:xfrm>
             <a:off x="5166360" y="1664280"/>
-            <a:ext cx="3108600" cy="475200"/>
+            <a:ext cx="3108240" cy="474840"/>
           </a:xfrm>
           <a:prstGeom prst="rect">
             <a:avLst/>
@@ -24170,7 +23971,7 @@
         <p:spPr>
           <a:xfrm>
             <a:off x="5166360" y="2139840"/>
-            <a:ext cx="3108600" cy="54360"/>
+            <a:ext cx="3108240" cy="54000"/>
           </a:xfrm>
           <a:prstGeom prst="rect">
             <a:avLst/>
@@ -24201,7 +24002,7 @@
         <p:spPr>
           <a:xfrm>
             <a:off x="5166360" y="2194560"/>
-            <a:ext cx="3108600" cy="895680"/>
+            <a:ext cx="3108240" cy="895320"/>
           </a:xfrm>
           <a:prstGeom prst="rect">
             <a:avLst/>
@@ -24239,7 +24040,7 @@
         <p:spPr>
           <a:xfrm>
             <a:off x="5330880" y="2249280"/>
-            <a:ext cx="1188360" cy="347040"/>
+            <a:ext cx="1188000" cy="346680"/>
           </a:xfrm>
           <a:prstGeom prst="rect">
             <a:avLst/>
@@ -24304,7 +24105,7 @@
         <p:spPr>
           <a:xfrm>
             <a:off x="6556320" y="2249280"/>
-            <a:ext cx="1599840" cy="347040"/>
+            <a:ext cx="1599480" cy="346680"/>
           </a:xfrm>
           <a:prstGeom prst="rect">
             <a:avLst/>
@@ -24359,7 +24160,7 @@
         <p:spPr>
           <a:xfrm>
             <a:off x="5330880" y="2633400"/>
-            <a:ext cx="1188360" cy="347040"/>
+            <a:ext cx="1188000" cy="346680"/>
           </a:xfrm>
           <a:prstGeom prst="rect">
             <a:avLst/>
@@ -24424,7 +24225,7 @@
         <p:spPr>
           <a:xfrm>
             <a:off x="6556320" y="2633400"/>
-            <a:ext cx="1599840" cy="347040"/>
+            <a:ext cx="1599480" cy="346680"/>
           </a:xfrm>
           <a:prstGeom prst="rect">
             <a:avLst/>
@@ -24479,7 +24280,7 @@
         <p:spPr>
           <a:xfrm>
             <a:off x="5166360" y="3090600"/>
-            <a:ext cx="3108600" cy="54360"/>
+            <a:ext cx="3108240" cy="54000"/>
           </a:xfrm>
           <a:prstGeom prst="rect">
             <a:avLst/>
@@ -24510,7 +24311,7 @@
         <p:spPr>
           <a:xfrm>
             <a:off x="5166360" y="3145680"/>
-            <a:ext cx="3108600" cy="1462680"/>
+            <a:ext cx="3108240" cy="1462320"/>
           </a:xfrm>
           <a:prstGeom prst="rect">
             <a:avLst/>
@@ -24548,7 +24349,7 @@
         <p:spPr>
           <a:xfrm>
             <a:off x="5330880" y="3200400"/>
-            <a:ext cx="2880000" cy="246600"/>
+            <a:ext cx="2879640" cy="246240"/>
           </a:xfrm>
           <a:prstGeom prst="rect">
             <a:avLst/>
@@ -24603,7 +24404,7 @@
         <p:spPr>
           <a:xfrm>
             <a:off x="5330880" y="3465720"/>
-            <a:ext cx="2880000" cy="246600"/>
+            <a:ext cx="2879640" cy="246240"/>
           </a:xfrm>
           <a:prstGeom prst="rect">
             <a:avLst/>
@@ -24658,7 +24459,7 @@
         <p:spPr>
           <a:xfrm>
             <a:off x="5330880" y="3730680"/>
-            <a:ext cx="2880000" cy="246600"/>
+            <a:ext cx="2879640" cy="246240"/>
           </a:xfrm>
           <a:prstGeom prst="rect">
             <a:avLst/>
@@ -24713,7 +24514,7 @@
         <p:spPr>
           <a:xfrm>
             <a:off x="5330880" y="3996000"/>
-            <a:ext cx="2880000" cy="246600"/>
+            <a:ext cx="2879640" cy="246240"/>
           </a:xfrm>
           <a:prstGeom prst="rect">
             <a:avLst/>
@@ -24768,7 +24569,7 @@
         <p:spPr>
           <a:xfrm>
             <a:off x="5330880" y="4260960"/>
-            <a:ext cx="2880000" cy="246600"/>
+            <a:ext cx="2879640" cy="246240"/>
           </a:xfrm>
           <a:prstGeom prst="rect">
             <a:avLst/>
@@ -24823,7 +24624,7 @@
         <p:spPr>
           <a:xfrm>
             <a:off x="320040" y="4773240"/>
-            <a:ext cx="8503560" cy="273960"/>
+            <a:ext cx="8503200" cy="273600"/>
           </a:xfrm>
           <a:prstGeom prst="rect">
             <a:avLst/>
@@ -24861,7 +24662,7 @@
         <p:spPr>
           <a:xfrm>
             <a:off x="320040" y="4773240"/>
-            <a:ext cx="91080" cy="273960"/>
+            <a:ext cx="90720" cy="273600"/>
           </a:xfrm>
           <a:prstGeom prst="rect">
             <a:avLst/>
@@ -24892,7 +24693,7 @@
         <p:spPr>
           <a:xfrm>
             <a:off x="502920" y="4773240"/>
-            <a:ext cx="8229240" cy="273960"/>
+            <a:ext cx="8228880" cy="273600"/>
           </a:xfrm>
           <a:prstGeom prst="rect">
             <a:avLst/>
@@ -24994,7 +24795,7 @@
         <p:spPr>
           <a:xfrm>
             <a:off x="0" y="0"/>
-            <a:ext cx="9143640" cy="1005480"/>
+            <a:ext cx="9143280" cy="1005120"/>
           </a:xfrm>
           <a:prstGeom prst="rect">
             <a:avLst/>
@@ -25025,7 +24826,7 @@
         <p:spPr>
           <a:xfrm>
             <a:off x="0" y="0"/>
-            <a:ext cx="109440" cy="1005480"/>
+            <a:ext cx="109080" cy="1005120"/>
           </a:xfrm>
           <a:prstGeom prst="rect">
             <a:avLst/>
@@ -25056,7 +24857,7 @@
         <p:spPr>
           <a:xfrm>
             <a:off x="255960" y="128160"/>
-            <a:ext cx="8503560" cy="548280"/>
+            <a:ext cx="8503200" cy="547920"/>
           </a:xfrm>
           <a:prstGeom prst="rect">
             <a:avLst/>
@@ -25111,7 +24912,7 @@
         <p:spPr>
           <a:xfrm>
             <a:off x="255960" y="658440"/>
-            <a:ext cx="8503560" cy="273960"/>
+            <a:ext cx="8503200" cy="273600"/>
           </a:xfrm>
           <a:prstGeom prst="rect">
             <a:avLst/>
@@ -25166,7 +24967,7 @@
         <p:spPr>
           <a:xfrm>
             <a:off x="320040" y="1143000"/>
-            <a:ext cx="4114440" cy="3428640"/>
+            <a:ext cx="4114080" cy="3428280"/>
           </a:xfrm>
           <a:prstGeom prst="rect">
             <a:avLst/>
@@ -25204,7 +25005,7 @@
         <p:spPr>
           <a:xfrm>
             <a:off x="320040" y="1143000"/>
-            <a:ext cx="4114440" cy="411120"/>
+            <a:ext cx="4114080" cy="410760"/>
           </a:xfrm>
           <a:prstGeom prst="rect">
             <a:avLst/>
@@ -25235,7 +25036,7 @@
         <p:spPr>
           <a:xfrm>
             <a:off x="502920" y="1143000"/>
-            <a:ext cx="3840120" cy="411120"/>
+            <a:ext cx="3839760" cy="410760"/>
           </a:xfrm>
           <a:prstGeom prst="rect">
             <a:avLst/>
@@ -25290,7 +25091,7 @@
         <p:spPr>
           <a:xfrm>
             <a:off x="475560" y="1609200"/>
-            <a:ext cx="3840120" cy="1782720"/>
+            <a:ext cx="3839760" cy="1782360"/>
           </a:xfrm>
           <a:prstGeom prst="rect">
             <a:avLst/>
@@ -25318,7 +25119,7 @@
               <a:buClr>
                 <a:srgbClr val="f0f4f8"/>
               </a:buClr>
-              <a:buFont typeface="Symbol" charset="2"/>
+              <a:buFont typeface="Symbol"/>
               <a:buChar char=""/>
             </a:pPr>
             <a:r>
@@ -25343,7 +25144,7 @@
               <a:buClr>
                 <a:srgbClr val="f0f4f8"/>
               </a:buClr>
-              <a:buFont typeface="Symbol" charset="2"/>
+              <a:buFont typeface="Symbol"/>
               <a:buChar char=""/>
             </a:pPr>
             <a:r>
@@ -25368,7 +25169,7 @@
               <a:buClr>
                 <a:srgbClr val="f0f4f8"/>
               </a:buClr>
-              <a:buFont typeface="Symbol" charset="2"/>
+              <a:buFont typeface="Symbol"/>
               <a:buChar char=""/>
             </a:pPr>
             <a:r>
@@ -25393,7 +25194,7 @@
               <a:buClr>
                 <a:srgbClr val="f0f4f8"/>
               </a:buClr>
-              <a:buFont typeface="Symbol" charset="2"/>
+              <a:buFont typeface="Symbol"/>
               <a:buChar char=""/>
             </a:pPr>
             <a:r>
@@ -25418,7 +25219,7 @@
               <a:buClr>
                 <a:srgbClr val="f0f4f8"/>
               </a:buClr>
-              <a:buFont typeface="Symbol" charset="2"/>
+              <a:buFont typeface="Symbol"/>
               <a:buChar char=""/>
             </a:pPr>
             <a:r>
@@ -25446,7 +25247,7 @@
         <p:spPr>
           <a:xfrm>
             <a:off x="365760" y="3420000"/>
-            <a:ext cx="4004640" cy="1005480"/>
+            <a:ext cx="4004280" cy="1005120"/>
           </a:xfrm>
           <a:prstGeom prst="rect">
             <a:avLst/>
@@ -25477,7 +25278,7 @@
         <p:spPr>
           <a:xfrm>
             <a:off x="365760" y="3420000"/>
-            <a:ext cx="566640" cy="200880"/>
+            <a:ext cx="566280" cy="200520"/>
           </a:xfrm>
           <a:prstGeom prst="rect">
             <a:avLst/>
@@ -25508,7 +25309,7 @@
         <p:spPr>
           <a:xfrm>
             <a:off x="365760" y="3420000"/>
-            <a:ext cx="566640" cy="200880"/>
+            <a:ext cx="566280" cy="200520"/>
           </a:xfrm>
           <a:prstGeom prst="rect">
             <a:avLst/>
@@ -25563,7 +25364,7 @@
         <p:spPr>
           <a:xfrm>
             <a:off x="457200" y="3675960"/>
-            <a:ext cx="3821760" cy="703800"/>
+            <a:ext cx="3821400" cy="703440"/>
           </a:xfrm>
           <a:prstGeom prst="rect">
             <a:avLst/>
@@ -25642,7 +25443,7 @@
         <p:spPr>
           <a:xfrm>
             <a:off x="4709160" y="1143000"/>
-            <a:ext cx="4114440" cy="3428640"/>
+            <a:ext cx="4114080" cy="3428280"/>
           </a:xfrm>
           <a:prstGeom prst="rect">
             <a:avLst/>
@@ -25680,7 +25481,7 @@
         <p:spPr>
           <a:xfrm>
             <a:off x="4709160" y="1143000"/>
-            <a:ext cx="4114440" cy="411120"/>
+            <a:ext cx="4114080" cy="410760"/>
           </a:xfrm>
           <a:prstGeom prst="rect">
             <a:avLst/>
@@ -25711,7 +25512,7 @@
         <p:spPr>
           <a:xfrm>
             <a:off x="4864680" y="1143000"/>
-            <a:ext cx="3840120" cy="411120"/>
+            <a:ext cx="3839760" cy="410760"/>
           </a:xfrm>
           <a:prstGeom prst="rect">
             <a:avLst/>
@@ -25776,7 +25577,7 @@
         <p:spPr>
           <a:xfrm>
             <a:off x="4864680" y="1609200"/>
-            <a:ext cx="3840120" cy="1782720"/>
+            <a:ext cx="3839760" cy="1782360"/>
           </a:xfrm>
           <a:prstGeom prst="rect">
             <a:avLst/>
@@ -25804,7 +25605,7 @@
               <a:buClr>
                 <a:srgbClr val="f0f4f8"/>
               </a:buClr>
-              <a:buFont typeface="Symbol" charset="2"/>
+              <a:buFont typeface="Symbol"/>
               <a:buChar char=""/>
             </a:pPr>
             <a:r>
@@ -25829,7 +25630,7 @@
               <a:buClr>
                 <a:srgbClr val="f0f4f8"/>
               </a:buClr>
-              <a:buFont typeface="Symbol" charset="2"/>
+              <a:buFont typeface="Symbol"/>
               <a:buChar char=""/>
             </a:pPr>
             <a:r>
@@ -25854,7 +25655,7 @@
               <a:buClr>
                 <a:srgbClr val="f0f4f8"/>
               </a:buClr>
-              <a:buFont typeface="Symbol" charset="2"/>
+              <a:buFont typeface="Symbol"/>
               <a:buChar char=""/>
             </a:pPr>
             <a:r>
@@ -25879,7 +25680,7 @@
               <a:buClr>
                 <a:srgbClr val="f0f4f8"/>
               </a:buClr>
-              <a:buFont typeface="Symbol" charset="2"/>
+              <a:buFont typeface="Symbol"/>
               <a:buChar char=""/>
             </a:pPr>
             <a:r>
@@ -25904,7 +25705,7 @@
               <a:buClr>
                 <a:srgbClr val="f0f4f8"/>
               </a:buClr>
-              <a:buFont typeface="Symbol" charset="2"/>
+              <a:buFont typeface="Symbol"/>
               <a:buChar char=""/>
             </a:pPr>
             <a:r>
@@ -25932,7 +25733,7 @@
         <p:spPr>
           <a:xfrm>
             <a:off x="4754880" y="3420000"/>
-            <a:ext cx="4004640" cy="1005480"/>
+            <a:ext cx="4004280" cy="1005120"/>
           </a:xfrm>
           <a:prstGeom prst="rect">
             <a:avLst/>
@@ -25963,7 +25764,7 @@
         <p:spPr>
           <a:xfrm>
             <a:off x="4754880" y="3420000"/>
-            <a:ext cx="566640" cy="200880"/>
+            <a:ext cx="566280" cy="200520"/>
           </a:xfrm>
           <a:prstGeom prst="rect">
             <a:avLst/>
@@ -25994,7 +25795,7 @@
         <p:spPr>
           <a:xfrm>
             <a:off x="4754880" y="3420000"/>
-            <a:ext cx="566640" cy="200880"/>
+            <a:ext cx="566280" cy="200520"/>
           </a:xfrm>
           <a:prstGeom prst="rect">
             <a:avLst/>
@@ -26049,7 +25850,7 @@
         <p:spPr>
           <a:xfrm>
             <a:off x="4846320" y="3675960"/>
-            <a:ext cx="3821760" cy="703800"/>
+            <a:ext cx="3821400" cy="703440"/>
           </a:xfrm>
           <a:prstGeom prst="rect">
             <a:avLst/>
@@ -26152,7 +25953,7 @@
         <p:spPr>
           <a:xfrm>
             <a:off x="320040" y="4663440"/>
-            <a:ext cx="8503560" cy="383760"/>
+            <a:ext cx="8503200" cy="383400"/>
           </a:xfrm>
           <a:prstGeom prst="rect">
             <a:avLst/>
@@ -26190,7 +25991,7 @@
         <p:spPr>
           <a:xfrm>
             <a:off x="320040" y="4663440"/>
-            <a:ext cx="91080" cy="383760"/>
+            <a:ext cx="90720" cy="383400"/>
           </a:xfrm>
           <a:prstGeom prst="rect">
             <a:avLst/>
@@ -26221,7 +26022,7 @@
         <p:spPr>
           <a:xfrm>
             <a:off x="502920" y="4663440"/>
-            <a:ext cx="8229240" cy="383760"/>
+            <a:ext cx="8228880" cy="383400"/>
           </a:xfrm>
           <a:prstGeom prst="rect">
             <a:avLst/>
@@ -26313,7 +26114,7 @@
         <p:spPr>
           <a:xfrm>
             <a:off x="0" y="0"/>
-            <a:ext cx="9143640" cy="1005480"/>
+            <a:ext cx="9143280" cy="1005120"/>
           </a:xfrm>
           <a:prstGeom prst="rect">
             <a:avLst/>
@@ -26344,7 +26145,7 @@
         <p:spPr>
           <a:xfrm>
             <a:off x="0" y="0"/>
-            <a:ext cx="109440" cy="1005480"/>
+            <a:ext cx="109080" cy="1005120"/>
           </a:xfrm>
           <a:prstGeom prst="rect">
             <a:avLst/>
@@ -26375,7 +26176,7 @@
         <p:spPr>
           <a:xfrm>
             <a:off x="255960" y="128160"/>
-            <a:ext cx="8503560" cy="548280"/>
+            <a:ext cx="8503200" cy="547920"/>
           </a:xfrm>
           <a:prstGeom prst="rect">
             <a:avLst/>
@@ -26430,7 +26231,7 @@
         <p:spPr>
           <a:xfrm>
             <a:off x="255960" y="658440"/>
-            <a:ext cx="8503560" cy="273960"/>
+            <a:ext cx="8503200" cy="273600"/>
           </a:xfrm>
           <a:prstGeom prst="rect">
             <a:avLst/>
@@ -26485,7 +26286,7 @@
         <p:spPr>
           <a:xfrm>
             <a:off x="320040" y="1143000"/>
-            <a:ext cx="8503560" cy="959760"/>
+            <a:ext cx="8503200" cy="959400"/>
           </a:xfrm>
           <a:prstGeom prst="rect">
             <a:avLst/>
@@ -26523,7 +26324,7 @@
         <p:spPr>
           <a:xfrm>
             <a:off x="320040" y="1143000"/>
-            <a:ext cx="8503560" cy="72720"/>
+            <a:ext cx="8503200" cy="72360"/>
           </a:xfrm>
           <a:prstGeom prst="rect">
             <a:avLst/>
@@ -26554,7 +26355,7 @@
         <p:spPr>
           <a:xfrm>
             <a:off x="457200" y="1261800"/>
-            <a:ext cx="2011320" cy="502560"/>
+            <a:ext cx="2010960" cy="502200"/>
           </a:xfrm>
           <a:prstGeom prst="rect">
             <a:avLst/>
@@ -26619,7 +26420,7 @@
         <p:spPr>
           <a:xfrm>
             <a:off x="2468880" y="1261800"/>
-            <a:ext cx="6171840" cy="502560"/>
+            <a:ext cx="6171480" cy="502200"/>
           </a:xfrm>
           <a:prstGeom prst="rect">
             <a:avLst/>
@@ -26674,7 +26475,7 @@
         <p:spPr>
           <a:xfrm>
             <a:off x="457200" y="1938600"/>
-            <a:ext cx="8320680" cy="255600"/>
+            <a:ext cx="8320320" cy="255240"/>
           </a:xfrm>
           <a:prstGeom prst="rect">
             <a:avLst/>
@@ -26729,7 +26530,7 @@
         <p:spPr>
           <a:xfrm>
             <a:off x="320040" y="2304360"/>
-            <a:ext cx="4114440" cy="2724480"/>
+            <a:ext cx="4114080" cy="2724120"/>
           </a:xfrm>
           <a:prstGeom prst="rect">
             <a:avLst/>
@@ -26767,7 +26568,7 @@
         <p:spPr>
           <a:xfrm>
             <a:off x="457200" y="2414160"/>
-            <a:ext cx="3840120" cy="273960"/>
+            <a:ext cx="3839760" cy="273600"/>
           </a:xfrm>
           <a:prstGeom prst="rect">
             <a:avLst/>
@@ -26822,7 +26623,7 @@
         <p:spPr>
           <a:xfrm>
             <a:off x="365760" y="2724840"/>
-            <a:ext cx="4004640" cy="2194200"/>
+            <a:ext cx="4004280" cy="2193840"/>
           </a:xfrm>
           <a:prstGeom prst="rect">
             <a:avLst/>
@@ -26853,7 +26654,7 @@
         <p:spPr>
           <a:xfrm>
             <a:off x="365760" y="2724840"/>
-            <a:ext cx="566640" cy="200880"/>
+            <a:ext cx="566280" cy="200520"/>
           </a:xfrm>
           <a:prstGeom prst="rect">
             <a:avLst/>
@@ -26884,7 +26685,7 @@
         <p:spPr>
           <a:xfrm>
             <a:off x="365760" y="2724840"/>
-            <a:ext cx="566640" cy="200880"/>
+            <a:ext cx="566280" cy="200520"/>
           </a:xfrm>
           <a:prstGeom prst="rect">
             <a:avLst/>
@@ -26939,7 +26740,7 @@
         <p:spPr>
           <a:xfrm>
             <a:off x="457200" y="2980800"/>
-            <a:ext cx="3821760" cy="1892520"/>
+            <a:ext cx="3821400" cy="1892160"/>
           </a:xfrm>
           <a:prstGeom prst="rect">
             <a:avLst/>
@@ -27216,7 +27017,7 @@
         <p:spPr>
           <a:xfrm>
             <a:off x="4709160" y="2304360"/>
-            <a:ext cx="4114440" cy="2724480"/>
+            <a:ext cx="4114080" cy="2724120"/>
           </a:xfrm>
           <a:prstGeom prst="rect">
             <a:avLst/>
@@ -27254,7 +27055,7 @@
         <p:spPr>
           <a:xfrm>
             <a:off x="4846320" y="2414160"/>
-            <a:ext cx="3840120" cy="273960"/>
+            <a:ext cx="3839760" cy="273600"/>
           </a:xfrm>
           <a:prstGeom prst="rect">
             <a:avLst/>
@@ -27309,7 +27110,7 @@
         <p:spPr>
           <a:xfrm>
             <a:off x="4846320" y="2779920"/>
-            <a:ext cx="3821760" cy="621360"/>
+            <a:ext cx="3821400" cy="621000"/>
           </a:xfrm>
           <a:prstGeom prst="rect">
             <a:avLst/>
@@ -27347,7 +27148,7 @@
         <p:spPr>
           <a:xfrm>
             <a:off x="4846320" y="2779920"/>
-            <a:ext cx="72720" cy="621360"/>
+            <a:ext cx="72360" cy="621000"/>
           </a:xfrm>
           <a:prstGeom prst="rect">
             <a:avLst/>
@@ -27378,7 +27179,7 @@
         <p:spPr>
           <a:xfrm>
             <a:off x="5010840" y="2779920"/>
-            <a:ext cx="1691280" cy="621360"/>
+            <a:ext cx="1690920" cy="621000"/>
           </a:xfrm>
           <a:prstGeom prst="rect">
             <a:avLst/>
@@ -27433,7 +27234,7 @@
         <p:spPr>
           <a:xfrm>
             <a:off x="6720840" y="2779920"/>
-            <a:ext cx="1874160" cy="621360"/>
+            <a:ext cx="1873800" cy="621000"/>
           </a:xfrm>
           <a:prstGeom prst="rect">
             <a:avLst/>
@@ -27488,7 +27289,7 @@
         <p:spPr>
           <a:xfrm>
             <a:off x="4846320" y="3529440"/>
-            <a:ext cx="3821760" cy="621360"/>
+            <a:ext cx="3821400" cy="621000"/>
           </a:xfrm>
           <a:prstGeom prst="rect">
             <a:avLst/>
@@ -27526,7 +27327,7 @@
         <p:spPr>
           <a:xfrm>
             <a:off x="4846320" y="3529440"/>
-            <a:ext cx="72720" cy="621360"/>
+            <a:ext cx="72360" cy="621000"/>
           </a:xfrm>
           <a:prstGeom prst="rect">
             <a:avLst/>
@@ -27557,7 +27358,7 @@
         <p:spPr>
           <a:xfrm>
             <a:off x="5010840" y="3529440"/>
-            <a:ext cx="1691280" cy="621360"/>
+            <a:ext cx="1690920" cy="621000"/>
           </a:xfrm>
           <a:prstGeom prst="rect">
             <a:avLst/>
@@ -27612,7 +27413,7 @@
         <p:spPr>
           <a:xfrm>
             <a:off x="6720840" y="3529440"/>
-            <a:ext cx="1874160" cy="621360"/>
+            <a:ext cx="1873800" cy="621000"/>
           </a:xfrm>
           <a:prstGeom prst="rect">
             <a:avLst/>
@@ -27667,7 +27468,7 @@
         <p:spPr>
           <a:xfrm>
             <a:off x="4846320" y="4334400"/>
-            <a:ext cx="3840120" cy="621360"/>
+            <a:ext cx="3839760" cy="621000"/>
           </a:xfrm>
           <a:prstGeom prst="rect">
             <a:avLst/>
@@ -27695,7 +27496,7 @@
               <a:buClr>
                 <a:srgbClr val="f0f4f8"/>
               </a:buClr>
-              <a:buFont typeface="Symbol" charset="2"/>
+              <a:buFont typeface="Symbol"/>
               <a:buChar char=""/>
             </a:pPr>
             <a:r>
@@ -27720,7 +27521,7 @@
               <a:buClr>
                 <a:srgbClr val="f0f4f8"/>
               </a:buClr>
-              <a:buFont typeface="Symbol" charset="2"/>
+              <a:buFont typeface="Symbol"/>
               <a:buChar char=""/>
             </a:pPr>
             <a:r>
@@ -27745,7 +27546,7 @@
               <a:buClr>
                 <a:srgbClr val="f0f4f8"/>
               </a:buClr>
-              <a:buFont typeface="Symbol" charset="2"/>
+              <a:buFont typeface="Symbol"/>
               <a:buChar char=""/>
             </a:pPr>
             <a:r>
@@ -27773,7 +27574,7 @@
         <p:spPr>
           <a:xfrm>
             <a:off x="320040" y="4773240"/>
-            <a:ext cx="8503560" cy="273960"/>
+            <a:ext cx="8503200" cy="273600"/>
           </a:xfrm>
           <a:prstGeom prst="rect">
             <a:avLst/>
@@ -27811,7 +27612,7 @@
         <p:spPr>
           <a:xfrm>
             <a:off x="320040" y="4773240"/>
-            <a:ext cx="91080" cy="273960"/>
+            <a:ext cx="90720" cy="273600"/>
           </a:xfrm>
           <a:prstGeom prst="rect">
             <a:avLst/>
@@ -27842,7 +27643,7 @@
         <p:spPr>
           <a:xfrm>
             <a:off x="502920" y="4773240"/>
-            <a:ext cx="8229240" cy="273960"/>
+            <a:ext cx="8228880" cy="273600"/>
           </a:xfrm>
           <a:prstGeom prst="rect">
             <a:avLst/>
@@ -27944,7 +27745,7 @@
         <p:spPr>
           <a:xfrm>
             <a:off x="0" y="0"/>
-            <a:ext cx="9143640" cy="1005480"/>
+            <a:ext cx="9143280" cy="1005120"/>
           </a:xfrm>
           <a:prstGeom prst="rect">
             <a:avLst/>
@@ -27975,7 +27776,7 @@
         <p:spPr>
           <a:xfrm>
             <a:off x="0" y="0"/>
-            <a:ext cx="109440" cy="1005480"/>
+            <a:ext cx="109080" cy="1005120"/>
           </a:xfrm>
           <a:prstGeom prst="rect">
             <a:avLst/>
@@ -28006,7 +27807,7 @@
         <p:spPr>
           <a:xfrm>
             <a:off x="255960" y="128160"/>
-            <a:ext cx="8503560" cy="548280"/>
+            <a:ext cx="8503200" cy="547920"/>
           </a:xfrm>
           <a:prstGeom prst="rect">
             <a:avLst/>
@@ -28061,7 +27862,7 @@
         <p:spPr>
           <a:xfrm>
             <a:off x="255960" y="658440"/>
-            <a:ext cx="8503560" cy="273960"/>
+            <a:ext cx="8503200" cy="273600"/>
           </a:xfrm>
           <a:prstGeom prst="rect">
             <a:avLst/>
@@ -28116,7 +27917,7 @@
         <p:spPr>
           <a:xfrm>
             <a:off x="320040" y="1143000"/>
-            <a:ext cx="4068720" cy="1938240"/>
+            <a:ext cx="4068360" cy="1937880"/>
           </a:xfrm>
           <a:prstGeom prst="rect">
             <a:avLst/>
@@ -28154,7 +27955,7 @@
         <p:spPr>
           <a:xfrm>
             <a:off x="320040" y="1143000"/>
-            <a:ext cx="4068720" cy="365400"/>
+            <a:ext cx="4068360" cy="365040"/>
           </a:xfrm>
           <a:prstGeom prst="rect">
             <a:avLst/>
@@ -28185,7 +27986,7 @@
         <p:spPr>
           <a:xfrm>
             <a:off x="457200" y="1143000"/>
-            <a:ext cx="3821760" cy="365400"/>
+            <a:ext cx="3821400" cy="365040"/>
           </a:xfrm>
           <a:prstGeom prst="rect">
             <a:avLst/>
@@ -28250,7 +28051,7 @@
         <p:spPr>
           <a:xfrm>
             <a:off x="457200" y="1572840"/>
-            <a:ext cx="3821760" cy="456840"/>
+            <a:ext cx="3821400" cy="456480"/>
           </a:xfrm>
           <a:prstGeom prst="rect">
             <a:avLst/>
@@ -28305,7 +28106,7 @@
         <p:spPr>
           <a:xfrm>
             <a:off x="457200" y="2066400"/>
-            <a:ext cx="3821760" cy="895680"/>
+            <a:ext cx="3821400" cy="895320"/>
           </a:xfrm>
           <a:prstGeom prst="rect">
             <a:avLst/>
@@ -28360,7 +28161,7 @@
         <p:spPr>
           <a:xfrm>
             <a:off x="4754880" y="1143000"/>
-            <a:ext cx="4068720" cy="1938240"/>
+            <a:ext cx="4068360" cy="1937880"/>
           </a:xfrm>
           <a:prstGeom prst="rect">
             <a:avLst/>
@@ -28398,7 +28199,7 @@
         <p:spPr>
           <a:xfrm>
             <a:off x="4754880" y="1143000"/>
-            <a:ext cx="4068720" cy="365400"/>
+            <a:ext cx="4068360" cy="365040"/>
           </a:xfrm>
           <a:prstGeom prst="rect">
             <a:avLst/>
@@ -28429,7 +28230,7 @@
         <p:spPr>
           <a:xfrm>
             <a:off x="4892040" y="1143000"/>
-            <a:ext cx="3821760" cy="365400"/>
+            <a:ext cx="3821400" cy="365040"/>
           </a:xfrm>
           <a:prstGeom prst="rect">
             <a:avLst/>
@@ -28494,7 +28295,7 @@
         <p:spPr>
           <a:xfrm>
             <a:off x="4892040" y="1572840"/>
-            <a:ext cx="3821760" cy="895680"/>
+            <a:ext cx="3821400" cy="895320"/>
           </a:xfrm>
           <a:prstGeom prst="rect">
             <a:avLst/>
@@ -28549,7 +28350,7 @@
         <p:spPr>
           <a:xfrm>
             <a:off x="4892040" y="2487240"/>
-            <a:ext cx="3821760" cy="475200"/>
+            <a:ext cx="3821400" cy="474840"/>
           </a:xfrm>
           <a:prstGeom prst="rect">
             <a:avLst/>
@@ -28604,7 +28405,7 @@
         <p:spPr>
           <a:xfrm>
             <a:off x="320040" y="3218760"/>
-            <a:ext cx="4068720" cy="1782720"/>
+            <a:ext cx="4068360" cy="1782360"/>
           </a:xfrm>
           <a:prstGeom prst="rect">
             <a:avLst/>
@@ -28642,7 +28443,7 @@
         <p:spPr>
           <a:xfrm>
             <a:off x="320040" y="3218760"/>
-            <a:ext cx="4068720" cy="347040"/>
+            <a:ext cx="4068360" cy="346680"/>
           </a:xfrm>
           <a:prstGeom prst="rect">
             <a:avLst/>
@@ -28673,7 +28474,7 @@
         <p:spPr>
           <a:xfrm>
             <a:off x="457200" y="3218760"/>
-            <a:ext cx="3821760" cy="347040"/>
+            <a:ext cx="3821400" cy="346680"/>
           </a:xfrm>
           <a:prstGeom prst="rect">
             <a:avLst/>
@@ -28738,7 +28539,7 @@
         <p:spPr>
           <a:xfrm>
             <a:off x="457200" y="3620880"/>
-            <a:ext cx="3821760" cy="1298160"/>
+            <a:ext cx="3821400" cy="1297800"/>
           </a:xfrm>
           <a:prstGeom prst="rect">
             <a:avLst/>
@@ -28766,7 +28567,7 @@
               <a:buClr>
                 <a:srgbClr val="f0f4f8"/>
               </a:buClr>
-              <a:buFont typeface="Symbol" charset="2"/>
+              <a:buFont typeface="Symbol"/>
               <a:buChar char=""/>
             </a:pPr>
             <a:r>
@@ -28791,7 +28592,7 @@
               <a:buClr>
                 <a:srgbClr val="f0f4f8"/>
               </a:buClr>
-              <a:buFont typeface="Symbol" charset="2"/>
+              <a:buFont typeface="Symbol"/>
               <a:buChar char=""/>
             </a:pPr>
             <a:r>
@@ -28816,7 +28617,7 @@
               <a:buClr>
                 <a:srgbClr val="f0f4f8"/>
               </a:buClr>
-              <a:buFont typeface="Symbol" charset="2"/>
+              <a:buFont typeface="Symbol"/>
               <a:buChar char=""/>
             </a:pPr>
             <a:r>
@@ -28841,7 +28642,7 @@
               <a:buClr>
                 <a:srgbClr val="f0f4f8"/>
               </a:buClr>
-              <a:buFont typeface="Symbol" charset="2"/>
+              <a:buFont typeface="Symbol"/>
               <a:buChar char=""/>
             </a:pPr>
             <a:r>
@@ -28869,7 +28670,7 @@
         <p:spPr>
           <a:xfrm>
             <a:off x="4754880" y="3218760"/>
-            <a:ext cx="4068720" cy="1782720"/>
+            <a:ext cx="4068360" cy="1782360"/>
           </a:xfrm>
           <a:prstGeom prst="rect">
             <a:avLst/>
@@ -28907,7 +28708,7 @@
         <p:spPr>
           <a:xfrm>
             <a:off x="4754880" y="3218760"/>
-            <a:ext cx="4068720" cy="347040"/>
+            <a:ext cx="4068360" cy="346680"/>
           </a:xfrm>
           <a:prstGeom prst="rect">
             <a:avLst/>
@@ -28938,7 +28739,7 @@
         <p:spPr>
           <a:xfrm>
             <a:off x="4892040" y="3218760"/>
-            <a:ext cx="3821760" cy="347040"/>
+            <a:ext cx="3821400" cy="346680"/>
           </a:xfrm>
           <a:prstGeom prst="rect">
             <a:avLst/>
@@ -29003,7 +28804,7 @@
         <p:spPr>
           <a:xfrm>
             <a:off x="4892040" y="3620880"/>
-            <a:ext cx="3821760" cy="1298160"/>
+            <a:ext cx="3821400" cy="1297800"/>
           </a:xfrm>
           <a:prstGeom prst="rect">
             <a:avLst/>
@@ -29031,7 +28832,7 @@
               <a:buClr>
                 <a:srgbClr val="f0f4f8"/>
               </a:buClr>
-              <a:buFont typeface="Symbol" charset="2"/>
+              <a:buFont typeface="Symbol"/>
               <a:buChar char=""/>
             </a:pPr>
             <a:r>
@@ -29056,7 +28857,7 @@
               <a:buClr>
                 <a:srgbClr val="f0f4f8"/>
               </a:buClr>
-              <a:buFont typeface="Symbol" charset="2"/>
+              <a:buFont typeface="Symbol"/>
               <a:buChar char=""/>
             </a:pPr>
             <a:r>
@@ -29081,7 +28882,7 @@
               <a:buClr>
                 <a:srgbClr val="f0f4f8"/>
               </a:buClr>
-              <a:buFont typeface="Symbol" charset="2"/>
+              <a:buFont typeface="Symbol"/>
               <a:buChar char=""/>
             </a:pPr>
             <a:r>
@@ -29106,7 +28907,7 @@
               <a:buClr>
                 <a:srgbClr val="f0f4f8"/>
               </a:buClr>
-              <a:buFont typeface="Symbol" charset="2"/>
+              <a:buFont typeface="Symbol"/>
               <a:buChar char=""/>
             </a:pPr>
             <a:r>
@@ -29134,7 +28935,7 @@
         <p:spPr>
           <a:xfrm>
             <a:off x="320040" y="4773240"/>
-            <a:ext cx="8503560" cy="273960"/>
+            <a:ext cx="8503200" cy="273600"/>
           </a:xfrm>
           <a:prstGeom prst="rect">
             <a:avLst/>
@@ -29172,7 +28973,7 @@
         <p:spPr>
           <a:xfrm>
             <a:off x="320040" y="4773240"/>
-            <a:ext cx="91080" cy="273960"/>
+            <a:ext cx="90720" cy="273600"/>
           </a:xfrm>
           <a:prstGeom prst="rect">
             <a:avLst/>
@@ -29203,7 +29004,7 @@
         <p:spPr>
           <a:xfrm>
             <a:off x="502920" y="4773240"/>
-            <a:ext cx="8229240" cy="273960"/>
+            <a:ext cx="8228880" cy="273600"/>
           </a:xfrm>
           <a:prstGeom prst="rect">
             <a:avLst/>
@@ -29305,7 +29106,7 @@
         <p:spPr>
           <a:xfrm>
             <a:off x="0" y="0"/>
-            <a:ext cx="9143640" cy="1005480"/>
+            <a:ext cx="9143280" cy="1005120"/>
           </a:xfrm>
           <a:prstGeom prst="rect">
             <a:avLst/>
@@ -29336,7 +29137,7 @@
         <p:spPr>
           <a:xfrm>
             <a:off x="0" y="0"/>
-            <a:ext cx="109440" cy="1005480"/>
+            <a:ext cx="109080" cy="1005120"/>
           </a:xfrm>
           <a:prstGeom prst="rect">
             <a:avLst/>
@@ -29367,7 +29168,7 @@
         <p:spPr>
           <a:xfrm>
             <a:off x="255960" y="128160"/>
-            <a:ext cx="8503560" cy="548280"/>
+            <a:ext cx="8503200" cy="547920"/>
           </a:xfrm>
           <a:prstGeom prst="rect">
             <a:avLst/>
@@ -29422,7 +29223,7 @@
         <p:spPr>
           <a:xfrm>
             <a:off x="255960" y="658440"/>
-            <a:ext cx="8503560" cy="273960"/>
+            <a:ext cx="8503200" cy="273600"/>
           </a:xfrm>
           <a:prstGeom prst="rect">
             <a:avLst/>
@@ -29477,7 +29278,7 @@
         <p:spPr>
           <a:xfrm>
             <a:off x="320040" y="1143000"/>
-            <a:ext cx="8503560" cy="2212560"/>
+            <a:ext cx="8503200" cy="2212200"/>
           </a:xfrm>
           <a:prstGeom prst="rect">
             <a:avLst/>
@@ -29515,7 +29316,7 @@
         <p:spPr>
           <a:xfrm>
             <a:off x="320040" y="1143000"/>
-            <a:ext cx="109440" cy="2212560"/>
+            <a:ext cx="109080" cy="2212200"/>
           </a:xfrm>
           <a:prstGeom prst="rect">
             <a:avLst/>
@@ -29546,7 +29347,7 @@
         <p:spPr>
           <a:xfrm>
             <a:off x="567000" y="1234440"/>
-            <a:ext cx="8046360" cy="347040"/>
+            <a:ext cx="8046000" cy="346680"/>
           </a:xfrm>
           <a:prstGeom prst="rect">
             <a:avLst/>
@@ -29601,7 +29402,7 @@
         <p:spPr>
           <a:xfrm>
             <a:off x="457200" y="1664280"/>
-            <a:ext cx="1901520" cy="1462680"/>
+            <a:ext cx="1901160" cy="1462320"/>
           </a:xfrm>
           <a:prstGeom prst="rect">
             <a:avLst/>
@@ -29639,7 +29440,7 @@
         <p:spPr>
           <a:xfrm>
             <a:off x="457200" y="1664280"/>
-            <a:ext cx="1901520" cy="347040"/>
+            <a:ext cx="1901160" cy="346680"/>
           </a:xfrm>
           <a:prstGeom prst="rect">
             <a:avLst/>
@@ -29670,7 +29471,7 @@
         <p:spPr>
           <a:xfrm>
             <a:off x="457200" y="1664280"/>
-            <a:ext cx="1901520" cy="347040"/>
+            <a:ext cx="1901160" cy="346680"/>
           </a:xfrm>
           <a:prstGeom prst="rect">
             <a:avLst/>
@@ -29725,7 +29526,7 @@
         <p:spPr>
           <a:xfrm>
             <a:off x="457200" y="2048400"/>
-            <a:ext cx="1901520" cy="319680"/>
+            <a:ext cx="1901160" cy="319320"/>
           </a:xfrm>
           <a:prstGeom prst="rect">
             <a:avLst/>
@@ -29780,7 +29581,7 @@
         <p:spPr>
           <a:xfrm>
             <a:off x="457200" y="2377440"/>
-            <a:ext cx="1901520" cy="658080"/>
+            <a:ext cx="1901160" cy="657720"/>
           </a:xfrm>
           <a:prstGeom prst="rect">
             <a:avLst/>
@@ -29835,7 +29636,7 @@
         <p:spPr>
           <a:xfrm>
             <a:off x="2541960" y="1664280"/>
-            <a:ext cx="1901520" cy="1462680"/>
+            <a:ext cx="1901160" cy="1462320"/>
           </a:xfrm>
           <a:prstGeom prst="rect">
             <a:avLst/>
@@ -29873,7 +29674,7 @@
         <p:spPr>
           <a:xfrm>
             <a:off x="2541960" y="1664280"/>
-            <a:ext cx="1901520" cy="347040"/>
+            <a:ext cx="1901160" cy="346680"/>
           </a:xfrm>
           <a:prstGeom prst="rect">
             <a:avLst/>
@@ -29904,7 +29705,7 @@
         <p:spPr>
           <a:xfrm>
             <a:off x="2541960" y="1664280"/>
-            <a:ext cx="1901520" cy="347040"/>
+            <a:ext cx="1901160" cy="346680"/>
           </a:xfrm>
           <a:prstGeom prst="rect">
             <a:avLst/>
@@ -29959,7 +29760,7 @@
         <p:spPr>
           <a:xfrm>
             <a:off x="2541960" y="2048400"/>
-            <a:ext cx="1901520" cy="319680"/>
+            <a:ext cx="1901160" cy="319320"/>
           </a:xfrm>
           <a:prstGeom prst="rect">
             <a:avLst/>
@@ -30014,7 +29815,7 @@
         <p:spPr>
           <a:xfrm>
             <a:off x="2541960" y="2377440"/>
-            <a:ext cx="1901520" cy="658080"/>
+            <a:ext cx="1901160" cy="657720"/>
           </a:xfrm>
           <a:prstGeom prst="rect">
             <a:avLst/>
@@ -30069,7 +29870,7 @@
         <p:spPr>
           <a:xfrm>
             <a:off x="4626720" y="1664280"/>
-            <a:ext cx="1901520" cy="1462680"/>
+            <a:ext cx="1901160" cy="1462320"/>
           </a:xfrm>
           <a:prstGeom prst="rect">
             <a:avLst/>
@@ -30107,7 +29908,7 @@
         <p:spPr>
           <a:xfrm>
             <a:off x="4626720" y="1664280"/>
-            <a:ext cx="1901520" cy="347040"/>
+            <a:ext cx="1901160" cy="346680"/>
           </a:xfrm>
           <a:prstGeom prst="rect">
             <a:avLst/>
@@ -30138,7 +29939,7 @@
         <p:spPr>
           <a:xfrm>
             <a:off x="4626720" y="1664280"/>
-            <a:ext cx="1901520" cy="347040"/>
+            <a:ext cx="1901160" cy="346680"/>
           </a:xfrm>
           <a:prstGeom prst="rect">
             <a:avLst/>
@@ -30193,7 +29994,7 @@
         <p:spPr>
           <a:xfrm>
             <a:off x="4626720" y="2048400"/>
-            <a:ext cx="1901520" cy="319680"/>
+            <a:ext cx="1901160" cy="319320"/>
           </a:xfrm>
           <a:prstGeom prst="rect">
             <a:avLst/>
@@ -30248,7 +30049,7 @@
         <p:spPr>
           <a:xfrm>
             <a:off x="4626720" y="2377440"/>
-            <a:ext cx="1901520" cy="658080"/>
+            <a:ext cx="1901160" cy="657720"/>
           </a:xfrm>
           <a:prstGeom prst="rect">
             <a:avLst/>
@@ -30303,7 +30104,7 @@
         <p:spPr>
           <a:xfrm>
             <a:off x="6711840" y="1664280"/>
-            <a:ext cx="1901520" cy="1462680"/>
+            <a:ext cx="1901160" cy="1462320"/>
           </a:xfrm>
           <a:prstGeom prst="rect">
             <a:avLst/>
@@ -30341,7 +30142,7 @@
         <p:spPr>
           <a:xfrm>
             <a:off x="6711840" y="1664280"/>
-            <a:ext cx="1901520" cy="347040"/>
+            <a:ext cx="1901160" cy="346680"/>
           </a:xfrm>
           <a:prstGeom prst="rect">
             <a:avLst/>
@@ -30372,7 +30173,7 @@
         <p:spPr>
           <a:xfrm>
             <a:off x="6711840" y="1664280"/>
-            <a:ext cx="1901520" cy="347040"/>
+            <a:ext cx="1901160" cy="346680"/>
           </a:xfrm>
           <a:prstGeom prst="rect">
             <a:avLst/>
@@ -30427,7 +30228,7 @@
         <p:spPr>
           <a:xfrm>
             <a:off x="6711840" y="2048400"/>
-            <a:ext cx="1901520" cy="319680"/>
+            <a:ext cx="1901160" cy="319320"/>
           </a:xfrm>
           <a:prstGeom prst="rect">
             <a:avLst/>
@@ -30482,7 +30283,7 @@
         <p:spPr>
           <a:xfrm>
             <a:off x="6711840" y="2377440"/>
-            <a:ext cx="1901520" cy="658080"/>
+            <a:ext cx="1901160" cy="657720"/>
           </a:xfrm>
           <a:prstGeom prst="rect">
             <a:avLst/>
@@ -30537,7 +30338,7 @@
         <p:spPr>
           <a:xfrm>
             <a:off x="567000" y="3127320"/>
-            <a:ext cx="8046360" cy="621360"/>
+            <a:ext cx="8046000" cy="621000"/>
           </a:xfrm>
           <a:prstGeom prst="rect">
             <a:avLst/>
@@ -30616,7 +30417,7 @@
         <p:spPr>
           <a:xfrm>
             <a:off x="320040" y="3858840"/>
-            <a:ext cx="8503560" cy="932400"/>
+            <a:ext cx="8503200" cy="932040"/>
           </a:xfrm>
           <a:prstGeom prst="rect">
             <a:avLst/>
@@ -30654,7 +30455,7 @@
         <p:spPr>
           <a:xfrm>
             <a:off x="320040" y="3858840"/>
-            <a:ext cx="8503560" cy="72720"/>
+            <a:ext cx="8503200" cy="72360"/>
           </a:xfrm>
           <a:prstGeom prst="rect">
             <a:avLst/>
@@ -30685,7 +30486,7 @@
         <p:spPr>
           <a:xfrm>
             <a:off x="457200" y="3968640"/>
-            <a:ext cx="5028840" cy="319680"/>
+            <a:ext cx="5028480" cy="319320"/>
           </a:xfrm>
           <a:prstGeom prst="rect">
             <a:avLst/>
@@ -30740,7 +30541,7 @@
         <p:spPr>
           <a:xfrm>
             <a:off x="457200" y="4316040"/>
-            <a:ext cx="8229240" cy="383760"/>
+            <a:ext cx="8228880" cy="383400"/>
           </a:xfrm>
           <a:prstGeom prst="rect">
             <a:avLst/>
@@ -30845,7 +30646,7 @@
         <p:spPr>
           <a:xfrm>
             <a:off x="320040" y="4773240"/>
-            <a:ext cx="8503560" cy="273960"/>
+            <a:ext cx="8503200" cy="273600"/>
           </a:xfrm>
           <a:prstGeom prst="rect">
             <a:avLst/>
@@ -30883,7 +30684,7 @@
         <p:spPr>
           <a:xfrm>
             <a:off x="320040" y="4773240"/>
-            <a:ext cx="91080" cy="273960"/>
+            <a:ext cx="90720" cy="273600"/>
           </a:xfrm>
           <a:prstGeom prst="rect">
             <a:avLst/>
@@ -30914,7 +30715,7 @@
         <p:spPr>
           <a:xfrm>
             <a:off x="502920" y="4773240"/>
-            <a:ext cx="8229240" cy="273960"/>
+            <a:ext cx="8228880" cy="273600"/>
           </a:xfrm>
           <a:prstGeom prst="rect">
             <a:avLst/>
